--- a/Sounds/intro to building with raspberry pi.pptx
+++ b/Sounds/intro to building with raspberry pi.pptx
@@ -9,8 +9,9 @@
     <p:sldId id="257" r:id="rId3"/>
     <p:sldId id="259" r:id="rId4"/>
     <p:sldId id="260" r:id="rId5"/>
-    <p:sldId id="261" r:id="rId6"/>
-    <p:sldId id="262" r:id="rId7"/>
+    <p:sldId id="263" r:id="rId6"/>
+    <p:sldId id="261" r:id="rId7"/>
+    <p:sldId id="262" r:id="rId8"/>
   </p:sldIdLst>
   <p:sldSz cx="12192000" cy="6858000"/>
   <p:notesSz cx="6858000" cy="9144000"/>
@@ -12688,6 +12689,89 @@
           <p:cNvPr id="2" name="Title 1">
             <a:extLst>
               <a:ext uri="{FF2B5EF4-FFF2-40B4-BE49-F238E27FC236}">
+                <a16:creationId xmlns:a16="http://schemas.microsoft.com/office/drawing/2014/main" id="{9E4F13B3-05C0-ED44-940F-07E992815B91}"/>
+              </a:ext>
+            </a:extLst>
+          </p:cNvPr>
+          <p:cNvSpPr>
+            <a:spLocks noGrp="1"/>
+          </p:cNvSpPr>
+          <p:nvPr>
+            <p:ph type="title"/>
+          </p:nvPr>
+        </p:nvSpPr>
+        <p:spPr/>
+        <p:txBody>
+          <a:bodyPr/>
+          <a:lstStyle/>
+          <a:p>
+            <a:r>
+              <a:rPr lang="en-US" dirty="0"/>
+              <a:t>wiring</a:t>
+            </a:r>
+          </a:p>
+        </p:txBody>
+      </p:sp>
+      <p:sp>
+        <p:nvSpPr>
+          <p:cNvPr id="3" name="Content Placeholder 2">
+            <a:extLst>
+              <a:ext uri="{FF2B5EF4-FFF2-40B4-BE49-F238E27FC236}">
+                <a16:creationId xmlns:a16="http://schemas.microsoft.com/office/drawing/2014/main" id="{9BE69FAB-A10D-0449-8F00-86668788F75F}"/>
+              </a:ext>
+            </a:extLst>
+          </p:cNvPr>
+          <p:cNvSpPr>
+            <a:spLocks noGrp="1"/>
+          </p:cNvSpPr>
+          <p:nvPr>
+            <p:ph idx="1"/>
+          </p:nvPr>
+        </p:nvSpPr>
+        <p:spPr/>
+        <p:txBody>
+          <a:bodyPr/>
+          <a:lstStyle/>
+          <a:p>
+            <a:endParaRPr lang="en-US"/>
+          </a:p>
+        </p:txBody>
+      </p:sp>
+    </p:spTree>
+    <p:extLst>
+      <p:ext uri="{BB962C8B-B14F-4D97-AF65-F5344CB8AC3E}">
+        <p14:creationId xmlns:p14="http://schemas.microsoft.com/office/powerpoint/2010/main" val="3328547319"/>
+      </p:ext>
+    </p:extLst>
+  </p:cSld>
+  <p:clrMapOvr>
+    <a:masterClrMapping/>
+  </p:clrMapOvr>
+</p:sld>
+</file>
+
+<file path=ppt/slides/slide6.xml><?xml version="1.0" encoding="utf-8"?>
+<p:sld xmlns:a="http://schemas.openxmlformats.org/drawingml/2006/main" xmlns:r="http://schemas.openxmlformats.org/officeDocument/2006/relationships" xmlns:p="http://schemas.openxmlformats.org/presentationml/2006/main">
+  <p:cSld>
+    <p:spTree>
+      <p:nvGrpSpPr>
+        <p:cNvPr id="1" name=""/>
+        <p:cNvGrpSpPr/>
+        <p:nvPr/>
+      </p:nvGrpSpPr>
+      <p:grpSpPr>
+        <a:xfrm>
+          <a:off x="0" y="0"/>
+          <a:ext cx="0" cy="0"/>
+          <a:chOff x="0" y="0"/>
+          <a:chExt cx="0" cy="0"/>
+        </a:xfrm>
+      </p:grpSpPr>
+      <p:sp>
+        <p:nvSpPr>
+          <p:cNvPr id="2" name="Title 1">
+            <a:extLst>
+              <a:ext uri="{FF2B5EF4-FFF2-40B4-BE49-F238E27FC236}">
                 <a16:creationId xmlns:a16="http://schemas.microsoft.com/office/drawing/2014/main" id="{4F6416E3-221E-054D-B1F4-4B19FE9AEBFA}"/>
               </a:ext>
             </a:extLst>
@@ -12749,7 +12833,7 @@
 </p:sld>
 </file>
 
-<file path=ppt/slides/slide6.xml><?xml version="1.0" encoding="utf-8"?>
+<file path=ppt/slides/slide7.xml><?xml version="1.0" encoding="utf-8"?>
 <p:sld xmlns:a="http://schemas.openxmlformats.org/drawingml/2006/main" xmlns:r="http://schemas.openxmlformats.org/officeDocument/2006/relationships" xmlns:p="http://schemas.openxmlformats.org/presentationml/2006/main">
   <p:cSld>
     <p:spTree>
@@ -12788,9 +12872,10 @@
           <a:lstStyle/>
           <a:p>
             <a:r>
-              <a:rPr lang="en-US" dirty="0"/>
-              <a:t>interface</a:t>
+              <a:rPr lang="en-US"/>
+              <a:t>What’s next</a:t>
             </a:r>
+            <a:endParaRPr lang="en-US" dirty="0"/>
           </a:p>
         </p:txBody>
       </p:sp>

--- a/Sounds/intro to building with raspberry pi.pptx
+++ b/Sounds/intro to building with raspberry pi.pptx
@@ -12463,31 +12463,35 @@
           </a:p>
         </p:txBody>
       </p:sp>
-      <p:sp>
-        <p:nvSpPr>
-          <p:cNvPr id="3" name="Content Placeholder 2">
+      <p:pic>
+        <p:nvPicPr>
+          <p:cNvPr id="5" name="Content Placeholder 4">
             <a:extLst>
               <a:ext uri="{FF2B5EF4-FFF2-40B4-BE49-F238E27FC236}">
-                <a16:creationId xmlns:a16="http://schemas.microsoft.com/office/drawing/2014/main" id="{19A90FD8-C230-A94D-BD0C-379DC2952BCE}"/>
+                <a16:creationId xmlns:a16="http://schemas.microsoft.com/office/drawing/2014/main" id="{E19DE0BF-BFD8-6B48-AC28-5EAEFDE1C8F1}"/>
               </a:ext>
             </a:extLst>
           </p:cNvPr>
-          <p:cNvSpPr>
-            <a:spLocks noGrp="1"/>
-          </p:cNvSpPr>
+          <p:cNvPicPr>
+            <a:picLocks noGrp="1" noChangeAspect="1"/>
+          </p:cNvPicPr>
           <p:nvPr>
             <p:ph idx="1"/>
           </p:nvPr>
-        </p:nvSpPr>
-        <p:spPr/>
-        <p:txBody>
-          <a:bodyPr/>
-          <a:lstStyle/>
-          <a:p>
-            <a:endParaRPr lang="en-US" dirty="0"/>
-          </a:p>
-        </p:txBody>
-      </p:sp>
+        </p:nvPicPr>
+        <p:blipFill>
+          <a:blip r:embed="rId2"/>
+          <a:stretch>
+            <a:fillRect/>
+          </a:stretch>
+        </p:blipFill>
+        <p:spPr>
+          <a:xfrm>
+            <a:off x="1294954" y="1807285"/>
+            <a:ext cx="9602092" cy="4548359"/>
+          </a:xfrm>
+        </p:spPr>
+      </p:pic>
     </p:spTree>
     <p:extLst>
       <p:ext uri="{BB962C8B-B14F-4D97-AF65-F5344CB8AC3E}">
@@ -12546,31 +12550,35 @@
           </a:p>
         </p:txBody>
       </p:sp>
-      <p:sp>
-        <p:nvSpPr>
-          <p:cNvPr id="3" name="Content Placeholder 2">
+      <p:pic>
+        <p:nvPicPr>
+          <p:cNvPr id="5" name="Content Placeholder 4">
             <a:extLst>
               <a:ext uri="{FF2B5EF4-FFF2-40B4-BE49-F238E27FC236}">
-                <a16:creationId xmlns:a16="http://schemas.microsoft.com/office/drawing/2014/main" id="{6A77DD91-EDB0-9144-8A2C-EA878C7FDB89}"/>
+                <a16:creationId xmlns:a16="http://schemas.microsoft.com/office/drawing/2014/main" id="{62B3B83C-2BD0-7843-A43B-5062E06D288D}"/>
               </a:ext>
             </a:extLst>
           </p:cNvPr>
-          <p:cNvSpPr>
-            <a:spLocks noGrp="1"/>
-          </p:cNvSpPr>
+          <p:cNvPicPr>
+            <a:picLocks noGrp="1" noChangeAspect="1"/>
+          </p:cNvPicPr>
           <p:nvPr>
             <p:ph idx="1"/>
           </p:nvPr>
-        </p:nvSpPr>
-        <p:spPr/>
-        <p:txBody>
-          <a:bodyPr/>
-          <a:lstStyle/>
-          <a:p>
-            <a:endParaRPr lang="en-US"/>
-          </a:p>
-        </p:txBody>
-      </p:sp>
+        </p:nvPicPr>
+        <p:blipFill>
+          <a:blip r:embed="rId2"/>
+          <a:stretch>
+            <a:fillRect/>
+          </a:stretch>
+        </p:blipFill>
+        <p:spPr>
+          <a:xfrm>
+            <a:off x="1789923" y="1710160"/>
+            <a:ext cx="8612155" cy="4844338"/>
+          </a:xfrm>
+        </p:spPr>
+      </p:pic>
     </p:spTree>
     <p:extLst>
       <p:ext uri="{BB962C8B-B14F-4D97-AF65-F5344CB8AC3E}">
@@ -12753,6 +12761,31 @@
 <file path=ppt/slides/slide6.xml><?xml version="1.0" encoding="utf-8"?>
 <p:sld xmlns:a="http://schemas.openxmlformats.org/drawingml/2006/main" xmlns:r="http://schemas.openxmlformats.org/officeDocument/2006/relationships" xmlns:p="http://schemas.openxmlformats.org/presentationml/2006/main">
   <p:cSld>
+    <p:bg>
+      <p:bgPr>
+        <a:blipFill>
+          <a:blip r:embed="rId2">
+            <a:duotone>
+              <a:schemeClr val="bg2">
+                <a:shade val="88000"/>
+                <a:hueMod val="106000"/>
+                <a:satMod val="140000"/>
+                <a:lumMod val="54000"/>
+              </a:schemeClr>
+              <a:schemeClr val="bg2">
+                <a:tint val="98000"/>
+                <a:hueMod val="90000"/>
+                <a:satMod val="150000"/>
+                <a:lumMod val="160000"/>
+              </a:schemeClr>
+            </a:duotone>
+            <a:extLst/>
+          </a:blip>
+          <a:stretch/>
+        </a:blipFill>
+        <a:effectLst/>
+      </p:bgPr>
+    </p:bg>
     <p:spTree>
       <p:nvGrpSpPr>
         <p:cNvPr id="1" name=""/>
@@ -12767,6 +12800,4894 @@
           <a:chExt cx="0" cy="0"/>
         </a:xfrm>
       </p:grpSpPr>
+      <p:grpSp>
+        <p:nvGrpSpPr>
+          <p:cNvPr id="13" name="Group 12">
+            <a:extLst>
+              <a:ext uri="{FF2B5EF4-FFF2-40B4-BE49-F238E27FC236}">
+                <a16:creationId xmlns:a16="http://schemas.microsoft.com/office/drawing/2014/main" id="{8E1DDAD8-1D10-4640-A034-BE90015E37B6}"/>
+              </a:ext>
+            </a:extLst>
+          </p:cNvPr>
+          <p:cNvGrpSpPr>
+            <a:grpSpLocks noGrp="1" noUngrp="1" noRot="1" noChangeAspect="1" noMove="1" noResize="1"/>
+          </p:cNvGrpSpPr>
+          <p:nvPr>
+            <p:extLst>
+              <p:ext uri="{386F3935-93C4-4BCD-93E2-E3B085C9AB24}">
+                <p16:designElem xmlns:p16="http://schemas.microsoft.com/office/powerpoint/2015/main" val="1"/>
+              </p:ext>
+            </p:extLst>
+          </p:nvPr>
+        </p:nvGrpSpPr>
+        <p:grpSpPr>
+          <a:xfrm>
+            <a:off x="0" y="-1"/>
+            <a:ext cx="12192003" cy="6858001"/>
+            <a:chOff x="0" y="-1"/>
+            <a:chExt cx="12192003" cy="6858001"/>
+          </a:xfrm>
+        </p:grpSpPr>
+        <p:sp useBgFill="1">
+          <p:nvSpPr>
+            <p:cNvPr id="14" name="Rectangle 13">
+              <a:extLst>
+                <a:ext uri="{FF2B5EF4-FFF2-40B4-BE49-F238E27FC236}">
+                  <a16:creationId xmlns:a16="http://schemas.microsoft.com/office/drawing/2014/main" id="{52FE7688-721D-4A97-B007-BDE056094DAE}"/>
+                </a:ext>
+              </a:extLst>
+            </p:cNvPr>
+            <p:cNvSpPr/>
+            <p:nvPr>
+              <p:extLst>
+                <p:ext uri="{386F3935-93C4-4BCD-93E2-E3B085C9AB24}">
+                  <p16:designElem xmlns:p16="http://schemas.microsoft.com/office/powerpoint/2015/main" val="1"/>
+                </p:ext>
+              </p:extLst>
+            </p:nvPr>
+          </p:nvSpPr>
+          <p:spPr>
+            <a:xfrm>
+              <a:off x="1" y="-1"/>
+              <a:ext cx="12192000" cy="6858000"/>
+            </a:xfrm>
+            <a:prstGeom prst="rect">
+              <a:avLst/>
+            </a:prstGeom>
+            <a:ln>
+              <a:noFill/>
+            </a:ln>
+          </p:spPr>
+          <p:style>
+            <a:lnRef idx="2">
+              <a:schemeClr val="accent1">
+                <a:shade val="50000"/>
+              </a:schemeClr>
+            </a:lnRef>
+            <a:fillRef idx="1">
+              <a:schemeClr val="accent1"/>
+            </a:fillRef>
+            <a:effectRef idx="0">
+              <a:schemeClr val="accent1"/>
+            </a:effectRef>
+            <a:fontRef idx="minor">
+              <a:schemeClr val="lt1"/>
+            </a:fontRef>
+          </p:style>
+          <p:txBody>
+            <a:bodyPr rtlCol="0" anchor="ctr"/>
+            <a:lstStyle/>
+            <a:p>
+              <a:pPr algn="ctr"/>
+              <a:endParaRPr lang="en-US"/>
+            </a:p>
+          </p:txBody>
+        </p:sp>
+        <p:pic>
+          <p:nvPicPr>
+            <p:cNvPr id="15" name="Picture 2">
+              <a:extLst>
+                <a:ext uri="{FF2B5EF4-FFF2-40B4-BE49-F238E27FC236}">
+                  <a16:creationId xmlns:a16="http://schemas.microsoft.com/office/drawing/2014/main" id="{9E73A810-8571-4A9D-A3CB-336933AB4C0E}"/>
+                </a:ext>
+              </a:extLst>
+            </p:cNvPr>
+            <p:cNvPicPr>
+              <a:picLocks noChangeAspect="1" noChangeArrowheads="1"/>
+            </p:cNvPicPr>
+            <p:nvPr>
+              <p:extLst>
+                <p:ext uri="{386F3935-93C4-4BCD-93E2-E3B085C9AB24}">
+                  <p16:designElem xmlns:p16="http://schemas.microsoft.com/office/powerpoint/2015/main" val="1"/>
+                </p:ext>
+              </p:extLst>
+            </p:nvPr>
+          </p:nvPicPr>
+          <p:blipFill>
+            <a:blip r:embed="rId3">
+              <a:alphaModFix amt="30000"/>
+              <a:duotone>
+                <a:prstClr val="black"/>
+                <a:schemeClr val="tx2">
+                  <a:tint val="45000"/>
+                  <a:satMod val="400000"/>
+                </a:schemeClr>
+              </a:duotone>
+              <a:extLst>
+                <a:ext uri="{28A0092B-C50C-407E-A947-70E740481C1C}">
+                  <a14:useLocalDpi xmlns:a14="http://schemas.microsoft.com/office/drawing/2010/main" val="0"/>
+                </a:ext>
+              </a:extLst>
+            </a:blip>
+            <a:srcRect/>
+            <a:stretch>
+              <a:fillRect/>
+            </a:stretch>
+          </p:blipFill>
+          <p:spPr bwMode="auto">
+            <a:xfrm>
+              <a:off x="0" y="-1"/>
+              <a:ext cx="12192003" cy="6858001"/>
+            </a:xfrm>
+            <a:prstGeom prst="rect">
+              <a:avLst/>
+            </a:prstGeom>
+            <a:noFill/>
+            <a:extLst>
+              <a:ext uri="{909E8E84-426E-40dd-AFC4-6F175D3DCCD1}">
+                <a14:hiddenFill xmlns="" xmlns:p14="http://schemas.microsoft.com/office/powerpoint/2010/main" xmlns:a14="http://schemas.microsoft.com/office/drawing/2010/main">
+                  <a:solidFill>
+                    <a:srgbClr val="FFFFFF"/>
+                  </a:solidFill>
+                </a14:hiddenFill>
+              </a:ext>
+            </a:extLst>
+          </p:spPr>
+        </p:pic>
+      </p:grpSp>
+      <p:grpSp>
+        <p:nvGrpSpPr>
+          <p:cNvPr id="17" name="Group 16">
+            <a:extLst>
+              <a:ext uri="{FF2B5EF4-FFF2-40B4-BE49-F238E27FC236}">
+                <a16:creationId xmlns:a16="http://schemas.microsoft.com/office/drawing/2014/main" id="{FD642FB6-2808-4BC5-AE0B-7302C24B78A5}"/>
+              </a:ext>
+            </a:extLst>
+          </p:cNvPr>
+          <p:cNvGrpSpPr>
+            <a:grpSpLocks noGrp="1" noUngrp="1" noRot="1" noChangeAspect="1" noMove="1" noResize="1"/>
+          </p:cNvGrpSpPr>
+          <p:nvPr>
+            <p:extLst>
+              <p:ext uri="{386F3935-93C4-4BCD-93E2-E3B085C9AB24}">
+                <p16:designElem xmlns:p16="http://schemas.microsoft.com/office/powerpoint/2015/main" val="1"/>
+              </p:ext>
+            </p:extLst>
+          </p:nvPr>
+        </p:nvGrpSpPr>
+        <p:grpSpPr>
+          <a:xfrm>
+            <a:off x="0" y="0"/>
+            <a:ext cx="2305051" cy="6858001"/>
+            <a:chOff x="0" y="0"/>
+            <a:chExt cx="2305051" cy="6858001"/>
+          </a:xfrm>
+          <a:solidFill>
+            <a:schemeClr val="tx1">
+              <a:alpha val="70000"/>
+            </a:schemeClr>
+          </a:solidFill>
+          <a:effectLst/>
+        </p:grpSpPr>
+        <p:sp>
+          <p:nvSpPr>
+            <p:cNvPr id="18" name="Rectangle 17">
+              <a:extLst>
+                <a:ext uri="{FF2B5EF4-FFF2-40B4-BE49-F238E27FC236}">
+                  <a16:creationId xmlns:a16="http://schemas.microsoft.com/office/drawing/2014/main" id="{0B0B8F04-D9A7-48E5-A29C-51A66B59DFF4}"/>
+                </a:ext>
+              </a:extLst>
+            </p:cNvPr>
+            <p:cNvSpPr>
+              <a:spLocks noChangeArrowheads="1"/>
+            </p:cNvSpPr>
+            <p:nvPr>
+              <p:extLst>
+                <p:ext uri="{386F3935-93C4-4BCD-93E2-E3B085C9AB24}">
+                  <p16:designElem xmlns:p16="http://schemas.microsoft.com/office/powerpoint/2015/main" val="1"/>
+                </p:ext>
+              </p:extLst>
+            </p:nvPr>
+          </p:nvSpPr>
+          <p:spPr bwMode="auto">
+            <a:xfrm>
+              <a:off x="1209675" y="4763"/>
+              <a:ext cx="23813" cy="2181225"/>
+            </a:xfrm>
+            <a:prstGeom prst="rect">
+              <a:avLst/>
+            </a:prstGeom>
+            <a:grpFill/>
+            <a:ln>
+              <a:noFill/>
+            </a:ln>
+            <a:extLst>
+              <a:ext uri="{91240B29-F687-4f45-9708-019B960494DF}">
+                <a14:hiddenLine xmlns="" xmlns:p14="http://schemas.microsoft.com/office/powerpoint/2010/main" xmlns:a14="http://schemas.microsoft.com/office/drawing/2010/main" w="9525">
+                  <a:solidFill>
+                    <a:srgbClr val="000000"/>
+                  </a:solidFill>
+                  <a:miter lim="800000"/>
+                  <a:headEnd/>
+                  <a:tailEnd/>
+                </a14:hiddenLine>
+              </a:ext>
+            </a:extLst>
+          </p:spPr>
+        </p:sp>
+        <p:sp>
+          <p:nvSpPr>
+            <p:cNvPr id="19" name="Freeform 6">
+              <a:extLst>
+                <a:ext uri="{FF2B5EF4-FFF2-40B4-BE49-F238E27FC236}">
+                  <a16:creationId xmlns:a16="http://schemas.microsoft.com/office/drawing/2014/main" id="{D6D18883-6BFF-42BB-8088-FCCF83F9CFC0}"/>
+                </a:ext>
+              </a:extLst>
+            </p:cNvPr>
+            <p:cNvSpPr>
+              <a:spLocks noEditPoints="1"/>
+            </p:cNvSpPr>
+            <p:nvPr>
+              <p:extLst>
+                <p:ext uri="{386F3935-93C4-4BCD-93E2-E3B085C9AB24}">
+                  <p16:designElem xmlns:p16="http://schemas.microsoft.com/office/powerpoint/2015/main" val="1"/>
+                </p:ext>
+              </p:extLst>
+            </p:nvPr>
+          </p:nvSpPr>
+          <p:spPr bwMode="auto">
+            <a:xfrm>
+              <a:off x="1128713" y="2176463"/>
+              <a:ext cx="190500" cy="190500"/>
+            </a:xfrm>
+            <a:custGeom>
+              <a:avLst/>
+              <a:gdLst/>
+              <a:ahLst/>
+              <a:cxnLst/>
+              <a:rect l="0" t="0" r="r" b="b"/>
+              <a:pathLst>
+                <a:path w="40" h="40">
+                  <a:moveTo>
+                    <a:pt x="20" y="40"/>
+                  </a:moveTo>
+                  <a:cubicBezTo>
+                    <a:pt x="9" y="40"/>
+                    <a:pt x="0" y="31"/>
+                    <a:pt x="0" y="20"/>
+                  </a:cubicBezTo>
+                  <a:cubicBezTo>
+                    <a:pt x="0" y="9"/>
+                    <a:pt x="9" y="0"/>
+                    <a:pt x="20" y="0"/>
+                  </a:cubicBezTo>
+                  <a:cubicBezTo>
+                    <a:pt x="31" y="0"/>
+                    <a:pt x="40" y="9"/>
+                    <a:pt x="40" y="20"/>
+                  </a:cubicBezTo>
+                  <a:cubicBezTo>
+                    <a:pt x="40" y="31"/>
+                    <a:pt x="31" y="40"/>
+                    <a:pt x="20" y="40"/>
+                  </a:cubicBezTo>
+                  <a:close/>
+                  <a:moveTo>
+                    <a:pt x="20" y="4"/>
+                  </a:moveTo>
+                  <a:cubicBezTo>
+                    <a:pt x="11" y="4"/>
+                    <a:pt x="4" y="11"/>
+                    <a:pt x="4" y="20"/>
+                  </a:cubicBezTo>
+                  <a:cubicBezTo>
+                    <a:pt x="4" y="29"/>
+                    <a:pt x="11" y="36"/>
+                    <a:pt x="20" y="36"/>
+                  </a:cubicBezTo>
+                  <a:cubicBezTo>
+                    <a:pt x="28" y="36"/>
+                    <a:pt x="36" y="29"/>
+                    <a:pt x="36" y="20"/>
+                  </a:cubicBezTo>
+                  <a:cubicBezTo>
+                    <a:pt x="36" y="11"/>
+                    <a:pt x="28" y="4"/>
+                    <a:pt x="20" y="4"/>
+                  </a:cubicBezTo>
+                  <a:close/>
+                </a:path>
+              </a:pathLst>
+            </a:custGeom>
+            <a:grpFill/>
+            <a:ln>
+              <a:noFill/>
+            </a:ln>
+            <a:extLst>
+              <a:ext uri="{91240B29-F687-4f45-9708-019B960494DF}">
+                <a14:hiddenLine xmlns="" xmlns:p14="http://schemas.microsoft.com/office/powerpoint/2010/main" xmlns:a14="http://schemas.microsoft.com/office/drawing/2010/main" w="9525">
+                  <a:solidFill>
+                    <a:srgbClr val="000000"/>
+                  </a:solidFill>
+                  <a:round/>
+                  <a:headEnd/>
+                  <a:tailEnd/>
+                </a14:hiddenLine>
+              </a:ext>
+            </a:extLst>
+          </p:spPr>
+        </p:sp>
+        <p:sp>
+          <p:nvSpPr>
+            <p:cNvPr id="20" name="Freeform 7">
+              <a:extLst>
+                <a:ext uri="{FF2B5EF4-FFF2-40B4-BE49-F238E27FC236}">
+                  <a16:creationId xmlns:a16="http://schemas.microsoft.com/office/drawing/2014/main" id="{1D0FEFB3-A009-4D0F-9107-C0B17786FB0D}"/>
+                </a:ext>
+              </a:extLst>
+            </p:cNvPr>
+            <p:cNvSpPr>
+              <a:spLocks noEditPoints="1"/>
+            </p:cNvSpPr>
+            <p:nvPr>
+              <p:extLst>
+                <p:ext uri="{386F3935-93C4-4BCD-93E2-E3B085C9AB24}">
+                  <p16:designElem xmlns:p16="http://schemas.microsoft.com/office/powerpoint/2015/main" val="1"/>
+                </p:ext>
+              </p:extLst>
+            </p:nvPr>
+          </p:nvSpPr>
+          <p:spPr bwMode="auto">
+            <a:xfrm>
+              <a:off x="1123950" y="4021138"/>
+              <a:ext cx="190500" cy="188913"/>
+            </a:xfrm>
+            <a:custGeom>
+              <a:avLst/>
+              <a:gdLst/>
+              <a:ahLst/>
+              <a:cxnLst/>
+              <a:rect l="0" t="0" r="r" b="b"/>
+              <a:pathLst>
+                <a:path w="40" h="40">
+                  <a:moveTo>
+                    <a:pt x="20" y="40"/>
+                  </a:moveTo>
+                  <a:cubicBezTo>
+                    <a:pt x="9" y="40"/>
+                    <a:pt x="0" y="31"/>
+                    <a:pt x="0" y="20"/>
+                  </a:cubicBezTo>
+                  <a:cubicBezTo>
+                    <a:pt x="0" y="9"/>
+                    <a:pt x="9" y="0"/>
+                    <a:pt x="20" y="0"/>
+                  </a:cubicBezTo>
+                  <a:cubicBezTo>
+                    <a:pt x="31" y="0"/>
+                    <a:pt x="40" y="9"/>
+                    <a:pt x="40" y="20"/>
+                  </a:cubicBezTo>
+                  <a:cubicBezTo>
+                    <a:pt x="40" y="31"/>
+                    <a:pt x="31" y="40"/>
+                    <a:pt x="20" y="40"/>
+                  </a:cubicBezTo>
+                  <a:close/>
+                  <a:moveTo>
+                    <a:pt x="20" y="4"/>
+                  </a:moveTo>
+                  <a:cubicBezTo>
+                    <a:pt x="11" y="4"/>
+                    <a:pt x="4" y="11"/>
+                    <a:pt x="4" y="20"/>
+                  </a:cubicBezTo>
+                  <a:cubicBezTo>
+                    <a:pt x="4" y="29"/>
+                    <a:pt x="11" y="36"/>
+                    <a:pt x="20" y="36"/>
+                  </a:cubicBezTo>
+                  <a:cubicBezTo>
+                    <a:pt x="29" y="36"/>
+                    <a:pt x="36" y="29"/>
+                    <a:pt x="36" y="20"/>
+                  </a:cubicBezTo>
+                  <a:cubicBezTo>
+                    <a:pt x="36" y="11"/>
+                    <a:pt x="29" y="4"/>
+                    <a:pt x="20" y="4"/>
+                  </a:cubicBezTo>
+                  <a:close/>
+                </a:path>
+              </a:pathLst>
+            </a:custGeom>
+            <a:grpFill/>
+            <a:ln>
+              <a:noFill/>
+            </a:ln>
+            <a:extLst>
+              <a:ext uri="{91240B29-F687-4f45-9708-019B960494DF}">
+                <a14:hiddenLine xmlns="" xmlns:p14="http://schemas.microsoft.com/office/powerpoint/2010/main" xmlns:a14="http://schemas.microsoft.com/office/drawing/2010/main" w="9525">
+                  <a:solidFill>
+                    <a:srgbClr val="000000"/>
+                  </a:solidFill>
+                  <a:round/>
+                  <a:headEnd/>
+                  <a:tailEnd/>
+                </a14:hiddenLine>
+              </a:ext>
+            </a:extLst>
+          </p:spPr>
+        </p:sp>
+        <p:sp>
+          <p:nvSpPr>
+            <p:cNvPr id="21" name="Rectangle 20">
+              <a:extLst>
+                <a:ext uri="{FF2B5EF4-FFF2-40B4-BE49-F238E27FC236}">
+                  <a16:creationId xmlns:a16="http://schemas.microsoft.com/office/drawing/2014/main" id="{78E86C7F-B981-4448-8A1A-856F7124FF4A}"/>
+                </a:ext>
+              </a:extLst>
+            </p:cNvPr>
+            <p:cNvSpPr>
+              <a:spLocks noChangeArrowheads="1"/>
+            </p:cNvSpPr>
+            <p:nvPr>
+              <p:extLst>
+                <p:ext uri="{386F3935-93C4-4BCD-93E2-E3B085C9AB24}">
+                  <p16:designElem xmlns:p16="http://schemas.microsoft.com/office/powerpoint/2015/main" val="1"/>
+                </p:ext>
+              </p:extLst>
+            </p:nvPr>
+          </p:nvSpPr>
+          <p:spPr bwMode="auto">
+            <a:xfrm>
+              <a:off x="414338" y="9525"/>
+              <a:ext cx="28575" cy="4481513"/>
+            </a:xfrm>
+            <a:prstGeom prst="rect">
+              <a:avLst/>
+            </a:prstGeom>
+            <a:grpFill/>
+            <a:ln>
+              <a:noFill/>
+            </a:ln>
+            <a:extLst>
+              <a:ext uri="{91240B29-F687-4f45-9708-019B960494DF}">
+                <a14:hiddenLine xmlns="" xmlns:p14="http://schemas.microsoft.com/office/powerpoint/2010/main" xmlns:a14="http://schemas.microsoft.com/office/drawing/2010/main" w="9525">
+                  <a:solidFill>
+                    <a:srgbClr val="000000"/>
+                  </a:solidFill>
+                  <a:miter lim="800000"/>
+                  <a:headEnd/>
+                  <a:tailEnd/>
+                </a14:hiddenLine>
+              </a:ext>
+            </a:extLst>
+          </p:spPr>
+        </p:sp>
+        <p:sp>
+          <p:nvSpPr>
+            <p:cNvPr id="22" name="Freeform 9">
+              <a:extLst>
+                <a:ext uri="{FF2B5EF4-FFF2-40B4-BE49-F238E27FC236}">
+                  <a16:creationId xmlns:a16="http://schemas.microsoft.com/office/drawing/2014/main" id="{4C6CFFD9-BA00-4184-8310-5FC9550954F9}"/>
+                </a:ext>
+              </a:extLst>
+            </p:cNvPr>
+            <p:cNvSpPr>
+              <a:spLocks noEditPoints="1"/>
+            </p:cNvSpPr>
+            <p:nvPr>
+              <p:extLst>
+                <p:ext uri="{386F3935-93C4-4BCD-93E2-E3B085C9AB24}">
+                  <p16:designElem xmlns:p16="http://schemas.microsoft.com/office/powerpoint/2015/main" val="1"/>
+                </p:ext>
+              </p:extLst>
+            </p:nvPr>
+          </p:nvSpPr>
+          <p:spPr bwMode="auto">
+            <a:xfrm>
+              <a:off x="333375" y="4481513"/>
+              <a:ext cx="190500" cy="190500"/>
+            </a:xfrm>
+            <a:custGeom>
+              <a:avLst/>
+              <a:gdLst/>
+              <a:ahLst/>
+              <a:cxnLst/>
+              <a:rect l="0" t="0" r="r" b="b"/>
+              <a:pathLst>
+                <a:path w="40" h="40">
+                  <a:moveTo>
+                    <a:pt x="20" y="40"/>
+                  </a:moveTo>
+                  <a:cubicBezTo>
+                    <a:pt x="9" y="40"/>
+                    <a:pt x="0" y="31"/>
+                    <a:pt x="0" y="20"/>
+                  </a:cubicBezTo>
+                  <a:cubicBezTo>
+                    <a:pt x="0" y="9"/>
+                    <a:pt x="9" y="0"/>
+                    <a:pt x="20" y="0"/>
+                  </a:cubicBezTo>
+                  <a:cubicBezTo>
+                    <a:pt x="31" y="0"/>
+                    <a:pt x="40" y="9"/>
+                    <a:pt x="40" y="20"/>
+                  </a:cubicBezTo>
+                  <a:cubicBezTo>
+                    <a:pt x="40" y="31"/>
+                    <a:pt x="31" y="40"/>
+                    <a:pt x="20" y="40"/>
+                  </a:cubicBezTo>
+                  <a:close/>
+                  <a:moveTo>
+                    <a:pt x="20" y="4"/>
+                  </a:moveTo>
+                  <a:cubicBezTo>
+                    <a:pt x="11" y="4"/>
+                    <a:pt x="4" y="11"/>
+                    <a:pt x="4" y="20"/>
+                  </a:cubicBezTo>
+                  <a:cubicBezTo>
+                    <a:pt x="4" y="29"/>
+                    <a:pt x="11" y="36"/>
+                    <a:pt x="20" y="36"/>
+                  </a:cubicBezTo>
+                  <a:cubicBezTo>
+                    <a:pt x="29" y="36"/>
+                    <a:pt x="36" y="29"/>
+                    <a:pt x="36" y="20"/>
+                  </a:cubicBezTo>
+                  <a:cubicBezTo>
+                    <a:pt x="36" y="11"/>
+                    <a:pt x="29" y="4"/>
+                    <a:pt x="20" y="4"/>
+                  </a:cubicBezTo>
+                  <a:close/>
+                </a:path>
+              </a:pathLst>
+            </a:custGeom>
+            <a:grpFill/>
+            <a:ln>
+              <a:noFill/>
+            </a:ln>
+            <a:extLst>
+              <a:ext uri="{91240B29-F687-4f45-9708-019B960494DF}">
+                <a14:hiddenLine xmlns="" xmlns:p14="http://schemas.microsoft.com/office/powerpoint/2010/main" xmlns:a14="http://schemas.microsoft.com/office/drawing/2010/main" w="9525">
+                  <a:solidFill>
+                    <a:srgbClr val="000000"/>
+                  </a:solidFill>
+                  <a:round/>
+                  <a:headEnd/>
+                  <a:tailEnd/>
+                </a14:hiddenLine>
+              </a:ext>
+            </a:extLst>
+          </p:spPr>
+        </p:sp>
+        <p:sp>
+          <p:nvSpPr>
+            <p:cNvPr id="23" name="Freeform 10">
+              <a:extLst>
+                <a:ext uri="{FF2B5EF4-FFF2-40B4-BE49-F238E27FC236}">
+                  <a16:creationId xmlns:a16="http://schemas.microsoft.com/office/drawing/2014/main" id="{A1892DF3-4848-496C-8664-DFD32EE25086}"/>
+                </a:ext>
+              </a:extLst>
+            </p:cNvPr>
+            <p:cNvSpPr/>
+            <p:nvPr>
+              <p:extLst>
+                <p:ext uri="{386F3935-93C4-4BCD-93E2-E3B085C9AB24}">
+                  <p16:designElem xmlns:p16="http://schemas.microsoft.com/office/powerpoint/2015/main" val="1"/>
+                </p:ext>
+              </p:extLst>
+            </p:nvPr>
+          </p:nvSpPr>
+          <p:spPr bwMode="auto">
+            <a:xfrm>
+              <a:off x="190500" y="9525"/>
+              <a:ext cx="152400" cy="908050"/>
+            </a:xfrm>
+            <a:custGeom>
+              <a:avLst/>
+              <a:gdLst/>
+              <a:ahLst/>
+              <a:cxnLst/>
+              <a:rect l="0" t="0" r="r" b="b"/>
+              <a:pathLst>
+                <a:path w="96" h="572">
+                  <a:moveTo>
+                    <a:pt x="15" y="572"/>
+                  </a:moveTo>
+                  <a:lnTo>
+                    <a:pt x="0" y="566"/>
+                  </a:lnTo>
+                  <a:lnTo>
+                    <a:pt x="81" y="380"/>
+                  </a:lnTo>
+                  <a:lnTo>
+                    <a:pt x="81" y="0"/>
+                  </a:lnTo>
+                  <a:lnTo>
+                    <a:pt x="96" y="0"/>
+                  </a:lnTo>
+                  <a:lnTo>
+                    <a:pt x="96" y="383"/>
+                  </a:lnTo>
+                  <a:lnTo>
+                    <a:pt x="15" y="572"/>
+                  </a:lnTo>
+                  <a:close/>
+                </a:path>
+              </a:pathLst>
+            </a:custGeom>
+            <a:grpFill/>
+            <a:ln>
+              <a:noFill/>
+            </a:ln>
+            <a:extLst>
+              <a:ext uri="{91240B29-F687-4f45-9708-019B960494DF}">
+                <a14:hiddenLine xmlns="" xmlns:p14="http://schemas.microsoft.com/office/powerpoint/2010/main" xmlns:a14="http://schemas.microsoft.com/office/drawing/2010/main" w="9525">
+                  <a:solidFill>
+                    <a:srgbClr val="000000"/>
+                  </a:solidFill>
+                  <a:round/>
+                  <a:headEnd/>
+                  <a:tailEnd/>
+                </a14:hiddenLine>
+              </a:ext>
+            </a:extLst>
+          </p:spPr>
+        </p:sp>
+        <p:sp>
+          <p:nvSpPr>
+            <p:cNvPr id="24" name="Freeform 11">
+              <a:extLst>
+                <a:ext uri="{FF2B5EF4-FFF2-40B4-BE49-F238E27FC236}">
+                  <a16:creationId xmlns:a16="http://schemas.microsoft.com/office/drawing/2014/main" id="{D6DB8C30-651E-4D8F-A70C-163FC5842733}"/>
+                </a:ext>
+              </a:extLst>
+            </p:cNvPr>
+            <p:cNvSpPr/>
+            <p:nvPr>
+              <p:extLst>
+                <p:ext uri="{386F3935-93C4-4BCD-93E2-E3B085C9AB24}">
+                  <p16:designElem xmlns:p16="http://schemas.microsoft.com/office/powerpoint/2015/main" val="1"/>
+                </p:ext>
+              </p:extLst>
+            </p:nvPr>
+          </p:nvSpPr>
+          <p:spPr bwMode="auto">
+            <a:xfrm>
+              <a:off x="1290638" y="14288"/>
+              <a:ext cx="376238" cy="1801813"/>
+            </a:xfrm>
+            <a:custGeom>
+              <a:avLst/>
+              <a:gdLst/>
+              <a:ahLst/>
+              <a:cxnLst/>
+              <a:rect l="0" t="0" r="r" b="b"/>
+              <a:pathLst>
+                <a:path w="237" h="1135">
+                  <a:moveTo>
+                    <a:pt x="222" y="1135"/>
+                  </a:moveTo>
+                  <a:lnTo>
+                    <a:pt x="0" y="620"/>
+                  </a:lnTo>
+                  <a:lnTo>
+                    <a:pt x="0" y="0"/>
+                  </a:lnTo>
+                  <a:lnTo>
+                    <a:pt x="18" y="0"/>
+                  </a:lnTo>
+                  <a:lnTo>
+                    <a:pt x="18" y="617"/>
+                  </a:lnTo>
+                  <a:lnTo>
+                    <a:pt x="237" y="1129"/>
+                  </a:lnTo>
+                  <a:lnTo>
+                    <a:pt x="222" y="1135"/>
+                  </a:lnTo>
+                  <a:close/>
+                </a:path>
+              </a:pathLst>
+            </a:custGeom>
+            <a:grpFill/>
+            <a:ln>
+              <a:noFill/>
+            </a:ln>
+            <a:extLst>
+              <a:ext uri="{91240B29-F687-4f45-9708-019B960494DF}">
+                <a14:hiddenLine xmlns="" xmlns:p14="http://schemas.microsoft.com/office/powerpoint/2010/main" xmlns:a14="http://schemas.microsoft.com/office/drawing/2010/main" w="9525">
+                  <a:solidFill>
+                    <a:srgbClr val="000000"/>
+                  </a:solidFill>
+                  <a:round/>
+                  <a:headEnd/>
+                  <a:tailEnd/>
+                </a14:hiddenLine>
+              </a:ext>
+            </a:extLst>
+          </p:spPr>
+        </p:sp>
+        <p:sp>
+          <p:nvSpPr>
+            <p:cNvPr id="25" name="Freeform 12">
+              <a:extLst>
+                <a:ext uri="{FF2B5EF4-FFF2-40B4-BE49-F238E27FC236}">
+                  <a16:creationId xmlns:a16="http://schemas.microsoft.com/office/drawing/2014/main" id="{563DFB81-F969-4F44-BA6C-6347956423F2}"/>
+                </a:ext>
+              </a:extLst>
+            </p:cNvPr>
+            <p:cNvSpPr>
+              <a:spLocks noEditPoints="1"/>
+            </p:cNvSpPr>
+            <p:nvPr>
+              <p:extLst>
+                <p:ext uri="{386F3935-93C4-4BCD-93E2-E3B085C9AB24}">
+                  <p16:designElem xmlns:p16="http://schemas.microsoft.com/office/powerpoint/2015/main" val="1"/>
+                </p:ext>
+              </p:extLst>
+            </p:nvPr>
+          </p:nvSpPr>
+          <p:spPr bwMode="auto">
+            <a:xfrm>
+              <a:off x="1600200" y="1801813"/>
+              <a:ext cx="190500" cy="188913"/>
+            </a:xfrm>
+            <a:custGeom>
+              <a:avLst/>
+              <a:gdLst/>
+              <a:ahLst/>
+              <a:cxnLst/>
+              <a:rect l="0" t="0" r="r" b="b"/>
+              <a:pathLst>
+                <a:path w="40" h="40">
+                  <a:moveTo>
+                    <a:pt x="20" y="40"/>
+                  </a:moveTo>
+                  <a:cubicBezTo>
+                    <a:pt x="9" y="40"/>
+                    <a:pt x="0" y="31"/>
+                    <a:pt x="0" y="20"/>
+                  </a:cubicBezTo>
+                  <a:cubicBezTo>
+                    <a:pt x="0" y="9"/>
+                    <a:pt x="9" y="0"/>
+                    <a:pt x="20" y="0"/>
+                  </a:cubicBezTo>
+                  <a:cubicBezTo>
+                    <a:pt x="31" y="0"/>
+                    <a:pt x="40" y="9"/>
+                    <a:pt x="40" y="20"/>
+                  </a:cubicBezTo>
+                  <a:cubicBezTo>
+                    <a:pt x="40" y="31"/>
+                    <a:pt x="31" y="40"/>
+                    <a:pt x="20" y="40"/>
+                  </a:cubicBezTo>
+                  <a:close/>
+                  <a:moveTo>
+                    <a:pt x="20" y="4"/>
+                  </a:moveTo>
+                  <a:cubicBezTo>
+                    <a:pt x="11" y="4"/>
+                    <a:pt x="4" y="11"/>
+                    <a:pt x="4" y="20"/>
+                  </a:cubicBezTo>
+                  <a:cubicBezTo>
+                    <a:pt x="4" y="29"/>
+                    <a:pt x="11" y="36"/>
+                    <a:pt x="20" y="36"/>
+                  </a:cubicBezTo>
+                  <a:cubicBezTo>
+                    <a:pt x="28" y="36"/>
+                    <a:pt x="36" y="29"/>
+                    <a:pt x="36" y="20"/>
+                  </a:cubicBezTo>
+                  <a:cubicBezTo>
+                    <a:pt x="36" y="11"/>
+                    <a:pt x="28" y="4"/>
+                    <a:pt x="20" y="4"/>
+                  </a:cubicBezTo>
+                  <a:close/>
+                </a:path>
+              </a:pathLst>
+            </a:custGeom>
+            <a:grpFill/>
+            <a:ln>
+              <a:noFill/>
+            </a:ln>
+            <a:extLst>
+              <a:ext uri="{91240B29-F687-4f45-9708-019B960494DF}">
+                <a14:hiddenLine xmlns="" xmlns:p14="http://schemas.microsoft.com/office/powerpoint/2010/main" xmlns:a14="http://schemas.microsoft.com/office/drawing/2010/main" w="9525">
+                  <a:solidFill>
+                    <a:srgbClr val="000000"/>
+                  </a:solidFill>
+                  <a:round/>
+                  <a:headEnd/>
+                  <a:tailEnd/>
+                </a14:hiddenLine>
+              </a:ext>
+            </a:extLst>
+          </p:spPr>
+        </p:sp>
+        <p:sp>
+          <p:nvSpPr>
+            <p:cNvPr id="26" name="Freeform 13">
+              <a:extLst>
+                <a:ext uri="{FF2B5EF4-FFF2-40B4-BE49-F238E27FC236}">
+                  <a16:creationId xmlns:a16="http://schemas.microsoft.com/office/drawing/2014/main" id="{8E5DE346-AFCA-40DA-B5E2-93A86EA54C18}"/>
+                </a:ext>
+              </a:extLst>
+            </p:cNvPr>
+            <p:cNvSpPr/>
+            <p:nvPr>
+              <p:extLst>
+                <p:ext uri="{386F3935-93C4-4BCD-93E2-E3B085C9AB24}">
+                  <p16:designElem xmlns:p16="http://schemas.microsoft.com/office/powerpoint/2015/main" val="1"/>
+                </p:ext>
+              </p:extLst>
+            </p:nvPr>
+          </p:nvSpPr>
+          <p:spPr bwMode="auto">
+            <a:xfrm>
+              <a:off x="1381125" y="9525"/>
+              <a:ext cx="371475" cy="1425575"/>
+            </a:xfrm>
+            <a:custGeom>
+              <a:avLst/>
+              <a:gdLst/>
+              <a:ahLst/>
+              <a:cxnLst/>
+              <a:rect l="0" t="0" r="r" b="b"/>
+              <a:pathLst>
+                <a:path w="234" h="898">
+                  <a:moveTo>
+                    <a:pt x="219" y="898"/>
+                  </a:moveTo>
+                  <a:lnTo>
+                    <a:pt x="0" y="383"/>
+                  </a:lnTo>
+                  <a:lnTo>
+                    <a:pt x="0" y="0"/>
+                  </a:lnTo>
+                  <a:lnTo>
+                    <a:pt x="15" y="0"/>
+                  </a:lnTo>
+                  <a:lnTo>
+                    <a:pt x="15" y="380"/>
+                  </a:lnTo>
+                  <a:lnTo>
+                    <a:pt x="234" y="892"/>
+                  </a:lnTo>
+                  <a:lnTo>
+                    <a:pt x="219" y="898"/>
+                  </a:lnTo>
+                  <a:close/>
+                </a:path>
+              </a:pathLst>
+            </a:custGeom>
+            <a:grpFill/>
+            <a:ln>
+              <a:noFill/>
+            </a:ln>
+            <a:extLst>
+              <a:ext uri="{91240B29-F687-4f45-9708-019B960494DF}">
+                <a14:hiddenLine xmlns="" xmlns:p14="http://schemas.microsoft.com/office/powerpoint/2010/main" xmlns:a14="http://schemas.microsoft.com/office/drawing/2010/main" w="9525">
+                  <a:solidFill>
+                    <a:srgbClr val="000000"/>
+                  </a:solidFill>
+                  <a:round/>
+                  <a:headEnd/>
+                  <a:tailEnd/>
+                </a14:hiddenLine>
+              </a:ext>
+            </a:extLst>
+          </p:spPr>
+        </p:sp>
+        <p:sp>
+          <p:nvSpPr>
+            <p:cNvPr id="27" name="Freeform 14">
+              <a:extLst>
+                <a:ext uri="{FF2B5EF4-FFF2-40B4-BE49-F238E27FC236}">
+                  <a16:creationId xmlns:a16="http://schemas.microsoft.com/office/drawing/2014/main" id="{77A34306-2AE8-43D0-9686-E97B3B53FE33}"/>
+                </a:ext>
+              </a:extLst>
+            </p:cNvPr>
+            <p:cNvSpPr/>
+            <p:nvPr>
+              <p:extLst>
+                <p:ext uri="{386F3935-93C4-4BCD-93E2-E3B085C9AB24}">
+                  <p16:designElem xmlns:p16="http://schemas.microsoft.com/office/powerpoint/2015/main" val="1"/>
+                </p:ext>
+              </p:extLst>
+            </p:nvPr>
+          </p:nvSpPr>
+          <p:spPr bwMode="auto">
+            <a:xfrm>
+              <a:off x="1643063" y="0"/>
+              <a:ext cx="152400" cy="912813"/>
+            </a:xfrm>
+            <a:custGeom>
+              <a:avLst/>
+              <a:gdLst/>
+              <a:ahLst/>
+              <a:cxnLst/>
+              <a:rect l="0" t="0" r="r" b="b"/>
+              <a:pathLst>
+                <a:path w="96" h="575">
+                  <a:moveTo>
+                    <a:pt x="96" y="575"/>
+                  </a:moveTo>
+                  <a:lnTo>
+                    <a:pt x="78" y="575"/>
+                  </a:lnTo>
+                  <a:lnTo>
+                    <a:pt x="78" y="192"/>
+                  </a:lnTo>
+                  <a:lnTo>
+                    <a:pt x="0" y="6"/>
+                  </a:lnTo>
+                  <a:lnTo>
+                    <a:pt x="15" y="0"/>
+                  </a:lnTo>
+                  <a:lnTo>
+                    <a:pt x="96" y="189"/>
+                  </a:lnTo>
+                  <a:lnTo>
+                    <a:pt x="96" y="575"/>
+                  </a:lnTo>
+                  <a:close/>
+                </a:path>
+              </a:pathLst>
+            </a:custGeom>
+            <a:grpFill/>
+            <a:ln>
+              <a:noFill/>
+            </a:ln>
+            <a:extLst>
+              <a:ext uri="{91240B29-F687-4f45-9708-019B960494DF}">
+                <a14:hiddenLine xmlns="" xmlns:p14="http://schemas.microsoft.com/office/powerpoint/2010/main" xmlns:a14="http://schemas.microsoft.com/office/drawing/2010/main" w="9525">
+                  <a:solidFill>
+                    <a:srgbClr val="000000"/>
+                  </a:solidFill>
+                  <a:round/>
+                  <a:headEnd/>
+                  <a:tailEnd/>
+                </a14:hiddenLine>
+              </a:ext>
+            </a:extLst>
+          </p:spPr>
+        </p:sp>
+        <p:sp>
+          <p:nvSpPr>
+            <p:cNvPr id="28" name="Freeform 15">
+              <a:extLst>
+                <a:ext uri="{FF2B5EF4-FFF2-40B4-BE49-F238E27FC236}">
+                  <a16:creationId xmlns:a16="http://schemas.microsoft.com/office/drawing/2014/main" id="{B9CC10F0-FFCD-4CB9-AF4C-22722D20B75B}"/>
+                </a:ext>
+              </a:extLst>
+            </p:cNvPr>
+            <p:cNvSpPr>
+              <a:spLocks noEditPoints="1"/>
+            </p:cNvSpPr>
+            <p:nvPr>
+              <p:extLst>
+                <p:ext uri="{386F3935-93C4-4BCD-93E2-E3B085C9AB24}">
+                  <p16:designElem xmlns:p16="http://schemas.microsoft.com/office/powerpoint/2015/main" val="1"/>
+                </p:ext>
+              </p:extLst>
+            </p:nvPr>
+          </p:nvSpPr>
+          <p:spPr bwMode="auto">
+            <a:xfrm>
+              <a:off x="1685925" y="1420813"/>
+              <a:ext cx="190500" cy="190500"/>
+            </a:xfrm>
+            <a:custGeom>
+              <a:avLst/>
+              <a:gdLst/>
+              <a:ahLst/>
+              <a:cxnLst/>
+              <a:rect l="0" t="0" r="r" b="b"/>
+              <a:pathLst>
+                <a:path w="40" h="40">
+                  <a:moveTo>
+                    <a:pt x="20" y="40"/>
+                  </a:moveTo>
+                  <a:cubicBezTo>
+                    <a:pt x="9" y="40"/>
+                    <a:pt x="0" y="31"/>
+                    <a:pt x="0" y="20"/>
+                  </a:cubicBezTo>
+                  <a:cubicBezTo>
+                    <a:pt x="0" y="9"/>
+                    <a:pt x="9" y="0"/>
+                    <a:pt x="20" y="0"/>
+                  </a:cubicBezTo>
+                  <a:cubicBezTo>
+                    <a:pt x="31" y="0"/>
+                    <a:pt x="40" y="9"/>
+                    <a:pt x="40" y="20"/>
+                  </a:cubicBezTo>
+                  <a:cubicBezTo>
+                    <a:pt x="40" y="31"/>
+                    <a:pt x="31" y="40"/>
+                    <a:pt x="20" y="40"/>
+                  </a:cubicBezTo>
+                  <a:close/>
+                  <a:moveTo>
+                    <a:pt x="20" y="4"/>
+                  </a:moveTo>
+                  <a:cubicBezTo>
+                    <a:pt x="11" y="4"/>
+                    <a:pt x="4" y="11"/>
+                    <a:pt x="4" y="20"/>
+                  </a:cubicBezTo>
+                  <a:cubicBezTo>
+                    <a:pt x="4" y="29"/>
+                    <a:pt x="11" y="36"/>
+                    <a:pt x="20" y="36"/>
+                  </a:cubicBezTo>
+                  <a:cubicBezTo>
+                    <a:pt x="29" y="36"/>
+                    <a:pt x="36" y="29"/>
+                    <a:pt x="36" y="20"/>
+                  </a:cubicBezTo>
+                  <a:cubicBezTo>
+                    <a:pt x="36" y="11"/>
+                    <a:pt x="29" y="4"/>
+                    <a:pt x="20" y="4"/>
+                  </a:cubicBezTo>
+                  <a:close/>
+                </a:path>
+              </a:pathLst>
+            </a:custGeom>
+            <a:grpFill/>
+            <a:ln>
+              <a:noFill/>
+            </a:ln>
+            <a:extLst>
+              <a:ext uri="{91240B29-F687-4f45-9708-019B960494DF}">
+                <a14:hiddenLine xmlns="" xmlns:p14="http://schemas.microsoft.com/office/powerpoint/2010/main" xmlns:a14="http://schemas.microsoft.com/office/drawing/2010/main" w="9525">
+                  <a:solidFill>
+                    <a:srgbClr val="000000"/>
+                  </a:solidFill>
+                  <a:round/>
+                  <a:headEnd/>
+                  <a:tailEnd/>
+                </a14:hiddenLine>
+              </a:ext>
+            </a:extLst>
+          </p:spPr>
+        </p:sp>
+        <p:sp>
+          <p:nvSpPr>
+            <p:cNvPr id="29" name="Freeform 16">
+              <a:extLst>
+                <a:ext uri="{FF2B5EF4-FFF2-40B4-BE49-F238E27FC236}">
+                  <a16:creationId xmlns:a16="http://schemas.microsoft.com/office/drawing/2014/main" id="{2A6B0E38-C962-4491-BFDA-75378B4D6748}"/>
+                </a:ext>
+              </a:extLst>
+            </p:cNvPr>
+            <p:cNvSpPr>
+              <a:spLocks noEditPoints="1"/>
+            </p:cNvSpPr>
+            <p:nvPr>
+              <p:extLst>
+                <p:ext uri="{386F3935-93C4-4BCD-93E2-E3B085C9AB24}">
+                  <p16:designElem xmlns:p16="http://schemas.microsoft.com/office/powerpoint/2015/main" val="1"/>
+                </p:ext>
+              </p:extLst>
+            </p:nvPr>
+          </p:nvSpPr>
+          <p:spPr bwMode="auto">
+            <a:xfrm>
+              <a:off x="1685925" y="903288"/>
+              <a:ext cx="190500" cy="190500"/>
+            </a:xfrm>
+            <a:custGeom>
+              <a:avLst/>
+              <a:gdLst/>
+              <a:ahLst/>
+              <a:cxnLst/>
+              <a:rect l="0" t="0" r="r" b="b"/>
+              <a:pathLst>
+                <a:path w="40" h="40">
+                  <a:moveTo>
+                    <a:pt x="20" y="40"/>
+                  </a:moveTo>
+                  <a:cubicBezTo>
+                    <a:pt x="9" y="40"/>
+                    <a:pt x="0" y="31"/>
+                    <a:pt x="0" y="20"/>
+                  </a:cubicBezTo>
+                  <a:cubicBezTo>
+                    <a:pt x="0" y="9"/>
+                    <a:pt x="9" y="0"/>
+                    <a:pt x="20" y="0"/>
+                  </a:cubicBezTo>
+                  <a:cubicBezTo>
+                    <a:pt x="31" y="0"/>
+                    <a:pt x="40" y="9"/>
+                    <a:pt x="40" y="20"/>
+                  </a:cubicBezTo>
+                  <a:cubicBezTo>
+                    <a:pt x="40" y="31"/>
+                    <a:pt x="31" y="40"/>
+                    <a:pt x="20" y="40"/>
+                  </a:cubicBezTo>
+                  <a:close/>
+                  <a:moveTo>
+                    <a:pt x="20" y="4"/>
+                  </a:moveTo>
+                  <a:cubicBezTo>
+                    <a:pt x="11" y="4"/>
+                    <a:pt x="4" y="11"/>
+                    <a:pt x="4" y="20"/>
+                  </a:cubicBezTo>
+                  <a:cubicBezTo>
+                    <a:pt x="4" y="29"/>
+                    <a:pt x="11" y="36"/>
+                    <a:pt x="20" y="36"/>
+                  </a:cubicBezTo>
+                  <a:cubicBezTo>
+                    <a:pt x="29" y="36"/>
+                    <a:pt x="36" y="29"/>
+                    <a:pt x="36" y="20"/>
+                  </a:cubicBezTo>
+                  <a:cubicBezTo>
+                    <a:pt x="36" y="11"/>
+                    <a:pt x="29" y="4"/>
+                    <a:pt x="20" y="4"/>
+                  </a:cubicBezTo>
+                  <a:close/>
+                </a:path>
+              </a:pathLst>
+            </a:custGeom>
+            <a:grpFill/>
+            <a:ln>
+              <a:noFill/>
+            </a:ln>
+            <a:extLst>
+              <a:ext uri="{91240B29-F687-4f45-9708-019B960494DF}">
+                <a14:hiddenLine xmlns="" xmlns:p14="http://schemas.microsoft.com/office/powerpoint/2010/main" xmlns:a14="http://schemas.microsoft.com/office/drawing/2010/main" w="9525">
+                  <a:solidFill>
+                    <a:srgbClr val="000000"/>
+                  </a:solidFill>
+                  <a:round/>
+                  <a:headEnd/>
+                  <a:tailEnd/>
+                </a14:hiddenLine>
+              </a:ext>
+            </a:extLst>
+          </p:spPr>
+        </p:sp>
+        <p:sp>
+          <p:nvSpPr>
+            <p:cNvPr id="30" name="Freeform 17">
+              <a:extLst>
+                <a:ext uri="{FF2B5EF4-FFF2-40B4-BE49-F238E27FC236}">
+                  <a16:creationId xmlns:a16="http://schemas.microsoft.com/office/drawing/2014/main" id="{655F640B-8407-487C-8696-F47451478E06}"/>
+                </a:ext>
+              </a:extLst>
+            </p:cNvPr>
+            <p:cNvSpPr/>
+            <p:nvPr>
+              <p:extLst>
+                <p:ext uri="{386F3935-93C4-4BCD-93E2-E3B085C9AB24}">
+                  <p16:designElem xmlns:p16="http://schemas.microsoft.com/office/powerpoint/2015/main" val="1"/>
+                </p:ext>
+              </p:extLst>
+            </p:nvPr>
+          </p:nvSpPr>
+          <p:spPr bwMode="auto">
+            <a:xfrm>
+              <a:off x="1743075" y="4763"/>
+              <a:ext cx="419100" cy="522288"/>
+            </a:xfrm>
+            <a:custGeom>
+              <a:avLst/>
+              <a:gdLst/>
+              <a:ahLst/>
+              <a:cxnLst/>
+              <a:rect l="0" t="0" r="r" b="b"/>
+              <a:pathLst>
+                <a:path w="264" h="329">
+                  <a:moveTo>
+                    <a:pt x="252" y="329"/>
+                  </a:moveTo>
+                  <a:lnTo>
+                    <a:pt x="45" y="120"/>
+                  </a:lnTo>
+                  <a:lnTo>
+                    <a:pt x="0" y="6"/>
+                  </a:lnTo>
+                  <a:lnTo>
+                    <a:pt x="15" y="0"/>
+                  </a:lnTo>
+                  <a:lnTo>
+                    <a:pt x="60" y="111"/>
+                  </a:lnTo>
+                  <a:lnTo>
+                    <a:pt x="264" y="317"/>
+                  </a:lnTo>
+                  <a:lnTo>
+                    <a:pt x="252" y="329"/>
+                  </a:lnTo>
+                  <a:close/>
+                </a:path>
+              </a:pathLst>
+            </a:custGeom>
+            <a:grpFill/>
+            <a:ln>
+              <a:noFill/>
+            </a:ln>
+            <a:extLst>
+              <a:ext uri="{91240B29-F687-4f45-9708-019B960494DF}">
+                <a14:hiddenLine xmlns="" xmlns:p14="http://schemas.microsoft.com/office/powerpoint/2010/main" xmlns:a14="http://schemas.microsoft.com/office/drawing/2010/main" w="9525">
+                  <a:solidFill>
+                    <a:srgbClr val="000000"/>
+                  </a:solidFill>
+                  <a:round/>
+                  <a:headEnd/>
+                  <a:tailEnd/>
+                </a14:hiddenLine>
+              </a:ext>
+            </a:extLst>
+          </p:spPr>
+        </p:sp>
+        <p:sp>
+          <p:nvSpPr>
+            <p:cNvPr id="31" name="Freeform 18">
+              <a:extLst>
+                <a:ext uri="{FF2B5EF4-FFF2-40B4-BE49-F238E27FC236}">
+                  <a16:creationId xmlns:a16="http://schemas.microsoft.com/office/drawing/2014/main" id="{FAB4F099-4FF6-4410-A5B9-2A5355719C92}"/>
+                </a:ext>
+              </a:extLst>
+            </p:cNvPr>
+            <p:cNvSpPr>
+              <a:spLocks noEditPoints="1"/>
+            </p:cNvSpPr>
+            <p:nvPr>
+              <p:extLst>
+                <p:ext uri="{386F3935-93C4-4BCD-93E2-E3B085C9AB24}">
+                  <p16:designElem xmlns:p16="http://schemas.microsoft.com/office/powerpoint/2015/main" val="1"/>
+                </p:ext>
+              </p:extLst>
+            </p:nvPr>
+          </p:nvSpPr>
+          <p:spPr bwMode="auto">
+            <a:xfrm>
+              <a:off x="2119313" y="488950"/>
+              <a:ext cx="161925" cy="147638"/>
+            </a:xfrm>
+            <a:custGeom>
+              <a:avLst/>
+              <a:gdLst/>
+              <a:ahLst/>
+              <a:cxnLst/>
+              <a:rect l="0" t="0" r="r" b="b"/>
+              <a:pathLst>
+                <a:path w="34" h="31">
+                  <a:moveTo>
+                    <a:pt x="17" y="31"/>
+                  </a:moveTo>
+                  <a:cubicBezTo>
+                    <a:pt x="13" y="31"/>
+                    <a:pt x="9" y="30"/>
+                    <a:pt x="6" y="27"/>
+                  </a:cubicBezTo>
+                  <a:cubicBezTo>
+                    <a:pt x="0" y="20"/>
+                    <a:pt x="0" y="10"/>
+                    <a:pt x="6" y="4"/>
+                  </a:cubicBezTo>
+                  <a:cubicBezTo>
+                    <a:pt x="9" y="1"/>
+                    <a:pt x="13" y="0"/>
+                    <a:pt x="17" y="0"/>
+                  </a:cubicBezTo>
+                  <a:cubicBezTo>
+                    <a:pt x="21" y="0"/>
+                    <a:pt x="25" y="1"/>
+                    <a:pt x="28" y="4"/>
+                  </a:cubicBezTo>
+                  <a:cubicBezTo>
+                    <a:pt x="34" y="10"/>
+                    <a:pt x="34" y="20"/>
+                    <a:pt x="28" y="27"/>
+                  </a:cubicBezTo>
+                  <a:cubicBezTo>
+                    <a:pt x="25" y="30"/>
+                    <a:pt x="21" y="31"/>
+                    <a:pt x="17" y="31"/>
+                  </a:cubicBezTo>
+                  <a:close/>
+                  <a:moveTo>
+                    <a:pt x="17" y="4"/>
+                  </a:moveTo>
+                  <a:cubicBezTo>
+                    <a:pt x="14" y="4"/>
+                    <a:pt x="11" y="5"/>
+                    <a:pt x="9" y="7"/>
+                  </a:cubicBezTo>
+                  <a:cubicBezTo>
+                    <a:pt x="4" y="12"/>
+                    <a:pt x="4" y="19"/>
+                    <a:pt x="9" y="24"/>
+                  </a:cubicBezTo>
+                  <a:cubicBezTo>
+                    <a:pt x="11" y="26"/>
+                    <a:pt x="14" y="27"/>
+                    <a:pt x="17" y="27"/>
+                  </a:cubicBezTo>
+                  <a:cubicBezTo>
+                    <a:pt x="20" y="27"/>
+                    <a:pt x="23" y="26"/>
+                    <a:pt x="25" y="24"/>
+                  </a:cubicBezTo>
+                  <a:cubicBezTo>
+                    <a:pt x="30" y="19"/>
+                    <a:pt x="30" y="12"/>
+                    <a:pt x="25" y="7"/>
+                  </a:cubicBezTo>
+                  <a:cubicBezTo>
+                    <a:pt x="23" y="5"/>
+                    <a:pt x="20" y="4"/>
+                    <a:pt x="17" y="4"/>
+                  </a:cubicBezTo>
+                  <a:close/>
+                </a:path>
+              </a:pathLst>
+            </a:custGeom>
+            <a:grpFill/>
+            <a:ln>
+              <a:noFill/>
+            </a:ln>
+            <a:extLst>
+              <a:ext uri="{91240B29-F687-4f45-9708-019B960494DF}">
+                <a14:hiddenLine xmlns="" xmlns:p14="http://schemas.microsoft.com/office/powerpoint/2010/main" xmlns:a14="http://schemas.microsoft.com/office/drawing/2010/main" w="9525">
+                  <a:solidFill>
+                    <a:srgbClr val="000000"/>
+                  </a:solidFill>
+                  <a:round/>
+                  <a:headEnd/>
+                  <a:tailEnd/>
+                </a14:hiddenLine>
+              </a:ext>
+            </a:extLst>
+          </p:spPr>
+        </p:sp>
+        <p:sp>
+          <p:nvSpPr>
+            <p:cNvPr id="32" name="Freeform 19">
+              <a:extLst>
+                <a:ext uri="{FF2B5EF4-FFF2-40B4-BE49-F238E27FC236}">
+                  <a16:creationId xmlns:a16="http://schemas.microsoft.com/office/drawing/2014/main" id="{6FE80B6E-3DA9-4304-9925-12E578C4E9B5}"/>
+                </a:ext>
+              </a:extLst>
+            </p:cNvPr>
+            <p:cNvSpPr/>
+            <p:nvPr>
+              <p:extLst>
+                <p:ext uri="{386F3935-93C4-4BCD-93E2-E3B085C9AB24}">
+                  <p16:designElem xmlns:p16="http://schemas.microsoft.com/office/powerpoint/2015/main" val="1"/>
+                </p:ext>
+              </p:extLst>
+            </p:nvPr>
+          </p:nvSpPr>
+          <p:spPr bwMode="auto">
+            <a:xfrm>
+              <a:off x="952500" y="4763"/>
+              <a:ext cx="152400" cy="908050"/>
+            </a:xfrm>
+            <a:custGeom>
+              <a:avLst/>
+              <a:gdLst/>
+              <a:ahLst/>
+              <a:cxnLst/>
+              <a:rect l="0" t="0" r="r" b="b"/>
+              <a:pathLst>
+                <a:path w="96" h="572">
+                  <a:moveTo>
+                    <a:pt x="15" y="572"/>
+                  </a:moveTo>
+                  <a:lnTo>
+                    <a:pt x="0" y="572"/>
+                  </a:lnTo>
+                  <a:lnTo>
+                    <a:pt x="0" y="189"/>
+                  </a:lnTo>
+                  <a:lnTo>
+                    <a:pt x="81" y="0"/>
+                  </a:lnTo>
+                  <a:lnTo>
+                    <a:pt x="96" y="6"/>
+                  </a:lnTo>
+                  <a:lnTo>
+                    <a:pt x="15" y="192"/>
+                  </a:lnTo>
+                  <a:lnTo>
+                    <a:pt x="15" y="572"/>
+                  </a:lnTo>
+                  <a:close/>
+                </a:path>
+              </a:pathLst>
+            </a:custGeom>
+            <a:grpFill/>
+            <a:ln>
+              <a:noFill/>
+            </a:ln>
+            <a:extLst>
+              <a:ext uri="{91240B29-F687-4f45-9708-019B960494DF}">
+                <a14:hiddenLine xmlns="" xmlns:p14="http://schemas.microsoft.com/office/powerpoint/2010/main" xmlns:a14="http://schemas.microsoft.com/office/drawing/2010/main" w="9525">
+                  <a:solidFill>
+                    <a:srgbClr val="000000"/>
+                  </a:solidFill>
+                  <a:round/>
+                  <a:headEnd/>
+                  <a:tailEnd/>
+                </a14:hiddenLine>
+              </a:ext>
+            </a:extLst>
+          </p:spPr>
+        </p:sp>
+        <p:sp>
+          <p:nvSpPr>
+            <p:cNvPr id="33" name="Freeform 20">
+              <a:extLst>
+                <a:ext uri="{FF2B5EF4-FFF2-40B4-BE49-F238E27FC236}">
+                  <a16:creationId xmlns:a16="http://schemas.microsoft.com/office/drawing/2014/main" id="{67D1CB75-0CBA-4E13-924C-21F221D7BF6C}"/>
+                </a:ext>
+              </a:extLst>
+            </p:cNvPr>
+            <p:cNvSpPr>
+              <a:spLocks noEditPoints="1"/>
+            </p:cNvSpPr>
+            <p:nvPr>
+              <p:extLst>
+                <p:ext uri="{386F3935-93C4-4BCD-93E2-E3B085C9AB24}">
+                  <p16:designElem xmlns:p16="http://schemas.microsoft.com/office/powerpoint/2015/main" val="1"/>
+                </p:ext>
+              </p:extLst>
+            </p:nvPr>
+          </p:nvSpPr>
+          <p:spPr bwMode="auto">
+            <a:xfrm>
+              <a:off x="866775" y="903288"/>
+              <a:ext cx="190500" cy="190500"/>
+            </a:xfrm>
+            <a:custGeom>
+              <a:avLst/>
+              <a:gdLst/>
+              <a:ahLst/>
+              <a:cxnLst/>
+              <a:rect l="0" t="0" r="r" b="b"/>
+              <a:pathLst>
+                <a:path w="40" h="40">
+                  <a:moveTo>
+                    <a:pt x="20" y="40"/>
+                  </a:moveTo>
+                  <a:cubicBezTo>
+                    <a:pt x="9" y="40"/>
+                    <a:pt x="0" y="31"/>
+                    <a:pt x="0" y="20"/>
+                  </a:cubicBezTo>
+                  <a:cubicBezTo>
+                    <a:pt x="0" y="9"/>
+                    <a:pt x="9" y="0"/>
+                    <a:pt x="20" y="0"/>
+                  </a:cubicBezTo>
+                  <a:cubicBezTo>
+                    <a:pt x="31" y="0"/>
+                    <a:pt x="40" y="9"/>
+                    <a:pt x="40" y="20"/>
+                  </a:cubicBezTo>
+                  <a:cubicBezTo>
+                    <a:pt x="40" y="31"/>
+                    <a:pt x="31" y="40"/>
+                    <a:pt x="20" y="40"/>
+                  </a:cubicBezTo>
+                  <a:close/>
+                  <a:moveTo>
+                    <a:pt x="20" y="4"/>
+                  </a:moveTo>
+                  <a:cubicBezTo>
+                    <a:pt x="11" y="4"/>
+                    <a:pt x="4" y="12"/>
+                    <a:pt x="4" y="20"/>
+                  </a:cubicBezTo>
+                  <a:cubicBezTo>
+                    <a:pt x="4" y="29"/>
+                    <a:pt x="11" y="36"/>
+                    <a:pt x="20" y="36"/>
+                  </a:cubicBezTo>
+                  <a:cubicBezTo>
+                    <a:pt x="29" y="36"/>
+                    <a:pt x="36" y="29"/>
+                    <a:pt x="36" y="20"/>
+                  </a:cubicBezTo>
+                  <a:cubicBezTo>
+                    <a:pt x="36" y="12"/>
+                    <a:pt x="29" y="4"/>
+                    <a:pt x="20" y="4"/>
+                  </a:cubicBezTo>
+                  <a:close/>
+                </a:path>
+              </a:pathLst>
+            </a:custGeom>
+            <a:grpFill/>
+            <a:ln>
+              <a:noFill/>
+            </a:ln>
+            <a:extLst>
+              <a:ext uri="{91240B29-F687-4f45-9708-019B960494DF}">
+                <a14:hiddenLine xmlns="" xmlns:p14="http://schemas.microsoft.com/office/powerpoint/2010/main" xmlns:a14="http://schemas.microsoft.com/office/drawing/2010/main" w="9525">
+                  <a:solidFill>
+                    <a:srgbClr val="000000"/>
+                  </a:solidFill>
+                  <a:round/>
+                  <a:headEnd/>
+                  <a:tailEnd/>
+                </a14:hiddenLine>
+              </a:ext>
+            </a:extLst>
+          </p:spPr>
+        </p:sp>
+        <p:sp>
+          <p:nvSpPr>
+            <p:cNvPr id="34" name="Freeform 21">
+              <a:extLst>
+                <a:ext uri="{FF2B5EF4-FFF2-40B4-BE49-F238E27FC236}">
+                  <a16:creationId xmlns:a16="http://schemas.microsoft.com/office/drawing/2014/main" id="{F2CC783B-FA45-4777-A76A-982B285C7C40}"/>
+                </a:ext>
+              </a:extLst>
+            </p:cNvPr>
+            <p:cNvSpPr>
+              <a:spLocks noEditPoints="1"/>
+            </p:cNvSpPr>
+            <p:nvPr>
+              <p:extLst>
+                <p:ext uri="{386F3935-93C4-4BCD-93E2-E3B085C9AB24}">
+                  <p16:designElem xmlns:p16="http://schemas.microsoft.com/office/powerpoint/2015/main" val="1"/>
+                </p:ext>
+              </p:extLst>
+            </p:nvPr>
+          </p:nvSpPr>
+          <p:spPr bwMode="auto">
+            <a:xfrm>
+              <a:off x="890588" y="1554163"/>
+              <a:ext cx="190500" cy="190500"/>
+            </a:xfrm>
+            <a:custGeom>
+              <a:avLst/>
+              <a:gdLst/>
+              <a:ahLst/>
+              <a:cxnLst/>
+              <a:rect l="0" t="0" r="r" b="b"/>
+              <a:pathLst>
+                <a:path w="40" h="40">
+                  <a:moveTo>
+                    <a:pt x="20" y="40"/>
+                  </a:moveTo>
+                  <a:cubicBezTo>
+                    <a:pt x="9" y="40"/>
+                    <a:pt x="0" y="31"/>
+                    <a:pt x="0" y="20"/>
+                  </a:cubicBezTo>
+                  <a:cubicBezTo>
+                    <a:pt x="0" y="9"/>
+                    <a:pt x="9" y="0"/>
+                    <a:pt x="20" y="0"/>
+                  </a:cubicBezTo>
+                  <a:cubicBezTo>
+                    <a:pt x="31" y="0"/>
+                    <a:pt x="40" y="9"/>
+                    <a:pt x="40" y="20"/>
+                  </a:cubicBezTo>
+                  <a:cubicBezTo>
+                    <a:pt x="40" y="31"/>
+                    <a:pt x="31" y="40"/>
+                    <a:pt x="20" y="40"/>
+                  </a:cubicBezTo>
+                  <a:close/>
+                  <a:moveTo>
+                    <a:pt x="20" y="4"/>
+                  </a:moveTo>
+                  <a:cubicBezTo>
+                    <a:pt x="11" y="4"/>
+                    <a:pt x="4" y="11"/>
+                    <a:pt x="4" y="20"/>
+                  </a:cubicBezTo>
+                  <a:cubicBezTo>
+                    <a:pt x="4" y="28"/>
+                    <a:pt x="11" y="36"/>
+                    <a:pt x="20" y="36"/>
+                  </a:cubicBezTo>
+                  <a:cubicBezTo>
+                    <a:pt x="29" y="36"/>
+                    <a:pt x="36" y="28"/>
+                    <a:pt x="36" y="20"/>
+                  </a:cubicBezTo>
+                  <a:cubicBezTo>
+                    <a:pt x="36" y="11"/>
+                    <a:pt x="29" y="4"/>
+                    <a:pt x="20" y="4"/>
+                  </a:cubicBezTo>
+                  <a:close/>
+                </a:path>
+              </a:pathLst>
+            </a:custGeom>
+            <a:grpFill/>
+            <a:ln>
+              <a:noFill/>
+            </a:ln>
+            <a:extLst>
+              <a:ext uri="{91240B29-F687-4f45-9708-019B960494DF}">
+                <a14:hiddenLine xmlns="" xmlns:p14="http://schemas.microsoft.com/office/powerpoint/2010/main" xmlns:a14="http://schemas.microsoft.com/office/drawing/2010/main" w="9525">
+                  <a:solidFill>
+                    <a:srgbClr val="000000"/>
+                  </a:solidFill>
+                  <a:round/>
+                  <a:headEnd/>
+                  <a:tailEnd/>
+                </a14:hiddenLine>
+              </a:ext>
+            </a:extLst>
+          </p:spPr>
+        </p:sp>
+        <p:sp>
+          <p:nvSpPr>
+            <p:cNvPr id="35" name="Freeform 22">
+              <a:extLst>
+                <a:ext uri="{FF2B5EF4-FFF2-40B4-BE49-F238E27FC236}">
+                  <a16:creationId xmlns:a16="http://schemas.microsoft.com/office/drawing/2014/main" id="{D68F4DD3-D736-4B78-972E-F5128CFBE730}"/>
+                </a:ext>
+              </a:extLst>
+            </p:cNvPr>
+            <p:cNvSpPr/>
+            <p:nvPr>
+              <p:extLst>
+                <p:ext uri="{386F3935-93C4-4BCD-93E2-E3B085C9AB24}">
+                  <p16:designElem xmlns:p16="http://schemas.microsoft.com/office/powerpoint/2015/main" val="1"/>
+                </p:ext>
+              </p:extLst>
+            </p:nvPr>
+          </p:nvSpPr>
+          <p:spPr bwMode="auto">
+            <a:xfrm>
+              <a:off x="738188" y="5622925"/>
+              <a:ext cx="338138" cy="1216025"/>
+            </a:xfrm>
+            <a:custGeom>
+              <a:avLst/>
+              <a:gdLst/>
+              <a:ahLst/>
+              <a:cxnLst/>
+              <a:rect l="0" t="0" r="r" b="b"/>
+              <a:pathLst>
+                <a:path w="213" h="766">
+                  <a:moveTo>
+                    <a:pt x="213" y="766"/>
+                  </a:moveTo>
+                  <a:lnTo>
+                    <a:pt x="195" y="766"/>
+                  </a:lnTo>
+                  <a:lnTo>
+                    <a:pt x="195" y="464"/>
+                  </a:lnTo>
+                  <a:lnTo>
+                    <a:pt x="0" y="6"/>
+                  </a:lnTo>
+                  <a:lnTo>
+                    <a:pt x="12" y="0"/>
+                  </a:lnTo>
+                  <a:lnTo>
+                    <a:pt x="213" y="461"/>
+                  </a:lnTo>
+                  <a:lnTo>
+                    <a:pt x="213" y="766"/>
+                  </a:lnTo>
+                  <a:close/>
+                </a:path>
+              </a:pathLst>
+            </a:custGeom>
+            <a:grpFill/>
+            <a:ln>
+              <a:noFill/>
+            </a:ln>
+            <a:extLst>
+              <a:ext uri="{91240B29-F687-4f45-9708-019B960494DF}">
+                <a14:hiddenLine xmlns="" xmlns:p14="http://schemas.microsoft.com/office/powerpoint/2010/main" xmlns:a14="http://schemas.microsoft.com/office/drawing/2010/main" w="9525">
+                  <a:solidFill>
+                    <a:srgbClr val="000000"/>
+                  </a:solidFill>
+                  <a:round/>
+                  <a:headEnd/>
+                  <a:tailEnd/>
+                </a14:hiddenLine>
+              </a:ext>
+            </a:extLst>
+          </p:spPr>
+        </p:sp>
+        <p:sp>
+          <p:nvSpPr>
+            <p:cNvPr id="36" name="Freeform 23">
+              <a:extLst>
+                <a:ext uri="{FF2B5EF4-FFF2-40B4-BE49-F238E27FC236}">
+                  <a16:creationId xmlns:a16="http://schemas.microsoft.com/office/drawing/2014/main" id="{B14AF103-15B3-4796-A71A-297D37E17636}"/>
+                </a:ext>
+              </a:extLst>
+            </p:cNvPr>
+            <p:cNvSpPr>
+              <a:spLocks noEditPoints="1"/>
+            </p:cNvSpPr>
+            <p:nvPr>
+              <p:extLst>
+                <p:ext uri="{386F3935-93C4-4BCD-93E2-E3B085C9AB24}">
+                  <p16:designElem xmlns:p16="http://schemas.microsoft.com/office/powerpoint/2015/main" val="1"/>
+                </p:ext>
+              </p:extLst>
+            </p:nvPr>
+          </p:nvSpPr>
+          <p:spPr bwMode="auto">
+            <a:xfrm>
+              <a:off x="647700" y="5480050"/>
+              <a:ext cx="157163" cy="157163"/>
+            </a:xfrm>
+            <a:custGeom>
+              <a:avLst/>
+              <a:gdLst/>
+              <a:ahLst/>
+              <a:cxnLst/>
+              <a:rect l="0" t="0" r="r" b="b"/>
+              <a:pathLst>
+                <a:path w="33" h="33">
+                  <a:moveTo>
+                    <a:pt x="17" y="33"/>
+                  </a:moveTo>
+                  <a:cubicBezTo>
+                    <a:pt x="8" y="33"/>
+                    <a:pt x="0" y="26"/>
+                    <a:pt x="0" y="17"/>
+                  </a:cubicBezTo>
+                  <a:cubicBezTo>
+                    <a:pt x="0" y="8"/>
+                    <a:pt x="8" y="0"/>
+                    <a:pt x="17" y="0"/>
+                  </a:cubicBezTo>
+                  <a:cubicBezTo>
+                    <a:pt x="26" y="0"/>
+                    <a:pt x="33" y="8"/>
+                    <a:pt x="33" y="17"/>
+                  </a:cubicBezTo>
+                  <a:cubicBezTo>
+                    <a:pt x="33" y="26"/>
+                    <a:pt x="26" y="33"/>
+                    <a:pt x="17" y="33"/>
+                  </a:cubicBezTo>
+                  <a:close/>
+                  <a:moveTo>
+                    <a:pt x="17" y="4"/>
+                  </a:moveTo>
+                  <a:cubicBezTo>
+                    <a:pt x="10" y="4"/>
+                    <a:pt x="4" y="10"/>
+                    <a:pt x="4" y="17"/>
+                  </a:cubicBezTo>
+                  <a:cubicBezTo>
+                    <a:pt x="4" y="24"/>
+                    <a:pt x="10" y="29"/>
+                    <a:pt x="17" y="29"/>
+                  </a:cubicBezTo>
+                  <a:cubicBezTo>
+                    <a:pt x="23" y="29"/>
+                    <a:pt x="29" y="24"/>
+                    <a:pt x="29" y="17"/>
+                  </a:cubicBezTo>
+                  <a:cubicBezTo>
+                    <a:pt x="29" y="10"/>
+                    <a:pt x="23" y="4"/>
+                    <a:pt x="17" y="4"/>
+                  </a:cubicBezTo>
+                  <a:close/>
+                </a:path>
+              </a:pathLst>
+            </a:custGeom>
+            <a:grpFill/>
+            <a:ln>
+              <a:noFill/>
+            </a:ln>
+            <a:extLst>
+              <a:ext uri="{91240B29-F687-4f45-9708-019B960494DF}">
+                <a14:hiddenLine xmlns="" xmlns:p14="http://schemas.microsoft.com/office/powerpoint/2010/main" xmlns:a14="http://schemas.microsoft.com/office/drawing/2010/main" w="9525">
+                  <a:solidFill>
+                    <a:srgbClr val="000000"/>
+                  </a:solidFill>
+                  <a:round/>
+                  <a:headEnd/>
+                  <a:tailEnd/>
+                </a14:hiddenLine>
+              </a:ext>
+            </a:extLst>
+          </p:spPr>
+        </p:sp>
+        <p:sp>
+          <p:nvSpPr>
+            <p:cNvPr id="37" name="Freeform 24">
+              <a:extLst>
+                <a:ext uri="{FF2B5EF4-FFF2-40B4-BE49-F238E27FC236}">
+                  <a16:creationId xmlns:a16="http://schemas.microsoft.com/office/drawing/2014/main" id="{B0B240FB-0453-4B6F-9F9B-C2C3305AC5EC}"/>
+                </a:ext>
+              </a:extLst>
+            </p:cNvPr>
+            <p:cNvSpPr>
+              <a:spLocks noEditPoints="1"/>
+            </p:cNvSpPr>
+            <p:nvPr>
+              <p:extLst>
+                <p:ext uri="{386F3935-93C4-4BCD-93E2-E3B085C9AB24}">
+                  <p16:designElem xmlns:p16="http://schemas.microsoft.com/office/powerpoint/2015/main" val="1"/>
+                </p:ext>
+              </p:extLst>
+            </p:nvPr>
+          </p:nvSpPr>
+          <p:spPr bwMode="auto">
+            <a:xfrm>
+              <a:off x="66675" y="903288"/>
+              <a:ext cx="190500" cy="190500"/>
+            </a:xfrm>
+            <a:custGeom>
+              <a:avLst/>
+              <a:gdLst/>
+              <a:ahLst/>
+              <a:cxnLst/>
+              <a:rect l="0" t="0" r="r" b="b"/>
+              <a:pathLst>
+                <a:path w="40" h="40">
+                  <a:moveTo>
+                    <a:pt x="20" y="40"/>
+                  </a:moveTo>
+                  <a:cubicBezTo>
+                    <a:pt x="9" y="40"/>
+                    <a:pt x="0" y="31"/>
+                    <a:pt x="0" y="20"/>
+                  </a:cubicBezTo>
+                  <a:cubicBezTo>
+                    <a:pt x="0" y="9"/>
+                    <a:pt x="9" y="0"/>
+                    <a:pt x="20" y="0"/>
+                  </a:cubicBezTo>
+                  <a:cubicBezTo>
+                    <a:pt x="32" y="0"/>
+                    <a:pt x="40" y="9"/>
+                    <a:pt x="40" y="20"/>
+                  </a:cubicBezTo>
+                  <a:cubicBezTo>
+                    <a:pt x="40" y="31"/>
+                    <a:pt x="32" y="40"/>
+                    <a:pt x="20" y="40"/>
+                  </a:cubicBezTo>
+                  <a:close/>
+                  <a:moveTo>
+                    <a:pt x="20" y="4"/>
+                  </a:moveTo>
+                  <a:cubicBezTo>
+                    <a:pt x="12" y="4"/>
+                    <a:pt x="4" y="12"/>
+                    <a:pt x="4" y="20"/>
+                  </a:cubicBezTo>
+                  <a:cubicBezTo>
+                    <a:pt x="4" y="29"/>
+                    <a:pt x="12" y="36"/>
+                    <a:pt x="20" y="36"/>
+                  </a:cubicBezTo>
+                  <a:cubicBezTo>
+                    <a:pt x="29" y="36"/>
+                    <a:pt x="36" y="29"/>
+                    <a:pt x="36" y="20"/>
+                  </a:cubicBezTo>
+                  <a:cubicBezTo>
+                    <a:pt x="36" y="12"/>
+                    <a:pt x="29" y="4"/>
+                    <a:pt x="20" y="4"/>
+                  </a:cubicBezTo>
+                  <a:close/>
+                </a:path>
+              </a:pathLst>
+            </a:custGeom>
+            <a:grpFill/>
+            <a:ln>
+              <a:noFill/>
+            </a:ln>
+            <a:extLst>
+              <a:ext uri="{91240B29-F687-4f45-9708-019B960494DF}">
+                <a14:hiddenLine xmlns="" xmlns:p14="http://schemas.microsoft.com/office/powerpoint/2010/main" xmlns:a14="http://schemas.microsoft.com/office/drawing/2010/main" w="9525">
+                  <a:solidFill>
+                    <a:srgbClr val="000000"/>
+                  </a:solidFill>
+                  <a:round/>
+                  <a:headEnd/>
+                  <a:tailEnd/>
+                </a14:hiddenLine>
+              </a:ext>
+            </a:extLst>
+          </p:spPr>
+        </p:sp>
+        <p:sp>
+          <p:nvSpPr>
+            <p:cNvPr id="38" name="Freeform 25">
+              <a:extLst>
+                <a:ext uri="{FF2B5EF4-FFF2-40B4-BE49-F238E27FC236}">
+                  <a16:creationId xmlns:a16="http://schemas.microsoft.com/office/drawing/2014/main" id="{EBBBDCEE-433E-40F3-B49D-375CB162A88E}"/>
+                </a:ext>
+              </a:extLst>
+            </p:cNvPr>
+            <p:cNvSpPr/>
+            <p:nvPr>
+              <p:extLst>
+                <p:ext uri="{386F3935-93C4-4BCD-93E2-E3B085C9AB24}">
+                  <p16:designElem xmlns:p16="http://schemas.microsoft.com/office/powerpoint/2015/main" val="1"/>
+                </p:ext>
+              </p:extLst>
+            </p:nvPr>
+          </p:nvSpPr>
+          <p:spPr bwMode="auto">
+            <a:xfrm>
+              <a:off x="0" y="3897313"/>
+              <a:ext cx="133350" cy="266700"/>
+            </a:xfrm>
+            <a:custGeom>
+              <a:avLst/>
+              <a:gdLst/>
+              <a:ahLst/>
+              <a:cxnLst/>
+              <a:rect l="0" t="0" r="r" b="b"/>
+              <a:pathLst>
+                <a:path w="84" h="168">
+                  <a:moveTo>
+                    <a:pt x="69" y="168"/>
+                  </a:moveTo>
+                  <a:lnTo>
+                    <a:pt x="0" y="6"/>
+                  </a:lnTo>
+                  <a:lnTo>
+                    <a:pt x="12" y="0"/>
+                  </a:lnTo>
+                  <a:lnTo>
+                    <a:pt x="84" y="162"/>
+                  </a:lnTo>
+                  <a:lnTo>
+                    <a:pt x="69" y="168"/>
+                  </a:lnTo>
+                  <a:close/>
+                </a:path>
+              </a:pathLst>
+            </a:custGeom>
+            <a:grpFill/>
+            <a:ln>
+              <a:noFill/>
+            </a:ln>
+            <a:extLst>
+              <a:ext uri="{91240B29-F687-4f45-9708-019B960494DF}">
+                <a14:hiddenLine xmlns="" xmlns:p14="http://schemas.microsoft.com/office/powerpoint/2010/main" xmlns:a14="http://schemas.microsoft.com/office/drawing/2010/main" w="9525">
+                  <a:solidFill>
+                    <a:srgbClr val="000000"/>
+                  </a:solidFill>
+                  <a:round/>
+                  <a:headEnd/>
+                  <a:tailEnd/>
+                </a14:hiddenLine>
+              </a:ext>
+            </a:extLst>
+          </p:spPr>
+        </p:sp>
+        <p:sp>
+          <p:nvSpPr>
+            <p:cNvPr id="39" name="Freeform 26">
+              <a:extLst>
+                <a:ext uri="{FF2B5EF4-FFF2-40B4-BE49-F238E27FC236}">
+                  <a16:creationId xmlns:a16="http://schemas.microsoft.com/office/drawing/2014/main" id="{09B123C6-141E-4A37-B5A7-27E7764FA1F6}"/>
+                </a:ext>
+              </a:extLst>
+            </p:cNvPr>
+            <p:cNvSpPr>
+              <a:spLocks noEditPoints="1"/>
+            </p:cNvSpPr>
+            <p:nvPr>
+              <p:extLst>
+                <p:ext uri="{386F3935-93C4-4BCD-93E2-E3B085C9AB24}">
+                  <p16:designElem xmlns:p16="http://schemas.microsoft.com/office/powerpoint/2015/main" val="1"/>
+                </p:ext>
+              </p:extLst>
+            </p:nvPr>
+          </p:nvSpPr>
+          <p:spPr bwMode="auto">
+            <a:xfrm>
+              <a:off x="66675" y="4149725"/>
+              <a:ext cx="190500" cy="188913"/>
+            </a:xfrm>
+            <a:custGeom>
+              <a:avLst/>
+              <a:gdLst/>
+              <a:ahLst/>
+              <a:cxnLst/>
+              <a:rect l="0" t="0" r="r" b="b"/>
+              <a:pathLst>
+                <a:path w="40" h="40">
+                  <a:moveTo>
+                    <a:pt x="20" y="40"/>
+                  </a:moveTo>
+                  <a:cubicBezTo>
+                    <a:pt x="9" y="40"/>
+                    <a:pt x="0" y="31"/>
+                    <a:pt x="0" y="20"/>
+                  </a:cubicBezTo>
+                  <a:cubicBezTo>
+                    <a:pt x="0" y="9"/>
+                    <a:pt x="9" y="0"/>
+                    <a:pt x="20" y="0"/>
+                  </a:cubicBezTo>
+                  <a:cubicBezTo>
+                    <a:pt x="31" y="0"/>
+                    <a:pt x="40" y="9"/>
+                    <a:pt x="40" y="20"/>
+                  </a:cubicBezTo>
+                  <a:cubicBezTo>
+                    <a:pt x="40" y="31"/>
+                    <a:pt x="31" y="40"/>
+                    <a:pt x="20" y="40"/>
+                  </a:cubicBezTo>
+                  <a:close/>
+                  <a:moveTo>
+                    <a:pt x="20" y="4"/>
+                  </a:moveTo>
+                  <a:cubicBezTo>
+                    <a:pt x="11" y="4"/>
+                    <a:pt x="4" y="11"/>
+                    <a:pt x="4" y="20"/>
+                  </a:cubicBezTo>
+                  <a:cubicBezTo>
+                    <a:pt x="4" y="28"/>
+                    <a:pt x="11" y="36"/>
+                    <a:pt x="20" y="36"/>
+                  </a:cubicBezTo>
+                  <a:cubicBezTo>
+                    <a:pt x="29" y="36"/>
+                    <a:pt x="36" y="28"/>
+                    <a:pt x="36" y="20"/>
+                  </a:cubicBezTo>
+                  <a:cubicBezTo>
+                    <a:pt x="36" y="11"/>
+                    <a:pt x="29" y="4"/>
+                    <a:pt x="20" y="4"/>
+                  </a:cubicBezTo>
+                  <a:close/>
+                </a:path>
+              </a:pathLst>
+            </a:custGeom>
+            <a:grpFill/>
+            <a:ln>
+              <a:noFill/>
+            </a:ln>
+            <a:extLst>
+              <a:ext uri="{91240B29-F687-4f45-9708-019B960494DF}">
+                <a14:hiddenLine xmlns="" xmlns:p14="http://schemas.microsoft.com/office/powerpoint/2010/main" xmlns:a14="http://schemas.microsoft.com/office/drawing/2010/main" w="9525">
+                  <a:solidFill>
+                    <a:srgbClr val="000000"/>
+                  </a:solidFill>
+                  <a:round/>
+                  <a:headEnd/>
+                  <a:tailEnd/>
+                </a14:hiddenLine>
+              </a:ext>
+            </a:extLst>
+          </p:spPr>
+        </p:sp>
+        <p:sp>
+          <p:nvSpPr>
+            <p:cNvPr id="40" name="Freeform 27">
+              <a:extLst>
+                <a:ext uri="{FF2B5EF4-FFF2-40B4-BE49-F238E27FC236}">
+                  <a16:creationId xmlns:a16="http://schemas.microsoft.com/office/drawing/2014/main" id="{1FA1F521-36A1-49FF-84A7-229E8970F7C0}"/>
+                </a:ext>
+              </a:extLst>
+            </p:cNvPr>
+            <p:cNvSpPr/>
+            <p:nvPr>
+              <p:extLst>
+                <p:ext uri="{386F3935-93C4-4BCD-93E2-E3B085C9AB24}">
+                  <p16:designElem xmlns:p16="http://schemas.microsoft.com/office/powerpoint/2015/main" val="1"/>
+                </p:ext>
+              </p:extLst>
+            </p:nvPr>
+          </p:nvSpPr>
+          <p:spPr bwMode="auto">
+            <a:xfrm>
+              <a:off x="0" y="1644650"/>
+              <a:ext cx="133350" cy="269875"/>
+            </a:xfrm>
+            <a:custGeom>
+              <a:avLst/>
+              <a:gdLst/>
+              <a:ahLst/>
+              <a:cxnLst/>
+              <a:rect l="0" t="0" r="r" b="b"/>
+              <a:pathLst>
+                <a:path w="84" h="170">
+                  <a:moveTo>
+                    <a:pt x="12" y="170"/>
+                  </a:moveTo>
+                  <a:lnTo>
+                    <a:pt x="0" y="164"/>
+                  </a:lnTo>
+                  <a:lnTo>
+                    <a:pt x="69" y="0"/>
+                  </a:lnTo>
+                  <a:lnTo>
+                    <a:pt x="84" y="6"/>
+                  </a:lnTo>
+                  <a:lnTo>
+                    <a:pt x="12" y="170"/>
+                  </a:lnTo>
+                  <a:close/>
+                </a:path>
+              </a:pathLst>
+            </a:custGeom>
+            <a:grpFill/>
+            <a:ln>
+              <a:noFill/>
+            </a:ln>
+            <a:extLst>
+              <a:ext uri="{91240B29-F687-4f45-9708-019B960494DF}">
+                <a14:hiddenLine xmlns="" xmlns:p14="http://schemas.microsoft.com/office/powerpoint/2010/main" xmlns:a14="http://schemas.microsoft.com/office/drawing/2010/main" w="9525">
+                  <a:solidFill>
+                    <a:srgbClr val="000000"/>
+                  </a:solidFill>
+                  <a:round/>
+                  <a:headEnd/>
+                  <a:tailEnd/>
+                </a14:hiddenLine>
+              </a:ext>
+            </a:extLst>
+          </p:spPr>
+        </p:sp>
+        <p:sp>
+          <p:nvSpPr>
+            <p:cNvPr id="41" name="Freeform 28">
+              <a:extLst>
+                <a:ext uri="{FF2B5EF4-FFF2-40B4-BE49-F238E27FC236}">
+                  <a16:creationId xmlns:a16="http://schemas.microsoft.com/office/drawing/2014/main" id="{DE512F89-D901-4487-A42C-02345EC5FCD6}"/>
+                </a:ext>
+              </a:extLst>
+            </p:cNvPr>
+            <p:cNvSpPr>
+              <a:spLocks noEditPoints="1"/>
+            </p:cNvSpPr>
+            <p:nvPr>
+              <p:extLst>
+                <p:ext uri="{386F3935-93C4-4BCD-93E2-E3B085C9AB24}">
+                  <p16:designElem xmlns:p16="http://schemas.microsoft.com/office/powerpoint/2015/main" val="1"/>
+                </p:ext>
+              </p:extLst>
+            </p:nvPr>
+          </p:nvSpPr>
+          <p:spPr bwMode="auto">
+            <a:xfrm>
+              <a:off x="66675" y="1468438"/>
+              <a:ext cx="190500" cy="190500"/>
+            </a:xfrm>
+            <a:custGeom>
+              <a:avLst/>
+              <a:gdLst/>
+              <a:ahLst/>
+              <a:cxnLst/>
+              <a:rect l="0" t="0" r="r" b="b"/>
+              <a:pathLst>
+                <a:path w="40" h="40">
+                  <a:moveTo>
+                    <a:pt x="20" y="40"/>
+                  </a:moveTo>
+                  <a:cubicBezTo>
+                    <a:pt x="9" y="40"/>
+                    <a:pt x="0" y="31"/>
+                    <a:pt x="0" y="20"/>
+                  </a:cubicBezTo>
+                  <a:cubicBezTo>
+                    <a:pt x="0" y="9"/>
+                    <a:pt x="9" y="0"/>
+                    <a:pt x="20" y="0"/>
+                  </a:cubicBezTo>
+                  <a:cubicBezTo>
+                    <a:pt x="31" y="0"/>
+                    <a:pt x="40" y="9"/>
+                    <a:pt x="40" y="20"/>
+                  </a:cubicBezTo>
+                  <a:cubicBezTo>
+                    <a:pt x="40" y="31"/>
+                    <a:pt x="31" y="40"/>
+                    <a:pt x="20" y="40"/>
+                  </a:cubicBezTo>
+                  <a:close/>
+                  <a:moveTo>
+                    <a:pt x="20" y="4"/>
+                  </a:moveTo>
+                  <a:cubicBezTo>
+                    <a:pt x="11" y="4"/>
+                    <a:pt x="4" y="11"/>
+                    <a:pt x="4" y="20"/>
+                  </a:cubicBezTo>
+                  <a:cubicBezTo>
+                    <a:pt x="4" y="28"/>
+                    <a:pt x="11" y="36"/>
+                    <a:pt x="20" y="36"/>
+                  </a:cubicBezTo>
+                  <a:cubicBezTo>
+                    <a:pt x="29" y="36"/>
+                    <a:pt x="36" y="28"/>
+                    <a:pt x="36" y="20"/>
+                  </a:cubicBezTo>
+                  <a:cubicBezTo>
+                    <a:pt x="36" y="11"/>
+                    <a:pt x="29" y="4"/>
+                    <a:pt x="20" y="4"/>
+                  </a:cubicBezTo>
+                  <a:close/>
+                </a:path>
+              </a:pathLst>
+            </a:custGeom>
+            <a:grpFill/>
+            <a:ln>
+              <a:noFill/>
+            </a:ln>
+            <a:extLst>
+              <a:ext uri="{91240B29-F687-4f45-9708-019B960494DF}">
+                <a14:hiddenLine xmlns="" xmlns:p14="http://schemas.microsoft.com/office/powerpoint/2010/main" xmlns:a14="http://schemas.microsoft.com/office/drawing/2010/main" w="9525">
+                  <a:solidFill>
+                    <a:srgbClr val="000000"/>
+                  </a:solidFill>
+                  <a:round/>
+                  <a:headEnd/>
+                  <a:tailEnd/>
+                </a14:hiddenLine>
+              </a:ext>
+            </a:extLst>
+          </p:spPr>
+        </p:sp>
+        <p:sp>
+          <p:nvSpPr>
+            <p:cNvPr id="42" name="Freeform 29">
+              <a:extLst>
+                <a:ext uri="{FF2B5EF4-FFF2-40B4-BE49-F238E27FC236}">
+                  <a16:creationId xmlns:a16="http://schemas.microsoft.com/office/drawing/2014/main" id="{ED3ED0E5-3226-4B78-B3EA-C591824B8972}"/>
+                </a:ext>
+              </a:extLst>
+            </p:cNvPr>
+            <p:cNvSpPr/>
+            <p:nvPr>
+              <p:extLst>
+                <p:ext uri="{386F3935-93C4-4BCD-93E2-E3B085C9AB24}">
+                  <p16:designElem xmlns:p16="http://schemas.microsoft.com/office/powerpoint/2015/main" val="1"/>
+                </p:ext>
+              </p:extLst>
+            </p:nvPr>
+          </p:nvSpPr>
+          <p:spPr bwMode="auto">
+            <a:xfrm>
+              <a:off x="695325" y="4763"/>
+              <a:ext cx="309563" cy="1558925"/>
+            </a:xfrm>
+            <a:custGeom>
+              <a:avLst/>
+              <a:gdLst/>
+              <a:ahLst/>
+              <a:cxnLst/>
+              <a:rect l="0" t="0" r="r" b="b"/>
+              <a:pathLst>
+                <a:path w="195" h="982">
+                  <a:moveTo>
+                    <a:pt x="195" y="982"/>
+                  </a:moveTo>
+                  <a:lnTo>
+                    <a:pt x="177" y="982"/>
+                  </a:lnTo>
+                  <a:lnTo>
+                    <a:pt x="177" y="805"/>
+                  </a:lnTo>
+                  <a:lnTo>
+                    <a:pt x="0" y="629"/>
+                  </a:lnTo>
+                  <a:lnTo>
+                    <a:pt x="0" y="0"/>
+                  </a:lnTo>
+                  <a:lnTo>
+                    <a:pt x="18" y="0"/>
+                  </a:lnTo>
+                  <a:lnTo>
+                    <a:pt x="18" y="623"/>
+                  </a:lnTo>
+                  <a:lnTo>
+                    <a:pt x="195" y="796"/>
+                  </a:lnTo>
+                  <a:lnTo>
+                    <a:pt x="195" y="982"/>
+                  </a:lnTo>
+                  <a:close/>
+                </a:path>
+              </a:pathLst>
+            </a:custGeom>
+            <a:grpFill/>
+            <a:ln>
+              <a:noFill/>
+            </a:ln>
+            <a:extLst>
+              <a:ext uri="{91240B29-F687-4f45-9708-019B960494DF}">
+                <a14:hiddenLine xmlns="" xmlns:p14="http://schemas.microsoft.com/office/powerpoint/2010/main" xmlns:a14="http://schemas.microsoft.com/office/drawing/2010/main" w="9525">
+                  <a:solidFill>
+                    <a:srgbClr val="000000"/>
+                  </a:solidFill>
+                  <a:round/>
+                  <a:headEnd/>
+                  <a:tailEnd/>
+                </a14:hiddenLine>
+              </a:ext>
+            </a:extLst>
+          </p:spPr>
+        </p:sp>
+        <p:sp>
+          <p:nvSpPr>
+            <p:cNvPr id="43" name="Freeform 30">
+              <a:extLst>
+                <a:ext uri="{FF2B5EF4-FFF2-40B4-BE49-F238E27FC236}">
+                  <a16:creationId xmlns:a16="http://schemas.microsoft.com/office/drawing/2014/main" id="{9CBB1F68-B6DE-4ECF-B20F-328F9811E2F3}"/>
+                </a:ext>
+              </a:extLst>
+            </p:cNvPr>
+            <p:cNvSpPr>
+              <a:spLocks noEditPoints="1"/>
+            </p:cNvSpPr>
+            <p:nvPr>
+              <p:extLst>
+                <p:ext uri="{386F3935-93C4-4BCD-93E2-E3B085C9AB24}">
+                  <p16:designElem xmlns:p16="http://schemas.microsoft.com/office/powerpoint/2015/main" val="1"/>
+                </p:ext>
+              </p:extLst>
+            </p:nvPr>
+          </p:nvSpPr>
+          <p:spPr bwMode="auto">
+            <a:xfrm>
+              <a:off x="57150" y="4881563"/>
+              <a:ext cx="190500" cy="188913"/>
+            </a:xfrm>
+            <a:custGeom>
+              <a:avLst/>
+              <a:gdLst/>
+              <a:ahLst/>
+              <a:cxnLst/>
+              <a:rect l="0" t="0" r="r" b="b"/>
+              <a:pathLst>
+                <a:path w="40" h="40">
+                  <a:moveTo>
+                    <a:pt x="20" y="40"/>
+                  </a:moveTo>
+                  <a:cubicBezTo>
+                    <a:pt x="9" y="40"/>
+                    <a:pt x="0" y="31"/>
+                    <a:pt x="0" y="20"/>
+                  </a:cubicBezTo>
+                  <a:cubicBezTo>
+                    <a:pt x="0" y="9"/>
+                    <a:pt x="9" y="0"/>
+                    <a:pt x="20" y="0"/>
+                  </a:cubicBezTo>
+                  <a:cubicBezTo>
+                    <a:pt x="31" y="0"/>
+                    <a:pt x="40" y="9"/>
+                    <a:pt x="40" y="20"/>
+                  </a:cubicBezTo>
+                  <a:cubicBezTo>
+                    <a:pt x="40" y="31"/>
+                    <a:pt x="31" y="40"/>
+                    <a:pt x="20" y="40"/>
+                  </a:cubicBezTo>
+                  <a:close/>
+                  <a:moveTo>
+                    <a:pt x="20" y="4"/>
+                  </a:moveTo>
+                  <a:cubicBezTo>
+                    <a:pt x="12" y="4"/>
+                    <a:pt x="4" y="11"/>
+                    <a:pt x="4" y="20"/>
+                  </a:cubicBezTo>
+                  <a:cubicBezTo>
+                    <a:pt x="4" y="29"/>
+                    <a:pt x="12" y="36"/>
+                    <a:pt x="20" y="36"/>
+                  </a:cubicBezTo>
+                  <a:cubicBezTo>
+                    <a:pt x="29" y="36"/>
+                    <a:pt x="36" y="29"/>
+                    <a:pt x="36" y="20"/>
+                  </a:cubicBezTo>
+                  <a:cubicBezTo>
+                    <a:pt x="36" y="11"/>
+                    <a:pt x="29" y="4"/>
+                    <a:pt x="20" y="4"/>
+                  </a:cubicBezTo>
+                  <a:close/>
+                </a:path>
+              </a:pathLst>
+            </a:custGeom>
+            <a:grpFill/>
+            <a:ln>
+              <a:noFill/>
+            </a:ln>
+            <a:extLst>
+              <a:ext uri="{91240B29-F687-4f45-9708-019B960494DF}">
+                <a14:hiddenLine xmlns="" xmlns:p14="http://schemas.microsoft.com/office/powerpoint/2010/main" xmlns:a14="http://schemas.microsoft.com/office/drawing/2010/main" w="9525">
+                  <a:solidFill>
+                    <a:srgbClr val="000000"/>
+                  </a:solidFill>
+                  <a:round/>
+                  <a:headEnd/>
+                  <a:tailEnd/>
+                </a14:hiddenLine>
+              </a:ext>
+            </a:extLst>
+          </p:spPr>
+        </p:sp>
+        <p:sp>
+          <p:nvSpPr>
+            <p:cNvPr id="44" name="Freeform 31">
+              <a:extLst>
+                <a:ext uri="{FF2B5EF4-FFF2-40B4-BE49-F238E27FC236}">
+                  <a16:creationId xmlns:a16="http://schemas.microsoft.com/office/drawing/2014/main" id="{A566C551-9523-4D97-A8CF-5C91F436C506}"/>
+                </a:ext>
+              </a:extLst>
+            </p:cNvPr>
+            <p:cNvSpPr/>
+            <p:nvPr>
+              <p:extLst>
+                <p:ext uri="{386F3935-93C4-4BCD-93E2-E3B085C9AB24}">
+                  <p16:designElem xmlns:p16="http://schemas.microsoft.com/office/powerpoint/2015/main" val="1"/>
+                </p:ext>
+              </p:extLst>
+            </p:nvPr>
+          </p:nvSpPr>
+          <p:spPr bwMode="auto">
+            <a:xfrm>
+              <a:off x="138113" y="5060950"/>
+              <a:ext cx="304800" cy="1778000"/>
+            </a:xfrm>
+            <a:custGeom>
+              <a:avLst/>
+              <a:gdLst/>
+              <a:ahLst/>
+              <a:cxnLst/>
+              <a:rect l="0" t="0" r="r" b="b"/>
+              <a:pathLst>
+                <a:path w="192" h="1120">
+                  <a:moveTo>
+                    <a:pt x="192" y="1120"/>
+                  </a:moveTo>
+                  <a:lnTo>
+                    <a:pt x="177" y="1120"/>
+                  </a:lnTo>
+                  <a:lnTo>
+                    <a:pt x="177" y="360"/>
+                  </a:lnTo>
+                  <a:lnTo>
+                    <a:pt x="0" y="183"/>
+                  </a:lnTo>
+                  <a:lnTo>
+                    <a:pt x="0" y="0"/>
+                  </a:lnTo>
+                  <a:lnTo>
+                    <a:pt x="15" y="0"/>
+                  </a:lnTo>
+                  <a:lnTo>
+                    <a:pt x="15" y="177"/>
+                  </a:lnTo>
+                  <a:lnTo>
+                    <a:pt x="192" y="354"/>
+                  </a:lnTo>
+                  <a:lnTo>
+                    <a:pt x="192" y="1120"/>
+                  </a:lnTo>
+                  <a:close/>
+                </a:path>
+              </a:pathLst>
+            </a:custGeom>
+            <a:grpFill/>
+            <a:ln>
+              <a:noFill/>
+            </a:ln>
+            <a:extLst>
+              <a:ext uri="{91240B29-F687-4f45-9708-019B960494DF}">
+                <a14:hiddenLine xmlns="" xmlns:p14="http://schemas.microsoft.com/office/powerpoint/2010/main" xmlns:a14="http://schemas.microsoft.com/office/drawing/2010/main" w="9525">
+                  <a:solidFill>
+                    <a:srgbClr val="000000"/>
+                  </a:solidFill>
+                  <a:round/>
+                  <a:headEnd/>
+                  <a:tailEnd/>
+                </a14:hiddenLine>
+              </a:ext>
+            </a:extLst>
+          </p:spPr>
+        </p:sp>
+        <p:sp>
+          <p:nvSpPr>
+            <p:cNvPr id="45" name="Freeform 32">
+              <a:extLst>
+                <a:ext uri="{FF2B5EF4-FFF2-40B4-BE49-F238E27FC236}">
+                  <a16:creationId xmlns:a16="http://schemas.microsoft.com/office/drawing/2014/main" id="{9E166BA0-9268-4419-9332-2D30C2123971}"/>
+                </a:ext>
+              </a:extLst>
+            </p:cNvPr>
+            <p:cNvSpPr>
+              <a:spLocks noEditPoints="1"/>
+            </p:cNvSpPr>
+            <p:nvPr>
+              <p:extLst>
+                <p:ext uri="{386F3935-93C4-4BCD-93E2-E3B085C9AB24}">
+                  <p16:designElem xmlns:p16="http://schemas.microsoft.com/office/powerpoint/2015/main" val="1"/>
+                </p:ext>
+              </p:extLst>
+            </p:nvPr>
+          </p:nvSpPr>
+          <p:spPr bwMode="auto">
+            <a:xfrm>
+              <a:off x="561975" y="6430963"/>
+              <a:ext cx="190500" cy="188913"/>
+            </a:xfrm>
+            <a:custGeom>
+              <a:avLst/>
+              <a:gdLst/>
+              <a:ahLst/>
+              <a:cxnLst/>
+              <a:rect l="0" t="0" r="r" b="b"/>
+              <a:pathLst>
+                <a:path w="40" h="40">
+                  <a:moveTo>
+                    <a:pt x="20" y="40"/>
+                  </a:moveTo>
+                  <a:cubicBezTo>
+                    <a:pt x="9" y="40"/>
+                    <a:pt x="0" y="31"/>
+                    <a:pt x="0" y="20"/>
+                  </a:cubicBezTo>
+                  <a:cubicBezTo>
+                    <a:pt x="0" y="9"/>
+                    <a:pt x="9" y="0"/>
+                    <a:pt x="20" y="0"/>
+                  </a:cubicBezTo>
+                  <a:cubicBezTo>
+                    <a:pt x="31" y="0"/>
+                    <a:pt x="40" y="9"/>
+                    <a:pt x="40" y="20"/>
+                  </a:cubicBezTo>
+                  <a:cubicBezTo>
+                    <a:pt x="40" y="31"/>
+                    <a:pt x="31" y="40"/>
+                    <a:pt x="20" y="40"/>
+                  </a:cubicBezTo>
+                  <a:close/>
+                  <a:moveTo>
+                    <a:pt x="20" y="4"/>
+                  </a:moveTo>
+                  <a:cubicBezTo>
+                    <a:pt x="12" y="4"/>
+                    <a:pt x="4" y="11"/>
+                    <a:pt x="4" y="20"/>
+                  </a:cubicBezTo>
+                  <a:cubicBezTo>
+                    <a:pt x="4" y="29"/>
+                    <a:pt x="12" y="36"/>
+                    <a:pt x="20" y="36"/>
+                  </a:cubicBezTo>
+                  <a:cubicBezTo>
+                    <a:pt x="29" y="36"/>
+                    <a:pt x="36" y="29"/>
+                    <a:pt x="36" y="20"/>
+                  </a:cubicBezTo>
+                  <a:cubicBezTo>
+                    <a:pt x="36" y="11"/>
+                    <a:pt x="29" y="4"/>
+                    <a:pt x="20" y="4"/>
+                  </a:cubicBezTo>
+                  <a:close/>
+                </a:path>
+              </a:pathLst>
+            </a:custGeom>
+            <a:grpFill/>
+            <a:ln>
+              <a:noFill/>
+            </a:ln>
+            <a:extLst>
+              <a:ext uri="{91240B29-F687-4f45-9708-019B960494DF}">
+                <a14:hiddenLine xmlns="" xmlns:p14="http://schemas.microsoft.com/office/powerpoint/2010/main" xmlns:a14="http://schemas.microsoft.com/office/drawing/2010/main" w="9525">
+                  <a:solidFill>
+                    <a:srgbClr val="000000"/>
+                  </a:solidFill>
+                  <a:round/>
+                  <a:headEnd/>
+                  <a:tailEnd/>
+                </a14:hiddenLine>
+              </a:ext>
+            </a:extLst>
+          </p:spPr>
+        </p:sp>
+        <p:sp>
+          <p:nvSpPr>
+            <p:cNvPr id="46" name="Rectangle 45">
+              <a:extLst>
+                <a:ext uri="{FF2B5EF4-FFF2-40B4-BE49-F238E27FC236}">
+                  <a16:creationId xmlns:a16="http://schemas.microsoft.com/office/drawing/2014/main" id="{B700C031-AA54-4DC7-B8A2-2569B3FA653F}"/>
+                </a:ext>
+              </a:extLst>
+            </p:cNvPr>
+            <p:cNvSpPr>
+              <a:spLocks noChangeArrowheads="1"/>
+            </p:cNvSpPr>
+            <p:nvPr>
+              <p:extLst>
+                <p:ext uri="{386F3935-93C4-4BCD-93E2-E3B085C9AB24}">
+                  <p16:designElem xmlns:p16="http://schemas.microsoft.com/office/powerpoint/2015/main" val="1"/>
+                </p:ext>
+              </p:extLst>
+            </p:nvPr>
+          </p:nvSpPr>
+          <p:spPr bwMode="auto">
+            <a:xfrm>
+              <a:off x="642938" y="6610350"/>
+              <a:ext cx="23813" cy="242888"/>
+            </a:xfrm>
+            <a:prstGeom prst="rect">
+              <a:avLst/>
+            </a:prstGeom>
+            <a:grpFill/>
+            <a:ln>
+              <a:noFill/>
+            </a:ln>
+            <a:extLst>
+              <a:ext uri="{91240B29-F687-4f45-9708-019B960494DF}">
+                <a14:hiddenLine xmlns="" xmlns:p14="http://schemas.microsoft.com/office/powerpoint/2010/main" xmlns:a14="http://schemas.microsoft.com/office/drawing/2010/main" w="9525">
+                  <a:solidFill>
+                    <a:srgbClr val="000000"/>
+                  </a:solidFill>
+                  <a:miter lim="800000"/>
+                  <a:headEnd/>
+                  <a:tailEnd/>
+                </a14:hiddenLine>
+              </a:ext>
+            </a:extLst>
+          </p:spPr>
+        </p:sp>
+        <p:sp>
+          <p:nvSpPr>
+            <p:cNvPr id="47" name="Freeform 34">
+              <a:extLst>
+                <a:ext uri="{FF2B5EF4-FFF2-40B4-BE49-F238E27FC236}">
+                  <a16:creationId xmlns:a16="http://schemas.microsoft.com/office/drawing/2014/main" id="{03045EC8-ECC8-473F-8786-DE266F05B15F}"/>
+                </a:ext>
+              </a:extLst>
+            </p:cNvPr>
+            <p:cNvSpPr>
+              <a:spLocks noEditPoints="1"/>
+            </p:cNvSpPr>
+            <p:nvPr>
+              <p:extLst>
+                <p:ext uri="{386F3935-93C4-4BCD-93E2-E3B085C9AB24}">
+                  <p16:designElem xmlns:p16="http://schemas.microsoft.com/office/powerpoint/2015/main" val="1"/>
+                </p:ext>
+              </p:extLst>
+            </p:nvPr>
+          </p:nvSpPr>
+          <p:spPr bwMode="auto">
+            <a:xfrm>
+              <a:off x="76200" y="6430963"/>
+              <a:ext cx="190500" cy="188913"/>
+            </a:xfrm>
+            <a:custGeom>
+              <a:avLst/>
+              <a:gdLst/>
+              <a:ahLst/>
+              <a:cxnLst/>
+              <a:rect l="0" t="0" r="r" b="b"/>
+              <a:pathLst>
+                <a:path w="40" h="40">
+                  <a:moveTo>
+                    <a:pt x="20" y="40"/>
+                  </a:moveTo>
+                  <a:cubicBezTo>
+                    <a:pt x="9" y="40"/>
+                    <a:pt x="0" y="31"/>
+                    <a:pt x="0" y="20"/>
+                  </a:cubicBezTo>
+                  <a:cubicBezTo>
+                    <a:pt x="0" y="9"/>
+                    <a:pt x="9" y="0"/>
+                    <a:pt x="20" y="0"/>
+                  </a:cubicBezTo>
+                  <a:cubicBezTo>
+                    <a:pt x="32" y="0"/>
+                    <a:pt x="40" y="9"/>
+                    <a:pt x="40" y="20"/>
+                  </a:cubicBezTo>
+                  <a:cubicBezTo>
+                    <a:pt x="40" y="31"/>
+                    <a:pt x="32" y="40"/>
+                    <a:pt x="20" y="40"/>
+                  </a:cubicBezTo>
+                  <a:close/>
+                  <a:moveTo>
+                    <a:pt x="20" y="4"/>
+                  </a:moveTo>
+                  <a:cubicBezTo>
+                    <a:pt x="12" y="4"/>
+                    <a:pt x="4" y="11"/>
+                    <a:pt x="4" y="20"/>
+                  </a:cubicBezTo>
+                  <a:cubicBezTo>
+                    <a:pt x="4" y="29"/>
+                    <a:pt x="12" y="36"/>
+                    <a:pt x="20" y="36"/>
+                  </a:cubicBezTo>
+                  <a:cubicBezTo>
+                    <a:pt x="29" y="36"/>
+                    <a:pt x="36" y="29"/>
+                    <a:pt x="36" y="20"/>
+                  </a:cubicBezTo>
+                  <a:cubicBezTo>
+                    <a:pt x="36" y="11"/>
+                    <a:pt x="29" y="4"/>
+                    <a:pt x="20" y="4"/>
+                  </a:cubicBezTo>
+                  <a:close/>
+                </a:path>
+              </a:pathLst>
+            </a:custGeom>
+            <a:grpFill/>
+            <a:ln>
+              <a:noFill/>
+            </a:ln>
+            <a:extLst>
+              <a:ext uri="{91240B29-F687-4f45-9708-019B960494DF}">
+                <a14:hiddenLine xmlns="" xmlns:p14="http://schemas.microsoft.com/office/powerpoint/2010/main" xmlns:a14="http://schemas.microsoft.com/office/drawing/2010/main" w="9525">
+                  <a:solidFill>
+                    <a:srgbClr val="000000"/>
+                  </a:solidFill>
+                  <a:round/>
+                  <a:headEnd/>
+                  <a:tailEnd/>
+                </a14:hiddenLine>
+              </a:ext>
+            </a:extLst>
+          </p:spPr>
+        </p:sp>
+        <p:sp>
+          <p:nvSpPr>
+            <p:cNvPr id="48" name="Freeform 35">
+              <a:extLst>
+                <a:ext uri="{FF2B5EF4-FFF2-40B4-BE49-F238E27FC236}">
+                  <a16:creationId xmlns:a16="http://schemas.microsoft.com/office/drawing/2014/main" id="{9337EBA2-5088-4A44-8C0B-A6EE78989CF1}"/>
+                </a:ext>
+              </a:extLst>
+            </p:cNvPr>
+            <p:cNvSpPr/>
+            <p:nvPr>
+              <p:extLst>
+                <p:ext uri="{386F3935-93C4-4BCD-93E2-E3B085C9AB24}">
+                  <p16:designElem xmlns:p16="http://schemas.microsoft.com/office/powerpoint/2015/main" val="1"/>
+                </p:ext>
+              </p:extLst>
+            </p:nvPr>
+          </p:nvSpPr>
+          <p:spPr bwMode="auto">
+            <a:xfrm>
+              <a:off x="0" y="5978525"/>
+              <a:ext cx="190500" cy="461963"/>
+            </a:xfrm>
+            <a:custGeom>
+              <a:avLst/>
+              <a:gdLst/>
+              <a:ahLst/>
+              <a:cxnLst/>
+              <a:rect l="0" t="0" r="r" b="b"/>
+              <a:pathLst>
+                <a:path w="120" h="291">
+                  <a:moveTo>
+                    <a:pt x="120" y="291"/>
+                  </a:moveTo>
+                  <a:lnTo>
+                    <a:pt x="105" y="291"/>
+                  </a:lnTo>
+                  <a:lnTo>
+                    <a:pt x="105" y="114"/>
+                  </a:lnTo>
+                  <a:lnTo>
+                    <a:pt x="0" y="9"/>
+                  </a:lnTo>
+                  <a:lnTo>
+                    <a:pt x="12" y="0"/>
+                  </a:lnTo>
+                  <a:lnTo>
+                    <a:pt x="120" y="108"/>
+                  </a:lnTo>
+                  <a:lnTo>
+                    <a:pt x="120" y="291"/>
+                  </a:lnTo>
+                  <a:close/>
+                </a:path>
+              </a:pathLst>
+            </a:custGeom>
+            <a:grpFill/>
+            <a:ln>
+              <a:noFill/>
+            </a:ln>
+            <a:extLst>
+              <a:ext uri="{91240B29-F687-4f45-9708-019B960494DF}">
+                <a14:hiddenLine xmlns="" xmlns:p14="http://schemas.microsoft.com/office/powerpoint/2010/main" xmlns:a14="http://schemas.microsoft.com/office/drawing/2010/main" w="9525">
+                  <a:solidFill>
+                    <a:srgbClr val="000000"/>
+                  </a:solidFill>
+                  <a:round/>
+                  <a:headEnd/>
+                  <a:tailEnd/>
+                </a14:hiddenLine>
+              </a:ext>
+            </a:extLst>
+          </p:spPr>
+        </p:sp>
+        <p:sp>
+          <p:nvSpPr>
+            <p:cNvPr id="49" name="Freeform 36">
+              <a:extLst>
+                <a:ext uri="{FF2B5EF4-FFF2-40B4-BE49-F238E27FC236}">
+                  <a16:creationId xmlns:a16="http://schemas.microsoft.com/office/drawing/2014/main" id="{3486A705-2593-45C9-A13E-8E2FB7C35435}"/>
+                </a:ext>
+              </a:extLst>
+            </p:cNvPr>
+            <p:cNvSpPr/>
+            <p:nvPr>
+              <p:extLst>
+                <p:ext uri="{386F3935-93C4-4BCD-93E2-E3B085C9AB24}">
+                  <p16:designElem xmlns:p16="http://schemas.microsoft.com/office/powerpoint/2015/main" val="1"/>
+                </p:ext>
+              </p:extLst>
+            </p:nvPr>
+          </p:nvSpPr>
+          <p:spPr bwMode="auto">
+            <a:xfrm>
+              <a:off x="1014413" y="1801813"/>
+              <a:ext cx="214313" cy="755650"/>
+            </a:xfrm>
+            <a:custGeom>
+              <a:avLst/>
+              <a:gdLst/>
+              <a:ahLst/>
+              <a:cxnLst/>
+              <a:rect l="0" t="0" r="r" b="b"/>
+              <a:pathLst>
+                <a:path w="135" h="476">
+                  <a:moveTo>
+                    <a:pt x="12" y="476"/>
+                  </a:moveTo>
+                  <a:lnTo>
+                    <a:pt x="0" y="476"/>
+                  </a:lnTo>
+                  <a:lnTo>
+                    <a:pt x="0" y="128"/>
+                  </a:lnTo>
+                  <a:lnTo>
+                    <a:pt x="126" y="0"/>
+                  </a:lnTo>
+                  <a:lnTo>
+                    <a:pt x="135" y="9"/>
+                  </a:lnTo>
+                  <a:lnTo>
+                    <a:pt x="12" y="131"/>
+                  </a:lnTo>
+                  <a:lnTo>
+                    <a:pt x="12" y="476"/>
+                  </a:lnTo>
+                  <a:close/>
+                </a:path>
+              </a:pathLst>
+            </a:custGeom>
+            <a:grpFill/>
+            <a:ln>
+              <a:noFill/>
+            </a:ln>
+            <a:extLst>
+              <a:ext uri="{91240B29-F687-4f45-9708-019B960494DF}">
+                <a14:hiddenLine xmlns="" xmlns:p14="http://schemas.microsoft.com/office/powerpoint/2010/main" xmlns:a14="http://schemas.microsoft.com/office/drawing/2010/main" w="9525">
+                  <a:solidFill>
+                    <a:srgbClr val="000000"/>
+                  </a:solidFill>
+                  <a:round/>
+                  <a:headEnd/>
+                  <a:tailEnd/>
+                </a14:hiddenLine>
+              </a:ext>
+            </a:extLst>
+          </p:spPr>
+        </p:sp>
+        <p:sp>
+          <p:nvSpPr>
+            <p:cNvPr id="50" name="Freeform 37">
+              <a:extLst>
+                <a:ext uri="{FF2B5EF4-FFF2-40B4-BE49-F238E27FC236}">
+                  <a16:creationId xmlns:a16="http://schemas.microsoft.com/office/drawing/2014/main" id="{F357321C-6DEE-4D02-A997-75E47EE0E0E5}"/>
+                </a:ext>
+              </a:extLst>
+            </p:cNvPr>
+            <p:cNvSpPr>
+              <a:spLocks noEditPoints="1"/>
+            </p:cNvSpPr>
+            <p:nvPr>
+              <p:extLst>
+                <p:ext uri="{386F3935-93C4-4BCD-93E2-E3B085C9AB24}">
+                  <p16:designElem xmlns:p16="http://schemas.microsoft.com/office/powerpoint/2015/main" val="1"/>
+                </p:ext>
+              </p:extLst>
+            </p:nvPr>
+          </p:nvSpPr>
+          <p:spPr bwMode="auto">
+            <a:xfrm>
+              <a:off x="938213" y="2547938"/>
+              <a:ext cx="166688" cy="160338"/>
+            </a:xfrm>
+            <a:custGeom>
+              <a:avLst/>
+              <a:gdLst/>
+              <a:ahLst/>
+              <a:cxnLst/>
+              <a:rect l="0" t="0" r="r" b="b"/>
+              <a:pathLst>
+                <a:path w="35" h="34">
+                  <a:moveTo>
+                    <a:pt x="18" y="34"/>
+                  </a:moveTo>
+                  <a:cubicBezTo>
+                    <a:pt x="8" y="34"/>
+                    <a:pt x="0" y="26"/>
+                    <a:pt x="0" y="17"/>
+                  </a:cubicBezTo>
+                  <a:cubicBezTo>
+                    <a:pt x="0" y="7"/>
+                    <a:pt x="8" y="0"/>
+                    <a:pt x="18" y="0"/>
+                  </a:cubicBezTo>
+                  <a:cubicBezTo>
+                    <a:pt x="27" y="0"/>
+                    <a:pt x="35" y="7"/>
+                    <a:pt x="35" y="17"/>
+                  </a:cubicBezTo>
+                  <a:cubicBezTo>
+                    <a:pt x="35" y="26"/>
+                    <a:pt x="27" y="34"/>
+                    <a:pt x="18" y="34"/>
+                  </a:cubicBezTo>
+                  <a:close/>
+                  <a:moveTo>
+                    <a:pt x="18" y="4"/>
+                  </a:moveTo>
+                  <a:cubicBezTo>
+                    <a:pt x="10" y="4"/>
+                    <a:pt x="4" y="10"/>
+                    <a:pt x="4" y="17"/>
+                  </a:cubicBezTo>
+                  <a:cubicBezTo>
+                    <a:pt x="4" y="24"/>
+                    <a:pt x="10" y="30"/>
+                    <a:pt x="18" y="30"/>
+                  </a:cubicBezTo>
+                  <a:cubicBezTo>
+                    <a:pt x="25" y="30"/>
+                    <a:pt x="31" y="24"/>
+                    <a:pt x="31" y="17"/>
+                  </a:cubicBezTo>
+                  <a:cubicBezTo>
+                    <a:pt x="31" y="10"/>
+                    <a:pt x="25" y="4"/>
+                    <a:pt x="18" y="4"/>
+                  </a:cubicBezTo>
+                  <a:close/>
+                </a:path>
+              </a:pathLst>
+            </a:custGeom>
+            <a:grpFill/>
+            <a:ln>
+              <a:noFill/>
+            </a:ln>
+            <a:extLst>
+              <a:ext uri="{91240B29-F687-4f45-9708-019B960494DF}">
+                <a14:hiddenLine xmlns="" xmlns:p14="http://schemas.microsoft.com/office/powerpoint/2010/main" xmlns:a14="http://schemas.microsoft.com/office/drawing/2010/main" w="9525">
+                  <a:solidFill>
+                    <a:srgbClr val="000000"/>
+                  </a:solidFill>
+                  <a:round/>
+                  <a:headEnd/>
+                  <a:tailEnd/>
+                </a14:hiddenLine>
+              </a:ext>
+            </a:extLst>
+          </p:spPr>
+        </p:sp>
+        <p:sp>
+          <p:nvSpPr>
+            <p:cNvPr id="51" name="Freeform 38">
+              <a:extLst>
+                <a:ext uri="{FF2B5EF4-FFF2-40B4-BE49-F238E27FC236}">
+                  <a16:creationId xmlns:a16="http://schemas.microsoft.com/office/drawing/2014/main" id="{D0B8F87F-3530-4BCD-A8E5-C1B83707B553}"/>
+                </a:ext>
+              </a:extLst>
+            </p:cNvPr>
+            <p:cNvSpPr/>
+            <p:nvPr>
+              <p:extLst>
+                <p:ext uri="{386F3935-93C4-4BCD-93E2-E3B085C9AB24}">
+                  <p16:designElem xmlns:p16="http://schemas.microsoft.com/office/powerpoint/2015/main" val="1"/>
+                </p:ext>
+              </p:extLst>
+            </p:nvPr>
+          </p:nvSpPr>
+          <p:spPr bwMode="auto">
+            <a:xfrm>
+              <a:off x="595313" y="4763"/>
+              <a:ext cx="638175" cy="4025900"/>
+            </a:xfrm>
+            <a:custGeom>
+              <a:avLst/>
+              <a:gdLst/>
+              <a:ahLst/>
+              <a:cxnLst/>
+              <a:rect l="0" t="0" r="r" b="b"/>
+              <a:pathLst>
+                <a:path w="402" h="2536">
+                  <a:moveTo>
+                    <a:pt x="402" y="2536"/>
+                  </a:moveTo>
+                  <a:lnTo>
+                    <a:pt x="387" y="2536"/>
+                  </a:lnTo>
+                  <a:lnTo>
+                    <a:pt x="387" y="2311"/>
+                  </a:lnTo>
+                  <a:lnTo>
+                    <a:pt x="0" y="1925"/>
+                  </a:lnTo>
+                  <a:lnTo>
+                    <a:pt x="0" y="0"/>
+                  </a:lnTo>
+                  <a:lnTo>
+                    <a:pt x="15" y="0"/>
+                  </a:lnTo>
+                  <a:lnTo>
+                    <a:pt x="15" y="1916"/>
+                  </a:lnTo>
+                  <a:lnTo>
+                    <a:pt x="402" y="2302"/>
+                  </a:lnTo>
+                  <a:lnTo>
+                    <a:pt x="402" y="2536"/>
+                  </a:lnTo>
+                  <a:close/>
+                </a:path>
+              </a:pathLst>
+            </a:custGeom>
+            <a:grpFill/>
+            <a:ln>
+              <a:noFill/>
+            </a:ln>
+            <a:extLst>
+              <a:ext uri="{91240B29-F687-4f45-9708-019B960494DF}">
+                <a14:hiddenLine xmlns="" xmlns:p14="http://schemas.microsoft.com/office/powerpoint/2010/main" xmlns:a14="http://schemas.microsoft.com/office/drawing/2010/main" w="9525">
+                  <a:solidFill>
+                    <a:srgbClr val="000000"/>
+                  </a:solidFill>
+                  <a:round/>
+                  <a:headEnd/>
+                  <a:tailEnd/>
+                </a14:hiddenLine>
+              </a:ext>
+            </a:extLst>
+          </p:spPr>
+        </p:sp>
+        <p:sp>
+          <p:nvSpPr>
+            <p:cNvPr id="52" name="Freeform 39">
+              <a:extLst>
+                <a:ext uri="{FF2B5EF4-FFF2-40B4-BE49-F238E27FC236}">
+                  <a16:creationId xmlns:a16="http://schemas.microsoft.com/office/drawing/2014/main" id="{5BE86BA3-AB0E-4F70-A552-0D9EB9E98ED6}"/>
+                </a:ext>
+              </a:extLst>
+            </p:cNvPr>
+            <p:cNvSpPr/>
+            <p:nvPr>
+              <p:extLst>
+                <p:ext uri="{386F3935-93C4-4BCD-93E2-E3B085C9AB24}">
+                  <p16:designElem xmlns:p16="http://schemas.microsoft.com/office/powerpoint/2015/main" val="1"/>
+                </p:ext>
+              </p:extLst>
+            </p:nvPr>
+          </p:nvSpPr>
+          <p:spPr bwMode="auto">
+            <a:xfrm>
+              <a:off x="1223963" y="1382713"/>
+              <a:ext cx="142875" cy="476250"/>
+            </a:xfrm>
+            <a:custGeom>
+              <a:avLst/>
+              <a:gdLst/>
+              <a:ahLst/>
+              <a:cxnLst/>
+              <a:rect l="0" t="0" r="r" b="b"/>
+              <a:pathLst>
+                <a:path w="90" h="300">
+                  <a:moveTo>
+                    <a:pt x="90" y="300"/>
+                  </a:moveTo>
+                  <a:lnTo>
+                    <a:pt x="78" y="300"/>
+                  </a:lnTo>
+                  <a:lnTo>
+                    <a:pt x="78" y="84"/>
+                  </a:lnTo>
+                  <a:lnTo>
+                    <a:pt x="0" y="9"/>
+                  </a:lnTo>
+                  <a:lnTo>
+                    <a:pt x="9" y="0"/>
+                  </a:lnTo>
+                  <a:lnTo>
+                    <a:pt x="90" y="81"/>
+                  </a:lnTo>
+                  <a:lnTo>
+                    <a:pt x="90" y="300"/>
+                  </a:lnTo>
+                  <a:close/>
+                </a:path>
+              </a:pathLst>
+            </a:custGeom>
+            <a:grpFill/>
+            <a:ln>
+              <a:noFill/>
+            </a:ln>
+            <a:extLst>
+              <a:ext uri="{91240B29-F687-4f45-9708-019B960494DF}">
+                <a14:hiddenLine xmlns="" xmlns:p14="http://schemas.microsoft.com/office/powerpoint/2010/main" xmlns:a14="http://schemas.microsoft.com/office/drawing/2010/main" w="9525">
+                  <a:solidFill>
+                    <a:srgbClr val="000000"/>
+                  </a:solidFill>
+                  <a:round/>
+                  <a:headEnd/>
+                  <a:tailEnd/>
+                </a14:hiddenLine>
+              </a:ext>
+            </a:extLst>
+          </p:spPr>
+        </p:sp>
+        <p:sp>
+          <p:nvSpPr>
+            <p:cNvPr id="53" name="Freeform 40">
+              <a:extLst>
+                <a:ext uri="{FF2B5EF4-FFF2-40B4-BE49-F238E27FC236}">
+                  <a16:creationId xmlns:a16="http://schemas.microsoft.com/office/drawing/2014/main" id="{DF5FE773-B9AE-4A3F-8EDC-165CE579BDC1}"/>
+                </a:ext>
+              </a:extLst>
+            </p:cNvPr>
+            <p:cNvSpPr>
+              <a:spLocks noEditPoints="1"/>
+            </p:cNvSpPr>
+            <p:nvPr>
+              <p:extLst>
+                <p:ext uri="{386F3935-93C4-4BCD-93E2-E3B085C9AB24}">
+                  <p16:designElem xmlns:p16="http://schemas.microsoft.com/office/powerpoint/2015/main" val="1"/>
+                </p:ext>
+              </p:extLst>
+            </p:nvPr>
+          </p:nvSpPr>
+          <p:spPr bwMode="auto">
+            <a:xfrm>
+              <a:off x="1300163" y="1849438"/>
+              <a:ext cx="109538" cy="107950"/>
+            </a:xfrm>
+            <a:custGeom>
+              <a:avLst/>
+              <a:gdLst/>
+              <a:ahLst/>
+              <a:cxnLst/>
+              <a:rect l="0" t="0" r="r" b="b"/>
+              <a:pathLst>
+                <a:path w="23" h="23">
+                  <a:moveTo>
+                    <a:pt x="12" y="23"/>
+                  </a:moveTo>
+                  <a:cubicBezTo>
+                    <a:pt x="5" y="23"/>
+                    <a:pt x="0" y="18"/>
+                    <a:pt x="0" y="12"/>
+                  </a:cubicBezTo>
+                  <a:cubicBezTo>
+                    <a:pt x="0" y="5"/>
+                    <a:pt x="5" y="0"/>
+                    <a:pt x="12" y="0"/>
+                  </a:cubicBezTo>
+                  <a:cubicBezTo>
+                    <a:pt x="18" y="0"/>
+                    <a:pt x="23" y="5"/>
+                    <a:pt x="23" y="12"/>
+                  </a:cubicBezTo>
+                  <a:cubicBezTo>
+                    <a:pt x="23" y="18"/>
+                    <a:pt x="18" y="23"/>
+                    <a:pt x="12" y="23"/>
+                  </a:cubicBezTo>
+                  <a:close/>
+                  <a:moveTo>
+                    <a:pt x="12" y="4"/>
+                  </a:moveTo>
+                  <a:cubicBezTo>
+                    <a:pt x="8" y="4"/>
+                    <a:pt x="4" y="8"/>
+                    <a:pt x="4" y="12"/>
+                  </a:cubicBezTo>
+                  <a:cubicBezTo>
+                    <a:pt x="4" y="16"/>
+                    <a:pt x="8" y="19"/>
+                    <a:pt x="12" y="19"/>
+                  </a:cubicBezTo>
+                  <a:cubicBezTo>
+                    <a:pt x="16" y="19"/>
+                    <a:pt x="19" y="16"/>
+                    <a:pt x="19" y="12"/>
+                  </a:cubicBezTo>
+                  <a:cubicBezTo>
+                    <a:pt x="19" y="8"/>
+                    <a:pt x="16" y="4"/>
+                    <a:pt x="12" y="4"/>
+                  </a:cubicBezTo>
+                  <a:close/>
+                </a:path>
+              </a:pathLst>
+            </a:custGeom>
+            <a:grpFill/>
+            <a:ln>
+              <a:noFill/>
+            </a:ln>
+            <a:extLst>
+              <a:ext uri="{91240B29-F687-4f45-9708-019B960494DF}">
+                <a14:hiddenLine xmlns="" xmlns:p14="http://schemas.microsoft.com/office/powerpoint/2010/main" xmlns:a14="http://schemas.microsoft.com/office/drawing/2010/main" w="9525">
+                  <a:solidFill>
+                    <a:srgbClr val="000000"/>
+                  </a:solidFill>
+                  <a:round/>
+                  <a:headEnd/>
+                  <a:tailEnd/>
+                </a14:hiddenLine>
+              </a:ext>
+            </a:extLst>
+          </p:spPr>
+        </p:sp>
+        <p:sp>
+          <p:nvSpPr>
+            <p:cNvPr id="54" name="Freeform 41">
+              <a:extLst>
+                <a:ext uri="{FF2B5EF4-FFF2-40B4-BE49-F238E27FC236}">
+                  <a16:creationId xmlns:a16="http://schemas.microsoft.com/office/drawing/2014/main" id="{4A03D7BE-B358-4F8B-85EA-65E0CBF2D1EF}"/>
+                </a:ext>
+              </a:extLst>
+            </p:cNvPr>
+            <p:cNvSpPr/>
+            <p:nvPr>
+              <p:extLst>
+                <p:ext uri="{386F3935-93C4-4BCD-93E2-E3B085C9AB24}">
+                  <p16:designElem xmlns:p16="http://schemas.microsoft.com/office/powerpoint/2015/main" val="1"/>
+                </p:ext>
+              </p:extLst>
+            </p:nvPr>
+          </p:nvSpPr>
+          <p:spPr bwMode="auto">
+            <a:xfrm>
+              <a:off x="280988" y="3417888"/>
+              <a:ext cx="142875" cy="474663"/>
+            </a:xfrm>
+            <a:custGeom>
+              <a:avLst/>
+              <a:gdLst/>
+              <a:ahLst/>
+              <a:cxnLst/>
+              <a:rect l="0" t="0" r="r" b="b"/>
+              <a:pathLst>
+                <a:path w="90" h="299">
+                  <a:moveTo>
+                    <a:pt x="12" y="299"/>
+                  </a:moveTo>
+                  <a:lnTo>
+                    <a:pt x="0" y="299"/>
+                  </a:lnTo>
+                  <a:lnTo>
+                    <a:pt x="0" y="80"/>
+                  </a:lnTo>
+                  <a:lnTo>
+                    <a:pt x="81" y="0"/>
+                  </a:lnTo>
+                  <a:lnTo>
+                    <a:pt x="90" y="8"/>
+                  </a:lnTo>
+                  <a:lnTo>
+                    <a:pt x="12" y="83"/>
+                  </a:lnTo>
+                  <a:lnTo>
+                    <a:pt x="12" y="299"/>
+                  </a:lnTo>
+                  <a:close/>
+                </a:path>
+              </a:pathLst>
+            </a:custGeom>
+            <a:grpFill/>
+            <a:ln>
+              <a:noFill/>
+            </a:ln>
+            <a:extLst>
+              <a:ext uri="{91240B29-F687-4f45-9708-019B960494DF}">
+                <a14:hiddenLine xmlns="" xmlns:p14="http://schemas.microsoft.com/office/powerpoint/2010/main" xmlns:a14="http://schemas.microsoft.com/office/drawing/2010/main" w="9525">
+                  <a:solidFill>
+                    <a:srgbClr val="000000"/>
+                  </a:solidFill>
+                  <a:round/>
+                  <a:headEnd/>
+                  <a:tailEnd/>
+                </a14:hiddenLine>
+              </a:ext>
+            </a:extLst>
+          </p:spPr>
+        </p:sp>
+        <p:sp>
+          <p:nvSpPr>
+            <p:cNvPr id="55" name="Freeform 42">
+              <a:extLst>
+                <a:ext uri="{FF2B5EF4-FFF2-40B4-BE49-F238E27FC236}">
+                  <a16:creationId xmlns:a16="http://schemas.microsoft.com/office/drawing/2014/main" id="{A6548877-0957-435B-A419-389A278E57EE}"/>
+                </a:ext>
+              </a:extLst>
+            </p:cNvPr>
+            <p:cNvSpPr>
+              <a:spLocks noEditPoints="1"/>
+            </p:cNvSpPr>
+            <p:nvPr>
+              <p:extLst>
+                <p:ext uri="{386F3935-93C4-4BCD-93E2-E3B085C9AB24}">
+                  <p16:designElem xmlns:p16="http://schemas.microsoft.com/office/powerpoint/2015/main" val="1"/>
+                </p:ext>
+              </p:extLst>
+            </p:nvPr>
+          </p:nvSpPr>
+          <p:spPr bwMode="auto">
+            <a:xfrm>
+              <a:off x="238125" y="3883025"/>
+              <a:ext cx="109538" cy="109538"/>
+            </a:xfrm>
+            <a:custGeom>
+              <a:avLst/>
+              <a:gdLst/>
+              <a:ahLst/>
+              <a:cxnLst/>
+              <a:rect l="0" t="0" r="r" b="b"/>
+              <a:pathLst>
+                <a:path w="23" h="23">
+                  <a:moveTo>
+                    <a:pt x="11" y="23"/>
+                  </a:moveTo>
+                  <a:cubicBezTo>
+                    <a:pt x="5" y="23"/>
+                    <a:pt x="0" y="18"/>
+                    <a:pt x="0" y="12"/>
+                  </a:cubicBezTo>
+                  <a:cubicBezTo>
+                    <a:pt x="0" y="5"/>
+                    <a:pt x="5" y="0"/>
+                    <a:pt x="11" y="0"/>
+                  </a:cubicBezTo>
+                  <a:cubicBezTo>
+                    <a:pt x="17" y="0"/>
+                    <a:pt x="23" y="5"/>
+                    <a:pt x="23" y="12"/>
+                  </a:cubicBezTo>
+                  <a:cubicBezTo>
+                    <a:pt x="23" y="18"/>
+                    <a:pt x="17" y="23"/>
+                    <a:pt x="11" y="23"/>
+                  </a:cubicBezTo>
+                  <a:close/>
+                  <a:moveTo>
+                    <a:pt x="11" y="4"/>
+                  </a:moveTo>
+                  <a:cubicBezTo>
+                    <a:pt x="7" y="4"/>
+                    <a:pt x="4" y="8"/>
+                    <a:pt x="4" y="12"/>
+                  </a:cubicBezTo>
+                  <a:cubicBezTo>
+                    <a:pt x="4" y="16"/>
+                    <a:pt x="7" y="19"/>
+                    <a:pt x="11" y="19"/>
+                  </a:cubicBezTo>
+                  <a:cubicBezTo>
+                    <a:pt x="15" y="19"/>
+                    <a:pt x="19" y="16"/>
+                    <a:pt x="19" y="12"/>
+                  </a:cubicBezTo>
+                  <a:cubicBezTo>
+                    <a:pt x="19" y="8"/>
+                    <a:pt x="15" y="4"/>
+                    <a:pt x="11" y="4"/>
+                  </a:cubicBezTo>
+                  <a:close/>
+                </a:path>
+              </a:pathLst>
+            </a:custGeom>
+            <a:grpFill/>
+            <a:ln>
+              <a:noFill/>
+            </a:ln>
+            <a:extLst>
+              <a:ext uri="{91240B29-F687-4f45-9708-019B960494DF}">
+                <a14:hiddenLine xmlns="" xmlns:p14="http://schemas.microsoft.com/office/powerpoint/2010/main" xmlns:a14="http://schemas.microsoft.com/office/drawing/2010/main" w="9525">
+                  <a:solidFill>
+                    <a:srgbClr val="000000"/>
+                  </a:solidFill>
+                  <a:round/>
+                  <a:headEnd/>
+                  <a:tailEnd/>
+                </a14:hiddenLine>
+              </a:ext>
+            </a:extLst>
+          </p:spPr>
+        </p:sp>
+        <p:sp>
+          <p:nvSpPr>
+            <p:cNvPr id="56" name="Freeform 43">
+              <a:extLst>
+                <a:ext uri="{FF2B5EF4-FFF2-40B4-BE49-F238E27FC236}">
+                  <a16:creationId xmlns:a16="http://schemas.microsoft.com/office/drawing/2014/main" id="{B2D5EA95-9E60-468A-8DA1-40F05C9BDA41}"/>
+                </a:ext>
+              </a:extLst>
+            </p:cNvPr>
+            <p:cNvSpPr/>
+            <p:nvPr>
+              <p:extLst>
+                <p:ext uri="{386F3935-93C4-4BCD-93E2-E3B085C9AB24}">
+                  <p16:designElem xmlns:p16="http://schemas.microsoft.com/office/powerpoint/2015/main" val="1"/>
+                </p:ext>
+              </p:extLst>
+            </p:nvPr>
+          </p:nvSpPr>
+          <p:spPr bwMode="auto">
+            <a:xfrm>
+              <a:off x="4763" y="2166938"/>
+              <a:ext cx="114300" cy="452438"/>
+            </a:xfrm>
+            <a:custGeom>
+              <a:avLst/>
+              <a:gdLst/>
+              <a:ahLst/>
+              <a:cxnLst/>
+              <a:rect l="0" t="0" r="r" b="b"/>
+              <a:pathLst>
+                <a:path w="72" h="285">
+                  <a:moveTo>
+                    <a:pt x="6" y="285"/>
+                  </a:moveTo>
+                  <a:lnTo>
+                    <a:pt x="0" y="276"/>
+                  </a:lnTo>
+                  <a:lnTo>
+                    <a:pt x="60" y="216"/>
+                  </a:lnTo>
+                  <a:lnTo>
+                    <a:pt x="60" y="0"/>
+                  </a:lnTo>
+                  <a:lnTo>
+                    <a:pt x="72" y="0"/>
+                  </a:lnTo>
+                  <a:lnTo>
+                    <a:pt x="72" y="222"/>
+                  </a:lnTo>
+                  <a:lnTo>
+                    <a:pt x="6" y="285"/>
+                  </a:lnTo>
+                  <a:close/>
+                </a:path>
+              </a:pathLst>
+            </a:custGeom>
+            <a:grpFill/>
+            <a:ln>
+              <a:noFill/>
+            </a:ln>
+            <a:extLst>
+              <a:ext uri="{91240B29-F687-4f45-9708-019B960494DF}">
+                <a14:hiddenLine xmlns="" xmlns:p14="http://schemas.microsoft.com/office/powerpoint/2010/main" xmlns:a14="http://schemas.microsoft.com/office/drawing/2010/main" w="9525">
+                  <a:solidFill>
+                    <a:srgbClr val="000000"/>
+                  </a:solidFill>
+                  <a:round/>
+                  <a:headEnd/>
+                  <a:tailEnd/>
+                </a14:hiddenLine>
+              </a:ext>
+            </a:extLst>
+          </p:spPr>
+        </p:sp>
+        <p:sp>
+          <p:nvSpPr>
+            <p:cNvPr id="57" name="Freeform 44">
+              <a:extLst>
+                <a:ext uri="{FF2B5EF4-FFF2-40B4-BE49-F238E27FC236}">
+                  <a16:creationId xmlns:a16="http://schemas.microsoft.com/office/drawing/2014/main" id="{C9B409CE-11E5-40D1-8C9B-86614EAE2A30}"/>
+                </a:ext>
+              </a:extLst>
+            </p:cNvPr>
+            <p:cNvSpPr>
+              <a:spLocks noEditPoints="1"/>
+            </p:cNvSpPr>
+            <p:nvPr>
+              <p:extLst>
+                <p:ext uri="{386F3935-93C4-4BCD-93E2-E3B085C9AB24}">
+                  <p16:designElem xmlns:p16="http://schemas.microsoft.com/office/powerpoint/2015/main" val="1"/>
+                </p:ext>
+              </p:extLst>
+            </p:nvPr>
+          </p:nvSpPr>
+          <p:spPr bwMode="auto">
+            <a:xfrm>
+              <a:off x="52388" y="2066925"/>
+              <a:ext cx="109538" cy="109538"/>
+            </a:xfrm>
+            <a:custGeom>
+              <a:avLst/>
+              <a:gdLst/>
+              <a:ahLst/>
+              <a:cxnLst/>
+              <a:rect l="0" t="0" r="r" b="b"/>
+              <a:pathLst>
+                <a:path w="23" h="23">
+                  <a:moveTo>
+                    <a:pt x="12" y="23"/>
+                  </a:moveTo>
+                  <a:cubicBezTo>
+                    <a:pt x="5" y="23"/>
+                    <a:pt x="0" y="18"/>
+                    <a:pt x="0" y="12"/>
+                  </a:cubicBezTo>
+                  <a:cubicBezTo>
+                    <a:pt x="0" y="5"/>
+                    <a:pt x="5" y="0"/>
+                    <a:pt x="12" y="0"/>
+                  </a:cubicBezTo>
+                  <a:cubicBezTo>
+                    <a:pt x="18" y="0"/>
+                    <a:pt x="23" y="5"/>
+                    <a:pt x="23" y="12"/>
+                  </a:cubicBezTo>
+                  <a:cubicBezTo>
+                    <a:pt x="23" y="18"/>
+                    <a:pt x="18" y="23"/>
+                    <a:pt x="12" y="23"/>
+                  </a:cubicBezTo>
+                  <a:close/>
+                  <a:moveTo>
+                    <a:pt x="12" y="4"/>
+                  </a:moveTo>
+                  <a:cubicBezTo>
+                    <a:pt x="8" y="4"/>
+                    <a:pt x="4" y="8"/>
+                    <a:pt x="4" y="12"/>
+                  </a:cubicBezTo>
+                  <a:cubicBezTo>
+                    <a:pt x="4" y="16"/>
+                    <a:pt x="8" y="19"/>
+                    <a:pt x="12" y="19"/>
+                  </a:cubicBezTo>
+                  <a:cubicBezTo>
+                    <a:pt x="16" y="19"/>
+                    <a:pt x="19" y="16"/>
+                    <a:pt x="19" y="12"/>
+                  </a:cubicBezTo>
+                  <a:cubicBezTo>
+                    <a:pt x="19" y="8"/>
+                    <a:pt x="16" y="4"/>
+                    <a:pt x="12" y="4"/>
+                  </a:cubicBezTo>
+                  <a:close/>
+                </a:path>
+              </a:pathLst>
+            </a:custGeom>
+            <a:grpFill/>
+            <a:ln>
+              <a:noFill/>
+            </a:ln>
+            <a:extLst>
+              <a:ext uri="{91240B29-F687-4f45-9708-019B960494DF}">
+                <a14:hiddenLine xmlns="" xmlns:p14="http://schemas.microsoft.com/office/powerpoint/2010/main" xmlns:a14="http://schemas.microsoft.com/office/drawing/2010/main" w="9525">
+                  <a:solidFill>
+                    <a:srgbClr val="000000"/>
+                  </a:solidFill>
+                  <a:round/>
+                  <a:headEnd/>
+                  <a:tailEnd/>
+                </a14:hiddenLine>
+              </a:ext>
+            </a:extLst>
+          </p:spPr>
+        </p:sp>
+        <p:sp>
+          <p:nvSpPr>
+            <p:cNvPr id="58" name="Rectangle 57">
+              <a:extLst>
+                <a:ext uri="{FF2B5EF4-FFF2-40B4-BE49-F238E27FC236}">
+                  <a16:creationId xmlns:a16="http://schemas.microsoft.com/office/drawing/2014/main" id="{9E594AF5-DB50-4227-AC2F-10EE5233C41F}"/>
+                </a:ext>
+              </a:extLst>
+            </p:cNvPr>
+            <p:cNvSpPr>
+              <a:spLocks noChangeArrowheads="1"/>
+            </p:cNvSpPr>
+            <p:nvPr>
+              <p:extLst>
+                <p:ext uri="{386F3935-93C4-4BCD-93E2-E3B085C9AB24}">
+                  <p16:designElem xmlns:p16="http://schemas.microsoft.com/office/powerpoint/2015/main" val="1"/>
+                </p:ext>
+              </p:extLst>
+            </p:nvPr>
+          </p:nvSpPr>
+          <p:spPr bwMode="auto">
+            <a:xfrm>
+              <a:off x="1228725" y="4662488"/>
+              <a:ext cx="23813" cy="2181225"/>
+            </a:xfrm>
+            <a:prstGeom prst="rect">
+              <a:avLst/>
+            </a:prstGeom>
+            <a:grpFill/>
+            <a:ln>
+              <a:noFill/>
+            </a:ln>
+            <a:extLst>
+              <a:ext uri="{91240B29-F687-4f45-9708-019B960494DF}">
+                <a14:hiddenLine xmlns="" xmlns:p14="http://schemas.microsoft.com/office/powerpoint/2010/main" xmlns:a14="http://schemas.microsoft.com/office/drawing/2010/main" w="9525">
+                  <a:solidFill>
+                    <a:srgbClr val="000000"/>
+                  </a:solidFill>
+                  <a:miter lim="800000"/>
+                  <a:headEnd/>
+                  <a:tailEnd/>
+                </a14:hiddenLine>
+              </a:ext>
+            </a:extLst>
+          </p:spPr>
+        </p:sp>
+        <p:sp>
+          <p:nvSpPr>
+            <p:cNvPr id="59" name="Freeform 46">
+              <a:extLst>
+                <a:ext uri="{FF2B5EF4-FFF2-40B4-BE49-F238E27FC236}">
+                  <a16:creationId xmlns:a16="http://schemas.microsoft.com/office/drawing/2014/main" id="{9335DCAF-74A2-4994-B5BF-1C079A40A54E}"/>
+                </a:ext>
+              </a:extLst>
+            </p:cNvPr>
+            <p:cNvSpPr/>
+            <p:nvPr>
+              <p:extLst>
+                <p:ext uri="{386F3935-93C4-4BCD-93E2-E3B085C9AB24}">
+                  <p16:designElem xmlns:p16="http://schemas.microsoft.com/office/powerpoint/2015/main" val="1"/>
+                </p:ext>
+              </p:extLst>
+            </p:nvPr>
+          </p:nvSpPr>
+          <p:spPr bwMode="auto">
+            <a:xfrm>
+              <a:off x="1319213" y="5041900"/>
+              <a:ext cx="371475" cy="1801813"/>
+            </a:xfrm>
+            <a:custGeom>
+              <a:avLst/>
+              <a:gdLst/>
+              <a:ahLst/>
+              <a:cxnLst/>
+              <a:rect l="0" t="0" r="r" b="b"/>
+              <a:pathLst>
+                <a:path w="234" h="1135">
+                  <a:moveTo>
+                    <a:pt x="15" y="1135"/>
+                  </a:moveTo>
+                  <a:lnTo>
+                    <a:pt x="0" y="1135"/>
+                  </a:lnTo>
+                  <a:lnTo>
+                    <a:pt x="0" y="515"/>
+                  </a:lnTo>
+                  <a:lnTo>
+                    <a:pt x="0" y="512"/>
+                  </a:lnTo>
+                  <a:lnTo>
+                    <a:pt x="219" y="0"/>
+                  </a:lnTo>
+                  <a:lnTo>
+                    <a:pt x="234" y="6"/>
+                  </a:lnTo>
+                  <a:lnTo>
+                    <a:pt x="15" y="518"/>
+                  </a:lnTo>
+                  <a:lnTo>
+                    <a:pt x="15" y="1135"/>
+                  </a:lnTo>
+                  <a:close/>
+                </a:path>
+              </a:pathLst>
+            </a:custGeom>
+            <a:grpFill/>
+            <a:ln>
+              <a:noFill/>
+            </a:ln>
+            <a:extLst>
+              <a:ext uri="{91240B29-F687-4f45-9708-019B960494DF}">
+                <a14:hiddenLine xmlns="" xmlns:p14="http://schemas.microsoft.com/office/powerpoint/2010/main" xmlns:a14="http://schemas.microsoft.com/office/drawing/2010/main" w="9525">
+                  <a:solidFill>
+                    <a:srgbClr val="000000"/>
+                  </a:solidFill>
+                  <a:round/>
+                  <a:headEnd/>
+                  <a:tailEnd/>
+                </a14:hiddenLine>
+              </a:ext>
+            </a:extLst>
+          </p:spPr>
+        </p:sp>
+        <p:sp>
+          <p:nvSpPr>
+            <p:cNvPr id="60" name="Freeform 47">
+              <a:extLst>
+                <a:ext uri="{FF2B5EF4-FFF2-40B4-BE49-F238E27FC236}">
+                  <a16:creationId xmlns:a16="http://schemas.microsoft.com/office/drawing/2014/main" id="{1DC8E1A2-0C6B-4BA9-85F4-3645AED5DEAB}"/>
+                </a:ext>
+              </a:extLst>
+            </p:cNvPr>
+            <p:cNvSpPr>
+              <a:spLocks noEditPoints="1"/>
+            </p:cNvSpPr>
+            <p:nvPr>
+              <p:extLst>
+                <p:ext uri="{386F3935-93C4-4BCD-93E2-E3B085C9AB24}">
+                  <p16:designElem xmlns:p16="http://schemas.microsoft.com/office/powerpoint/2015/main" val="1"/>
+                </p:ext>
+              </p:extLst>
+            </p:nvPr>
+          </p:nvSpPr>
+          <p:spPr bwMode="auto">
+            <a:xfrm>
+              <a:off x="1147763" y="4481513"/>
+              <a:ext cx="190500" cy="190500"/>
+            </a:xfrm>
+            <a:custGeom>
+              <a:avLst/>
+              <a:gdLst/>
+              <a:ahLst/>
+              <a:cxnLst/>
+              <a:rect l="0" t="0" r="r" b="b"/>
+              <a:pathLst>
+                <a:path w="40" h="40">
+                  <a:moveTo>
+                    <a:pt x="20" y="40"/>
+                  </a:moveTo>
+                  <a:cubicBezTo>
+                    <a:pt x="9" y="40"/>
+                    <a:pt x="0" y="31"/>
+                    <a:pt x="0" y="20"/>
+                  </a:cubicBezTo>
+                  <a:cubicBezTo>
+                    <a:pt x="0" y="9"/>
+                    <a:pt x="9" y="0"/>
+                    <a:pt x="20" y="0"/>
+                  </a:cubicBezTo>
+                  <a:cubicBezTo>
+                    <a:pt x="31" y="0"/>
+                    <a:pt x="40" y="9"/>
+                    <a:pt x="40" y="20"/>
+                  </a:cubicBezTo>
+                  <a:cubicBezTo>
+                    <a:pt x="40" y="31"/>
+                    <a:pt x="31" y="40"/>
+                    <a:pt x="20" y="40"/>
+                  </a:cubicBezTo>
+                  <a:close/>
+                  <a:moveTo>
+                    <a:pt x="20" y="4"/>
+                  </a:moveTo>
+                  <a:cubicBezTo>
+                    <a:pt x="11" y="4"/>
+                    <a:pt x="4" y="11"/>
+                    <a:pt x="4" y="20"/>
+                  </a:cubicBezTo>
+                  <a:cubicBezTo>
+                    <a:pt x="4" y="29"/>
+                    <a:pt x="11" y="36"/>
+                    <a:pt x="20" y="36"/>
+                  </a:cubicBezTo>
+                  <a:cubicBezTo>
+                    <a:pt x="28" y="36"/>
+                    <a:pt x="36" y="29"/>
+                    <a:pt x="36" y="20"/>
+                  </a:cubicBezTo>
+                  <a:cubicBezTo>
+                    <a:pt x="36" y="11"/>
+                    <a:pt x="28" y="4"/>
+                    <a:pt x="20" y="4"/>
+                  </a:cubicBezTo>
+                  <a:close/>
+                </a:path>
+              </a:pathLst>
+            </a:custGeom>
+            <a:grpFill/>
+            <a:ln>
+              <a:noFill/>
+            </a:ln>
+            <a:extLst>
+              <a:ext uri="{91240B29-F687-4f45-9708-019B960494DF}">
+                <a14:hiddenLine xmlns="" xmlns:p14="http://schemas.microsoft.com/office/powerpoint/2010/main" xmlns:a14="http://schemas.microsoft.com/office/drawing/2010/main" w="9525">
+                  <a:solidFill>
+                    <a:srgbClr val="000000"/>
+                  </a:solidFill>
+                  <a:round/>
+                  <a:headEnd/>
+                  <a:tailEnd/>
+                </a14:hiddenLine>
+              </a:ext>
+            </a:extLst>
+          </p:spPr>
+        </p:sp>
+        <p:sp>
+          <p:nvSpPr>
+            <p:cNvPr id="61" name="Freeform 48">
+              <a:extLst>
+                <a:ext uri="{FF2B5EF4-FFF2-40B4-BE49-F238E27FC236}">
+                  <a16:creationId xmlns:a16="http://schemas.microsoft.com/office/drawing/2014/main" id="{28F38DE0-3BEE-441A-8212-E77DA2328A37}"/>
+                </a:ext>
+              </a:extLst>
+            </p:cNvPr>
+            <p:cNvSpPr/>
+            <p:nvPr>
+              <p:extLst>
+                <p:ext uri="{386F3935-93C4-4BCD-93E2-E3B085C9AB24}">
+                  <p16:designElem xmlns:p16="http://schemas.microsoft.com/office/powerpoint/2015/main" val="1"/>
+                </p:ext>
+              </p:extLst>
+            </p:nvPr>
+          </p:nvSpPr>
+          <p:spPr bwMode="auto">
+            <a:xfrm>
+              <a:off x="819150" y="3983038"/>
+              <a:ext cx="347663" cy="2860675"/>
+            </a:xfrm>
+            <a:custGeom>
+              <a:avLst/>
+              <a:gdLst/>
+              <a:ahLst/>
+              <a:cxnLst/>
+              <a:rect l="0" t="0" r="r" b="b"/>
+              <a:pathLst>
+                <a:path w="219" h="1802">
+                  <a:moveTo>
+                    <a:pt x="219" y="1802"/>
+                  </a:moveTo>
+                  <a:lnTo>
+                    <a:pt x="201" y="1802"/>
+                  </a:lnTo>
+                  <a:lnTo>
+                    <a:pt x="201" y="1185"/>
+                  </a:lnTo>
+                  <a:lnTo>
+                    <a:pt x="0" y="3"/>
+                  </a:lnTo>
+                  <a:lnTo>
+                    <a:pt x="15" y="0"/>
+                  </a:lnTo>
+                  <a:lnTo>
+                    <a:pt x="219" y="1185"/>
+                  </a:lnTo>
+                  <a:lnTo>
+                    <a:pt x="219" y="1802"/>
+                  </a:lnTo>
+                  <a:close/>
+                </a:path>
+              </a:pathLst>
+            </a:custGeom>
+            <a:grpFill/>
+            <a:ln>
+              <a:noFill/>
+            </a:ln>
+            <a:extLst>
+              <a:ext uri="{91240B29-F687-4f45-9708-019B960494DF}">
+                <a14:hiddenLine xmlns="" xmlns:p14="http://schemas.microsoft.com/office/powerpoint/2010/main" xmlns:a14="http://schemas.microsoft.com/office/drawing/2010/main" w="9525">
+                  <a:solidFill>
+                    <a:srgbClr val="000000"/>
+                  </a:solidFill>
+                  <a:round/>
+                  <a:headEnd/>
+                  <a:tailEnd/>
+                </a14:hiddenLine>
+              </a:ext>
+            </a:extLst>
+          </p:spPr>
+        </p:sp>
+        <p:sp>
+          <p:nvSpPr>
+            <p:cNvPr id="62" name="Freeform 49">
+              <a:extLst>
+                <a:ext uri="{FF2B5EF4-FFF2-40B4-BE49-F238E27FC236}">
+                  <a16:creationId xmlns:a16="http://schemas.microsoft.com/office/drawing/2014/main" id="{AE81208E-D239-496C-A312-506B0241B315}"/>
+                </a:ext>
+              </a:extLst>
+            </p:cNvPr>
+            <p:cNvSpPr>
+              <a:spLocks noEditPoints="1"/>
+            </p:cNvSpPr>
+            <p:nvPr>
+              <p:extLst>
+                <p:ext uri="{386F3935-93C4-4BCD-93E2-E3B085C9AB24}">
+                  <p16:designElem xmlns:p16="http://schemas.microsoft.com/office/powerpoint/2015/main" val="1"/>
+                </p:ext>
+              </p:extLst>
+            </p:nvPr>
+          </p:nvSpPr>
+          <p:spPr bwMode="auto">
+            <a:xfrm>
+              <a:off x="728663" y="3806825"/>
+              <a:ext cx="190500" cy="190500"/>
+            </a:xfrm>
+            <a:custGeom>
+              <a:avLst/>
+              <a:gdLst/>
+              <a:ahLst/>
+              <a:cxnLst/>
+              <a:rect l="0" t="0" r="r" b="b"/>
+              <a:pathLst>
+                <a:path w="40" h="40">
+                  <a:moveTo>
+                    <a:pt x="20" y="40"/>
+                  </a:moveTo>
+                  <a:cubicBezTo>
+                    <a:pt x="9" y="40"/>
+                    <a:pt x="0" y="31"/>
+                    <a:pt x="0" y="20"/>
+                  </a:cubicBezTo>
+                  <a:cubicBezTo>
+                    <a:pt x="0" y="9"/>
+                    <a:pt x="9" y="0"/>
+                    <a:pt x="20" y="0"/>
+                  </a:cubicBezTo>
+                  <a:cubicBezTo>
+                    <a:pt x="31" y="0"/>
+                    <a:pt x="40" y="9"/>
+                    <a:pt x="40" y="20"/>
+                  </a:cubicBezTo>
+                  <a:cubicBezTo>
+                    <a:pt x="40" y="31"/>
+                    <a:pt x="31" y="40"/>
+                    <a:pt x="20" y="40"/>
+                  </a:cubicBezTo>
+                  <a:close/>
+                  <a:moveTo>
+                    <a:pt x="20" y="4"/>
+                  </a:moveTo>
+                  <a:cubicBezTo>
+                    <a:pt x="11" y="4"/>
+                    <a:pt x="4" y="11"/>
+                    <a:pt x="4" y="20"/>
+                  </a:cubicBezTo>
+                  <a:cubicBezTo>
+                    <a:pt x="4" y="28"/>
+                    <a:pt x="11" y="36"/>
+                    <a:pt x="20" y="36"/>
+                  </a:cubicBezTo>
+                  <a:cubicBezTo>
+                    <a:pt x="29" y="36"/>
+                    <a:pt x="36" y="28"/>
+                    <a:pt x="36" y="20"/>
+                  </a:cubicBezTo>
+                  <a:cubicBezTo>
+                    <a:pt x="36" y="11"/>
+                    <a:pt x="29" y="4"/>
+                    <a:pt x="20" y="4"/>
+                  </a:cubicBezTo>
+                  <a:close/>
+                </a:path>
+              </a:pathLst>
+            </a:custGeom>
+            <a:grpFill/>
+            <a:ln>
+              <a:noFill/>
+            </a:ln>
+            <a:extLst>
+              <a:ext uri="{91240B29-F687-4f45-9708-019B960494DF}">
+                <a14:hiddenLine xmlns="" xmlns:p14="http://schemas.microsoft.com/office/powerpoint/2010/main" xmlns:a14="http://schemas.microsoft.com/office/drawing/2010/main" w="9525">
+                  <a:solidFill>
+                    <a:srgbClr val="000000"/>
+                  </a:solidFill>
+                  <a:round/>
+                  <a:headEnd/>
+                  <a:tailEnd/>
+                </a14:hiddenLine>
+              </a:ext>
+            </a:extLst>
+          </p:spPr>
+        </p:sp>
+        <p:sp>
+          <p:nvSpPr>
+            <p:cNvPr id="63" name="Freeform 50">
+              <a:extLst>
+                <a:ext uri="{FF2B5EF4-FFF2-40B4-BE49-F238E27FC236}">
+                  <a16:creationId xmlns:a16="http://schemas.microsoft.com/office/drawing/2014/main" id="{242FE966-DDA4-4668-B8D6-C4B0D4C78E56}"/>
+                </a:ext>
+              </a:extLst>
+            </p:cNvPr>
+            <p:cNvSpPr>
+              <a:spLocks noEditPoints="1"/>
+            </p:cNvSpPr>
+            <p:nvPr>
+              <p:extLst>
+                <p:ext uri="{386F3935-93C4-4BCD-93E2-E3B085C9AB24}">
+                  <p16:designElem xmlns:p16="http://schemas.microsoft.com/office/powerpoint/2015/main" val="1"/>
+                </p:ext>
+              </p:extLst>
+            </p:nvPr>
+          </p:nvSpPr>
+          <p:spPr bwMode="auto">
+            <a:xfrm>
+              <a:off x="1624013" y="4867275"/>
+              <a:ext cx="190500" cy="188913"/>
+            </a:xfrm>
+            <a:custGeom>
+              <a:avLst/>
+              <a:gdLst/>
+              <a:ahLst/>
+              <a:cxnLst/>
+              <a:rect l="0" t="0" r="r" b="b"/>
+              <a:pathLst>
+                <a:path w="40" h="40">
+                  <a:moveTo>
+                    <a:pt x="20" y="40"/>
+                  </a:moveTo>
+                  <a:cubicBezTo>
+                    <a:pt x="9" y="40"/>
+                    <a:pt x="0" y="31"/>
+                    <a:pt x="0" y="20"/>
+                  </a:cubicBezTo>
+                  <a:cubicBezTo>
+                    <a:pt x="0" y="9"/>
+                    <a:pt x="9" y="0"/>
+                    <a:pt x="20" y="0"/>
+                  </a:cubicBezTo>
+                  <a:cubicBezTo>
+                    <a:pt x="31" y="0"/>
+                    <a:pt x="40" y="9"/>
+                    <a:pt x="40" y="20"/>
+                  </a:cubicBezTo>
+                  <a:cubicBezTo>
+                    <a:pt x="40" y="31"/>
+                    <a:pt x="31" y="40"/>
+                    <a:pt x="20" y="40"/>
+                  </a:cubicBezTo>
+                  <a:close/>
+                  <a:moveTo>
+                    <a:pt x="20" y="4"/>
+                  </a:moveTo>
+                  <a:cubicBezTo>
+                    <a:pt x="11" y="4"/>
+                    <a:pt x="4" y="11"/>
+                    <a:pt x="4" y="20"/>
+                  </a:cubicBezTo>
+                  <a:cubicBezTo>
+                    <a:pt x="4" y="29"/>
+                    <a:pt x="11" y="36"/>
+                    <a:pt x="20" y="36"/>
+                  </a:cubicBezTo>
+                  <a:cubicBezTo>
+                    <a:pt x="28" y="36"/>
+                    <a:pt x="36" y="29"/>
+                    <a:pt x="36" y="20"/>
+                  </a:cubicBezTo>
+                  <a:cubicBezTo>
+                    <a:pt x="36" y="11"/>
+                    <a:pt x="28" y="4"/>
+                    <a:pt x="20" y="4"/>
+                  </a:cubicBezTo>
+                  <a:close/>
+                </a:path>
+              </a:pathLst>
+            </a:custGeom>
+            <a:grpFill/>
+            <a:ln>
+              <a:noFill/>
+            </a:ln>
+            <a:extLst>
+              <a:ext uri="{91240B29-F687-4f45-9708-019B960494DF}">
+                <a14:hiddenLine xmlns="" xmlns:p14="http://schemas.microsoft.com/office/powerpoint/2010/main" xmlns:a14="http://schemas.microsoft.com/office/drawing/2010/main" w="9525">
+                  <a:solidFill>
+                    <a:srgbClr val="000000"/>
+                  </a:solidFill>
+                  <a:round/>
+                  <a:headEnd/>
+                  <a:tailEnd/>
+                </a14:hiddenLine>
+              </a:ext>
+            </a:extLst>
+          </p:spPr>
+        </p:sp>
+        <p:sp>
+          <p:nvSpPr>
+            <p:cNvPr id="64" name="Freeform 51">
+              <a:extLst>
+                <a:ext uri="{FF2B5EF4-FFF2-40B4-BE49-F238E27FC236}">
+                  <a16:creationId xmlns:a16="http://schemas.microsoft.com/office/drawing/2014/main" id="{FB0A5F60-550F-4025-9DCE-6F42A7C06438}"/>
+                </a:ext>
+              </a:extLst>
+            </p:cNvPr>
+            <p:cNvSpPr/>
+            <p:nvPr>
+              <p:extLst>
+                <p:ext uri="{386F3935-93C4-4BCD-93E2-E3B085C9AB24}">
+                  <p16:designElem xmlns:p16="http://schemas.microsoft.com/office/powerpoint/2015/main" val="1"/>
+                </p:ext>
+              </p:extLst>
+            </p:nvPr>
+          </p:nvSpPr>
+          <p:spPr bwMode="auto">
+            <a:xfrm>
+              <a:off x="1404938" y="5422900"/>
+              <a:ext cx="371475" cy="1425575"/>
+            </a:xfrm>
+            <a:custGeom>
+              <a:avLst/>
+              <a:gdLst/>
+              <a:ahLst/>
+              <a:cxnLst/>
+              <a:rect l="0" t="0" r="r" b="b"/>
+              <a:pathLst>
+                <a:path w="234" h="898">
+                  <a:moveTo>
+                    <a:pt x="18" y="898"/>
+                  </a:moveTo>
+                  <a:lnTo>
+                    <a:pt x="0" y="898"/>
+                  </a:lnTo>
+                  <a:lnTo>
+                    <a:pt x="0" y="515"/>
+                  </a:lnTo>
+                  <a:lnTo>
+                    <a:pt x="0" y="512"/>
+                  </a:lnTo>
+                  <a:lnTo>
+                    <a:pt x="222" y="0"/>
+                  </a:lnTo>
+                  <a:lnTo>
+                    <a:pt x="234" y="6"/>
+                  </a:lnTo>
+                  <a:lnTo>
+                    <a:pt x="18" y="518"/>
+                  </a:lnTo>
+                  <a:lnTo>
+                    <a:pt x="18" y="898"/>
+                  </a:lnTo>
+                  <a:close/>
+                </a:path>
+              </a:pathLst>
+            </a:custGeom>
+            <a:grpFill/>
+            <a:ln>
+              <a:noFill/>
+            </a:ln>
+            <a:extLst>
+              <a:ext uri="{91240B29-F687-4f45-9708-019B960494DF}">
+                <a14:hiddenLine xmlns="" xmlns:p14="http://schemas.microsoft.com/office/powerpoint/2010/main" xmlns:a14="http://schemas.microsoft.com/office/drawing/2010/main" w="9525">
+                  <a:solidFill>
+                    <a:srgbClr val="000000"/>
+                  </a:solidFill>
+                  <a:round/>
+                  <a:headEnd/>
+                  <a:tailEnd/>
+                </a14:hiddenLine>
+              </a:ext>
+            </a:extLst>
+          </p:spPr>
+        </p:sp>
+        <p:sp>
+          <p:nvSpPr>
+            <p:cNvPr id="65" name="Freeform 52">
+              <a:extLst>
+                <a:ext uri="{FF2B5EF4-FFF2-40B4-BE49-F238E27FC236}">
+                  <a16:creationId xmlns:a16="http://schemas.microsoft.com/office/drawing/2014/main" id="{D7B61D18-4A61-44C9-A809-40639E8C1D91}"/>
+                </a:ext>
+              </a:extLst>
+            </p:cNvPr>
+            <p:cNvSpPr/>
+            <p:nvPr>
+              <p:extLst>
+                <p:ext uri="{386F3935-93C4-4BCD-93E2-E3B085C9AB24}">
+                  <p16:designElem xmlns:p16="http://schemas.microsoft.com/office/powerpoint/2015/main" val="1"/>
+                </p:ext>
+              </p:extLst>
+            </p:nvPr>
+          </p:nvSpPr>
+          <p:spPr bwMode="auto">
+            <a:xfrm>
+              <a:off x="1666875" y="5945188"/>
+              <a:ext cx="152400" cy="912813"/>
+            </a:xfrm>
+            <a:custGeom>
+              <a:avLst/>
+              <a:gdLst/>
+              <a:ahLst/>
+              <a:cxnLst/>
+              <a:rect l="0" t="0" r="r" b="b"/>
+              <a:pathLst>
+                <a:path w="96" h="575">
+                  <a:moveTo>
+                    <a:pt x="15" y="575"/>
+                  </a:moveTo>
+                  <a:lnTo>
+                    <a:pt x="0" y="569"/>
+                  </a:lnTo>
+                  <a:lnTo>
+                    <a:pt x="81" y="383"/>
+                  </a:lnTo>
+                  <a:lnTo>
+                    <a:pt x="81" y="0"/>
+                  </a:lnTo>
+                  <a:lnTo>
+                    <a:pt x="96" y="0"/>
+                  </a:lnTo>
+                  <a:lnTo>
+                    <a:pt x="96" y="386"/>
+                  </a:lnTo>
+                  <a:lnTo>
+                    <a:pt x="15" y="575"/>
+                  </a:lnTo>
+                  <a:close/>
+                </a:path>
+              </a:pathLst>
+            </a:custGeom>
+            <a:grpFill/>
+            <a:ln>
+              <a:noFill/>
+            </a:ln>
+            <a:extLst>
+              <a:ext uri="{91240B29-F687-4f45-9708-019B960494DF}">
+                <a14:hiddenLine xmlns="" xmlns:p14="http://schemas.microsoft.com/office/powerpoint/2010/main" xmlns:a14="http://schemas.microsoft.com/office/drawing/2010/main" w="9525">
+                  <a:solidFill>
+                    <a:srgbClr val="000000"/>
+                  </a:solidFill>
+                  <a:round/>
+                  <a:headEnd/>
+                  <a:tailEnd/>
+                </a14:hiddenLine>
+              </a:ext>
+            </a:extLst>
+          </p:spPr>
+        </p:sp>
+        <p:sp>
+          <p:nvSpPr>
+            <p:cNvPr id="66" name="Freeform 53">
+              <a:extLst>
+                <a:ext uri="{FF2B5EF4-FFF2-40B4-BE49-F238E27FC236}">
+                  <a16:creationId xmlns:a16="http://schemas.microsoft.com/office/drawing/2014/main" id="{CB26E7EB-DC12-4BA7-B5DE-09EF2C1D0A3D}"/>
+                </a:ext>
+              </a:extLst>
+            </p:cNvPr>
+            <p:cNvSpPr>
+              <a:spLocks noEditPoints="1"/>
+            </p:cNvSpPr>
+            <p:nvPr>
+              <p:extLst>
+                <p:ext uri="{386F3935-93C4-4BCD-93E2-E3B085C9AB24}">
+                  <p16:designElem xmlns:p16="http://schemas.microsoft.com/office/powerpoint/2015/main" val="1"/>
+                </p:ext>
+              </p:extLst>
+            </p:nvPr>
+          </p:nvSpPr>
+          <p:spPr bwMode="auto">
+            <a:xfrm>
+              <a:off x="1709738" y="5246688"/>
+              <a:ext cx="190500" cy="190500"/>
+            </a:xfrm>
+            <a:custGeom>
+              <a:avLst/>
+              <a:gdLst/>
+              <a:ahLst/>
+              <a:cxnLst/>
+              <a:rect l="0" t="0" r="r" b="b"/>
+              <a:pathLst>
+                <a:path w="40" h="40">
+                  <a:moveTo>
+                    <a:pt x="20" y="40"/>
+                  </a:moveTo>
+                  <a:cubicBezTo>
+                    <a:pt x="9" y="40"/>
+                    <a:pt x="0" y="31"/>
+                    <a:pt x="0" y="20"/>
+                  </a:cubicBezTo>
+                  <a:cubicBezTo>
+                    <a:pt x="0" y="9"/>
+                    <a:pt x="9" y="0"/>
+                    <a:pt x="20" y="0"/>
+                  </a:cubicBezTo>
+                  <a:cubicBezTo>
+                    <a:pt x="31" y="0"/>
+                    <a:pt x="40" y="9"/>
+                    <a:pt x="40" y="20"/>
+                  </a:cubicBezTo>
+                  <a:cubicBezTo>
+                    <a:pt x="40" y="31"/>
+                    <a:pt x="31" y="40"/>
+                    <a:pt x="20" y="40"/>
+                  </a:cubicBezTo>
+                  <a:close/>
+                  <a:moveTo>
+                    <a:pt x="20" y="4"/>
+                  </a:moveTo>
+                  <a:cubicBezTo>
+                    <a:pt x="11" y="4"/>
+                    <a:pt x="4" y="11"/>
+                    <a:pt x="4" y="20"/>
+                  </a:cubicBezTo>
+                  <a:cubicBezTo>
+                    <a:pt x="4" y="29"/>
+                    <a:pt x="11" y="36"/>
+                    <a:pt x="20" y="36"/>
+                  </a:cubicBezTo>
+                  <a:cubicBezTo>
+                    <a:pt x="29" y="36"/>
+                    <a:pt x="36" y="29"/>
+                    <a:pt x="36" y="20"/>
+                  </a:cubicBezTo>
+                  <a:cubicBezTo>
+                    <a:pt x="36" y="11"/>
+                    <a:pt x="29" y="4"/>
+                    <a:pt x="20" y="4"/>
+                  </a:cubicBezTo>
+                  <a:close/>
+                </a:path>
+              </a:pathLst>
+            </a:custGeom>
+            <a:grpFill/>
+            <a:ln>
+              <a:noFill/>
+            </a:ln>
+            <a:extLst>
+              <a:ext uri="{91240B29-F687-4f45-9708-019B960494DF}">
+                <a14:hiddenLine xmlns="" xmlns:p14="http://schemas.microsoft.com/office/powerpoint/2010/main" xmlns:a14="http://schemas.microsoft.com/office/drawing/2010/main" w="9525">
+                  <a:solidFill>
+                    <a:srgbClr val="000000"/>
+                  </a:solidFill>
+                  <a:round/>
+                  <a:headEnd/>
+                  <a:tailEnd/>
+                </a14:hiddenLine>
+              </a:ext>
+            </a:extLst>
+          </p:spPr>
+        </p:sp>
+        <p:sp>
+          <p:nvSpPr>
+            <p:cNvPr id="67" name="Freeform 54">
+              <a:extLst>
+                <a:ext uri="{FF2B5EF4-FFF2-40B4-BE49-F238E27FC236}">
+                  <a16:creationId xmlns:a16="http://schemas.microsoft.com/office/drawing/2014/main" id="{921237B4-9D85-4611-851F-5DBD71544AE5}"/>
+                </a:ext>
+              </a:extLst>
+            </p:cNvPr>
+            <p:cNvSpPr>
+              <a:spLocks noEditPoints="1"/>
+            </p:cNvSpPr>
+            <p:nvPr>
+              <p:extLst>
+                <p:ext uri="{386F3935-93C4-4BCD-93E2-E3B085C9AB24}">
+                  <p16:designElem xmlns:p16="http://schemas.microsoft.com/office/powerpoint/2015/main" val="1"/>
+                </p:ext>
+              </p:extLst>
+            </p:nvPr>
+          </p:nvSpPr>
+          <p:spPr bwMode="auto">
+            <a:xfrm>
+              <a:off x="1709738" y="5764213"/>
+              <a:ext cx="190500" cy="190500"/>
+            </a:xfrm>
+            <a:custGeom>
+              <a:avLst/>
+              <a:gdLst/>
+              <a:ahLst/>
+              <a:cxnLst/>
+              <a:rect l="0" t="0" r="r" b="b"/>
+              <a:pathLst>
+                <a:path w="40" h="40">
+                  <a:moveTo>
+                    <a:pt x="20" y="40"/>
+                  </a:moveTo>
+                  <a:cubicBezTo>
+                    <a:pt x="9" y="40"/>
+                    <a:pt x="0" y="31"/>
+                    <a:pt x="0" y="20"/>
+                  </a:cubicBezTo>
+                  <a:cubicBezTo>
+                    <a:pt x="0" y="9"/>
+                    <a:pt x="9" y="0"/>
+                    <a:pt x="20" y="0"/>
+                  </a:cubicBezTo>
+                  <a:cubicBezTo>
+                    <a:pt x="31" y="0"/>
+                    <a:pt x="40" y="9"/>
+                    <a:pt x="40" y="20"/>
+                  </a:cubicBezTo>
+                  <a:cubicBezTo>
+                    <a:pt x="40" y="31"/>
+                    <a:pt x="31" y="40"/>
+                    <a:pt x="20" y="40"/>
+                  </a:cubicBezTo>
+                  <a:close/>
+                  <a:moveTo>
+                    <a:pt x="20" y="4"/>
+                  </a:moveTo>
+                  <a:cubicBezTo>
+                    <a:pt x="11" y="4"/>
+                    <a:pt x="4" y="11"/>
+                    <a:pt x="4" y="20"/>
+                  </a:cubicBezTo>
+                  <a:cubicBezTo>
+                    <a:pt x="4" y="29"/>
+                    <a:pt x="11" y="36"/>
+                    <a:pt x="20" y="36"/>
+                  </a:cubicBezTo>
+                  <a:cubicBezTo>
+                    <a:pt x="29" y="36"/>
+                    <a:pt x="36" y="29"/>
+                    <a:pt x="36" y="20"/>
+                  </a:cubicBezTo>
+                  <a:cubicBezTo>
+                    <a:pt x="36" y="11"/>
+                    <a:pt x="29" y="4"/>
+                    <a:pt x="20" y="4"/>
+                  </a:cubicBezTo>
+                  <a:close/>
+                </a:path>
+              </a:pathLst>
+            </a:custGeom>
+            <a:grpFill/>
+            <a:ln>
+              <a:noFill/>
+            </a:ln>
+            <a:extLst>
+              <a:ext uri="{91240B29-F687-4f45-9708-019B960494DF}">
+                <a14:hiddenLine xmlns="" xmlns:p14="http://schemas.microsoft.com/office/powerpoint/2010/main" xmlns:a14="http://schemas.microsoft.com/office/drawing/2010/main" w="9525">
+                  <a:solidFill>
+                    <a:srgbClr val="000000"/>
+                  </a:solidFill>
+                  <a:round/>
+                  <a:headEnd/>
+                  <a:tailEnd/>
+                </a14:hiddenLine>
+              </a:ext>
+            </a:extLst>
+          </p:spPr>
+        </p:sp>
+        <p:sp>
+          <p:nvSpPr>
+            <p:cNvPr id="68" name="Freeform 55">
+              <a:extLst>
+                <a:ext uri="{FF2B5EF4-FFF2-40B4-BE49-F238E27FC236}">
+                  <a16:creationId xmlns:a16="http://schemas.microsoft.com/office/drawing/2014/main" id="{C91509DE-9FAA-4E84-BCC1-CDDBEA8AC016}"/>
+                </a:ext>
+              </a:extLst>
+            </p:cNvPr>
+            <p:cNvSpPr/>
+            <p:nvPr>
+              <p:extLst>
+                <p:ext uri="{386F3935-93C4-4BCD-93E2-E3B085C9AB24}">
+                  <p16:designElem xmlns:p16="http://schemas.microsoft.com/office/powerpoint/2015/main" val="1"/>
+                </p:ext>
+              </p:extLst>
+            </p:nvPr>
+          </p:nvSpPr>
+          <p:spPr bwMode="auto">
+            <a:xfrm>
+              <a:off x="1766888" y="6330950"/>
+              <a:ext cx="419100" cy="527050"/>
+            </a:xfrm>
+            <a:custGeom>
+              <a:avLst/>
+              <a:gdLst/>
+              <a:ahLst/>
+              <a:cxnLst/>
+              <a:rect l="0" t="0" r="r" b="b"/>
+              <a:pathLst>
+                <a:path w="264" h="332">
+                  <a:moveTo>
+                    <a:pt x="12" y="332"/>
+                  </a:moveTo>
+                  <a:lnTo>
+                    <a:pt x="0" y="326"/>
+                  </a:lnTo>
+                  <a:lnTo>
+                    <a:pt x="45" y="206"/>
+                  </a:lnTo>
+                  <a:lnTo>
+                    <a:pt x="255" y="0"/>
+                  </a:lnTo>
+                  <a:lnTo>
+                    <a:pt x="264" y="12"/>
+                  </a:lnTo>
+                  <a:lnTo>
+                    <a:pt x="60" y="215"/>
+                  </a:lnTo>
+                  <a:lnTo>
+                    <a:pt x="12" y="332"/>
+                  </a:lnTo>
+                  <a:close/>
+                </a:path>
+              </a:pathLst>
+            </a:custGeom>
+            <a:grpFill/>
+            <a:ln>
+              <a:noFill/>
+            </a:ln>
+            <a:extLst>
+              <a:ext uri="{91240B29-F687-4f45-9708-019B960494DF}">
+                <a14:hiddenLine xmlns="" xmlns:p14="http://schemas.microsoft.com/office/powerpoint/2010/main" xmlns:a14="http://schemas.microsoft.com/office/drawing/2010/main" w="9525">
+                  <a:solidFill>
+                    <a:srgbClr val="000000"/>
+                  </a:solidFill>
+                  <a:round/>
+                  <a:headEnd/>
+                  <a:tailEnd/>
+                </a14:hiddenLine>
+              </a:ext>
+            </a:extLst>
+          </p:spPr>
+        </p:sp>
+        <p:sp>
+          <p:nvSpPr>
+            <p:cNvPr id="69" name="Freeform 56">
+              <a:extLst>
+                <a:ext uri="{FF2B5EF4-FFF2-40B4-BE49-F238E27FC236}">
+                  <a16:creationId xmlns:a16="http://schemas.microsoft.com/office/drawing/2014/main" id="{C7029B06-6A09-4E46-BA86-F3C66DBDD486}"/>
+                </a:ext>
+              </a:extLst>
+            </p:cNvPr>
+            <p:cNvSpPr>
+              <a:spLocks noEditPoints="1"/>
+            </p:cNvSpPr>
+            <p:nvPr>
+              <p:extLst>
+                <p:ext uri="{386F3935-93C4-4BCD-93E2-E3B085C9AB24}">
+                  <p16:designElem xmlns:p16="http://schemas.microsoft.com/office/powerpoint/2015/main" val="1"/>
+                </p:ext>
+              </p:extLst>
+            </p:nvPr>
+          </p:nvSpPr>
+          <p:spPr bwMode="auto">
+            <a:xfrm>
+              <a:off x="2147888" y="6221413"/>
+              <a:ext cx="157163" cy="147638"/>
+            </a:xfrm>
+            <a:custGeom>
+              <a:avLst/>
+              <a:gdLst/>
+              <a:ahLst/>
+              <a:cxnLst/>
+              <a:rect l="0" t="0" r="r" b="b"/>
+              <a:pathLst>
+                <a:path w="33" h="31">
+                  <a:moveTo>
+                    <a:pt x="16" y="31"/>
+                  </a:moveTo>
+                  <a:cubicBezTo>
+                    <a:pt x="12" y="31"/>
+                    <a:pt x="8" y="29"/>
+                    <a:pt x="5" y="26"/>
+                  </a:cubicBezTo>
+                  <a:cubicBezTo>
+                    <a:pt x="2" y="24"/>
+                    <a:pt x="0" y="20"/>
+                    <a:pt x="0" y="15"/>
+                  </a:cubicBezTo>
+                  <a:cubicBezTo>
+                    <a:pt x="0" y="11"/>
+                    <a:pt x="2" y="7"/>
+                    <a:pt x="5" y="4"/>
+                  </a:cubicBezTo>
+                  <a:cubicBezTo>
+                    <a:pt x="8" y="1"/>
+                    <a:pt x="12" y="0"/>
+                    <a:pt x="16" y="0"/>
+                  </a:cubicBezTo>
+                  <a:cubicBezTo>
+                    <a:pt x="20" y="0"/>
+                    <a:pt x="24" y="1"/>
+                    <a:pt x="27" y="4"/>
+                  </a:cubicBezTo>
+                  <a:cubicBezTo>
+                    <a:pt x="33" y="10"/>
+                    <a:pt x="33" y="20"/>
+                    <a:pt x="27" y="26"/>
+                  </a:cubicBezTo>
+                  <a:cubicBezTo>
+                    <a:pt x="24" y="29"/>
+                    <a:pt x="20" y="31"/>
+                    <a:pt x="16" y="31"/>
+                  </a:cubicBezTo>
+                  <a:close/>
+                  <a:moveTo>
+                    <a:pt x="16" y="4"/>
+                  </a:moveTo>
+                  <a:cubicBezTo>
+                    <a:pt x="13" y="4"/>
+                    <a:pt x="10" y="5"/>
+                    <a:pt x="8" y="7"/>
+                  </a:cubicBezTo>
+                  <a:cubicBezTo>
+                    <a:pt x="6" y="9"/>
+                    <a:pt x="4" y="12"/>
+                    <a:pt x="4" y="15"/>
+                  </a:cubicBezTo>
+                  <a:cubicBezTo>
+                    <a:pt x="4" y="19"/>
+                    <a:pt x="6" y="21"/>
+                    <a:pt x="8" y="24"/>
+                  </a:cubicBezTo>
+                  <a:cubicBezTo>
+                    <a:pt x="10" y="26"/>
+                    <a:pt x="13" y="27"/>
+                    <a:pt x="16" y="27"/>
+                  </a:cubicBezTo>
+                  <a:cubicBezTo>
+                    <a:pt x="19" y="27"/>
+                    <a:pt x="22" y="26"/>
+                    <a:pt x="24" y="24"/>
+                  </a:cubicBezTo>
+                  <a:cubicBezTo>
+                    <a:pt x="29" y="19"/>
+                    <a:pt x="29" y="12"/>
+                    <a:pt x="24" y="7"/>
+                  </a:cubicBezTo>
+                  <a:cubicBezTo>
+                    <a:pt x="22" y="5"/>
+                    <a:pt x="19" y="4"/>
+                    <a:pt x="16" y="4"/>
+                  </a:cubicBezTo>
+                  <a:close/>
+                </a:path>
+              </a:pathLst>
+            </a:custGeom>
+            <a:grpFill/>
+            <a:ln>
+              <a:noFill/>
+            </a:ln>
+            <a:extLst>
+              <a:ext uri="{91240B29-F687-4f45-9708-019B960494DF}">
+                <a14:hiddenLine xmlns="" xmlns:p14="http://schemas.microsoft.com/office/powerpoint/2010/main" xmlns:a14="http://schemas.microsoft.com/office/drawing/2010/main" w="9525">
+                  <a:solidFill>
+                    <a:srgbClr val="000000"/>
+                  </a:solidFill>
+                  <a:round/>
+                  <a:headEnd/>
+                  <a:tailEnd/>
+                </a14:hiddenLine>
+              </a:ext>
+            </a:extLst>
+          </p:spPr>
+        </p:sp>
+        <p:sp>
+          <p:nvSpPr>
+            <p:cNvPr id="70" name="Freeform 57">
+              <a:extLst>
+                <a:ext uri="{FF2B5EF4-FFF2-40B4-BE49-F238E27FC236}">
+                  <a16:creationId xmlns:a16="http://schemas.microsoft.com/office/drawing/2014/main" id="{FF4ACFBF-D1F2-47B1-B0EB-F08C6508BDC4}"/>
+                </a:ext>
+              </a:extLst>
+            </p:cNvPr>
+            <p:cNvSpPr/>
+            <p:nvPr>
+              <p:extLst>
+                <p:ext uri="{386F3935-93C4-4BCD-93E2-E3B085C9AB24}">
+                  <p16:designElem xmlns:p16="http://schemas.microsoft.com/office/powerpoint/2015/main" val="1"/>
+                </p:ext>
+              </p:extLst>
+            </p:nvPr>
+          </p:nvSpPr>
+          <p:spPr bwMode="auto">
+            <a:xfrm>
+              <a:off x="504825" y="9525"/>
+              <a:ext cx="233363" cy="5103813"/>
+            </a:xfrm>
+            <a:custGeom>
+              <a:avLst/>
+              <a:gdLst/>
+              <a:ahLst/>
+              <a:cxnLst/>
+              <a:rect l="0" t="0" r="r" b="b"/>
+              <a:pathLst>
+                <a:path w="147" h="3215">
+                  <a:moveTo>
+                    <a:pt x="132" y="3215"/>
+                  </a:moveTo>
+                  <a:lnTo>
+                    <a:pt x="129" y="2754"/>
+                  </a:lnTo>
+                  <a:lnTo>
+                    <a:pt x="0" y="1901"/>
+                  </a:lnTo>
+                  <a:lnTo>
+                    <a:pt x="0" y="0"/>
+                  </a:lnTo>
+                  <a:lnTo>
+                    <a:pt x="15" y="0"/>
+                  </a:lnTo>
+                  <a:lnTo>
+                    <a:pt x="15" y="1898"/>
+                  </a:lnTo>
+                  <a:lnTo>
+                    <a:pt x="144" y="2754"/>
+                  </a:lnTo>
+                  <a:lnTo>
+                    <a:pt x="147" y="3215"/>
+                  </a:lnTo>
+                  <a:lnTo>
+                    <a:pt x="132" y="3215"/>
+                  </a:lnTo>
+                  <a:close/>
+                </a:path>
+              </a:pathLst>
+            </a:custGeom>
+            <a:grpFill/>
+            <a:ln>
+              <a:noFill/>
+            </a:ln>
+            <a:extLst>
+              <a:ext uri="{91240B29-F687-4f45-9708-019B960494DF}">
+                <a14:hiddenLine xmlns="" xmlns:p14="http://schemas.microsoft.com/office/powerpoint/2010/main" xmlns:a14="http://schemas.microsoft.com/office/drawing/2010/main" w="9525">
+                  <a:solidFill>
+                    <a:srgbClr val="000000"/>
+                  </a:solidFill>
+                  <a:round/>
+                  <a:headEnd/>
+                  <a:tailEnd/>
+                </a14:hiddenLine>
+              </a:ext>
+            </a:extLst>
+          </p:spPr>
+        </p:sp>
+        <p:sp>
+          <p:nvSpPr>
+            <p:cNvPr id="71" name="Freeform 58">
+              <a:extLst>
+                <a:ext uri="{FF2B5EF4-FFF2-40B4-BE49-F238E27FC236}">
+                  <a16:creationId xmlns:a16="http://schemas.microsoft.com/office/drawing/2014/main" id="{A6FD1991-3A0E-4F63-BAD9-A98C29860488}"/>
+                </a:ext>
+              </a:extLst>
+            </p:cNvPr>
+            <p:cNvSpPr>
+              <a:spLocks noEditPoints="1"/>
+            </p:cNvSpPr>
+            <p:nvPr>
+              <p:extLst>
+                <p:ext uri="{386F3935-93C4-4BCD-93E2-E3B085C9AB24}">
+                  <p16:designElem xmlns:p16="http://schemas.microsoft.com/office/powerpoint/2015/main" val="1"/>
+                </p:ext>
+              </p:extLst>
+            </p:nvPr>
+          </p:nvSpPr>
+          <p:spPr bwMode="auto">
+            <a:xfrm>
+              <a:off x="633413" y="5103813"/>
+              <a:ext cx="185738" cy="185738"/>
+            </a:xfrm>
+            <a:custGeom>
+              <a:avLst/>
+              <a:gdLst/>
+              <a:ahLst/>
+              <a:cxnLst/>
+              <a:rect l="0" t="0" r="r" b="b"/>
+              <a:pathLst>
+                <a:path w="39" h="39">
+                  <a:moveTo>
+                    <a:pt x="20" y="39"/>
+                  </a:moveTo>
+                  <a:cubicBezTo>
+                    <a:pt x="9" y="39"/>
+                    <a:pt x="0" y="30"/>
+                    <a:pt x="0" y="19"/>
+                  </a:cubicBezTo>
+                  <a:cubicBezTo>
+                    <a:pt x="0" y="9"/>
+                    <a:pt x="9" y="0"/>
+                    <a:pt x="20" y="0"/>
+                  </a:cubicBezTo>
+                  <a:cubicBezTo>
+                    <a:pt x="30" y="0"/>
+                    <a:pt x="39" y="9"/>
+                    <a:pt x="39" y="19"/>
+                  </a:cubicBezTo>
+                  <a:cubicBezTo>
+                    <a:pt x="39" y="30"/>
+                    <a:pt x="30" y="39"/>
+                    <a:pt x="20" y="39"/>
+                  </a:cubicBezTo>
+                  <a:close/>
+                  <a:moveTo>
+                    <a:pt x="20" y="4"/>
+                  </a:moveTo>
+                  <a:cubicBezTo>
+                    <a:pt x="11" y="4"/>
+                    <a:pt x="4" y="11"/>
+                    <a:pt x="4" y="19"/>
+                  </a:cubicBezTo>
+                  <a:cubicBezTo>
+                    <a:pt x="4" y="28"/>
+                    <a:pt x="11" y="35"/>
+                    <a:pt x="20" y="35"/>
+                  </a:cubicBezTo>
+                  <a:cubicBezTo>
+                    <a:pt x="28" y="35"/>
+                    <a:pt x="35" y="28"/>
+                    <a:pt x="35" y="19"/>
+                  </a:cubicBezTo>
+                  <a:cubicBezTo>
+                    <a:pt x="35" y="11"/>
+                    <a:pt x="28" y="4"/>
+                    <a:pt x="20" y="4"/>
+                  </a:cubicBezTo>
+                  <a:close/>
+                </a:path>
+              </a:pathLst>
+            </a:custGeom>
+            <a:grpFill/>
+            <a:ln>
+              <a:noFill/>
+            </a:ln>
+            <a:extLst>
+              <a:ext uri="{91240B29-F687-4f45-9708-019B960494DF}">
+                <a14:hiddenLine xmlns="" xmlns:p14="http://schemas.microsoft.com/office/powerpoint/2010/main" xmlns:a14="http://schemas.microsoft.com/office/drawing/2010/main" w="9525">
+                  <a:solidFill>
+                    <a:srgbClr val="000000"/>
+                  </a:solidFill>
+                  <a:round/>
+                  <a:headEnd/>
+                  <a:tailEnd/>
+                </a14:hiddenLine>
+              </a:ext>
+            </a:extLst>
+          </p:spPr>
+        </p:sp>
+      </p:grpSp>
       <p:sp>
         <p:nvSpPr>
           <p:cNvPr id="2" name="Title 1">
@@ -12783,13 +17704,20 @@
             <p:ph type="title"/>
           </p:nvPr>
         </p:nvSpPr>
-        <p:spPr/>
+        <p:spPr>
+          <a:xfrm>
+            <a:off x="7962519" y="618518"/>
+            <a:ext cx="3084891" cy="1478570"/>
+          </a:xfrm>
+        </p:spPr>
         <p:txBody>
-          <a:bodyPr/>
+          <a:bodyPr>
+            <a:normAutofit/>
+          </a:bodyPr>
           <a:lstStyle/>
           <a:p>
             <a:r>
-              <a:rPr lang="en-US" dirty="0"/>
+              <a:rPr lang="en-US" sz="3200"/>
               <a:t>software</a:t>
             </a:r>
           </a:p>
@@ -12797,10 +17725,10 @@
       </p:sp>
       <p:sp>
         <p:nvSpPr>
-          <p:cNvPr id="3" name="Content Placeholder 2">
+          <p:cNvPr id="10" name="Content Placeholder 9">
             <a:extLst>
               <a:ext uri="{FF2B5EF4-FFF2-40B4-BE49-F238E27FC236}">
-                <a16:creationId xmlns:a16="http://schemas.microsoft.com/office/drawing/2014/main" id="{46FA4D78-68A6-EA46-A820-E22031761245}"/>
+                <a16:creationId xmlns:a16="http://schemas.microsoft.com/office/drawing/2014/main" id="{19F827B3-9A96-42E5-8441-209C6E06EDF1}"/>
               </a:ext>
             </a:extLst>
           </p:cNvPr>
@@ -12811,15 +17739,82 @@
             <p:ph idx="1"/>
           </p:nvPr>
         </p:nvSpPr>
-        <p:spPr/>
+        <p:spPr>
+          <a:xfrm>
+            <a:off x="7962519" y="2249487"/>
+            <a:ext cx="3084892" cy="3541714"/>
+          </a:xfrm>
+        </p:spPr>
         <p:txBody>
-          <a:bodyPr/>
+          <a:bodyPr>
+            <a:normAutofit/>
+          </a:bodyPr>
           <a:lstStyle/>
           <a:p>
-            <a:endParaRPr lang="en-US"/>
+            <a:r>
+              <a:rPr lang="en-US" sz="1800"/>
+              <a:t>Variables</a:t>
+            </a:r>
+            <a:endParaRPr lang="en-US" sz="1800" dirty="0"/>
+          </a:p>
+          <a:p>
+            <a:endParaRPr lang="en-US" sz="1800" dirty="0"/>
+          </a:p>
+          <a:p>
+            <a:r>
+              <a:rPr lang="en-US" sz="1800" dirty="0"/>
+              <a:t>Functions</a:t>
+            </a:r>
+          </a:p>
+          <a:p>
+            <a:endParaRPr lang="en-US" sz="1800" dirty="0"/>
+          </a:p>
+          <a:p>
+            <a:r>
+              <a:rPr lang="en-US" sz="1800" dirty="0"/>
+              <a:t>Inputs</a:t>
+            </a:r>
+          </a:p>
+          <a:p>
+            <a:endParaRPr lang="en-US" sz="1800" dirty="0"/>
+          </a:p>
+          <a:p>
+            <a:r>
+              <a:rPr lang="en-US" sz="1800" dirty="0"/>
+              <a:t>Outputs</a:t>
+            </a:r>
           </a:p>
         </p:txBody>
       </p:sp>
+      <p:pic>
+        <p:nvPicPr>
+          <p:cNvPr id="8" name="Content Placeholder 4">
+            <a:extLst>
+              <a:ext uri="{FF2B5EF4-FFF2-40B4-BE49-F238E27FC236}">
+                <a16:creationId xmlns:a16="http://schemas.microsoft.com/office/drawing/2014/main" id="{202F872B-0896-5945-B599-B016ED4F78E3}"/>
+              </a:ext>
+            </a:extLst>
+          </p:cNvPr>
+          <p:cNvPicPr>
+            <a:picLocks noChangeAspect="1"/>
+          </p:cNvPicPr>
+          <p:nvPr/>
+        </p:nvPicPr>
+        <p:blipFill rotWithShape="1">
+          <a:blip r:embed="rId4"/>
+          <a:srcRect t="11827" r="-1" b="5606"/>
+          <a:stretch/>
+        </p:blipFill>
+        <p:spPr>
+          <a:xfrm>
+            <a:off x="-5597" y="10"/>
+            <a:ext cx="7558541" cy="6857990"/>
+          </a:xfrm>
+          <a:prstGeom prst="rect">
+            <a:avLst/>
+          </a:prstGeom>
+        </p:spPr>
+      </p:pic>
     </p:spTree>
     <p:extLst>
       <p:ext uri="{BB962C8B-B14F-4D97-AF65-F5344CB8AC3E}">
@@ -12872,10 +17867,9 @@
           <a:lstStyle/>
           <a:p>
             <a:r>
-              <a:rPr lang="en-US"/>
+              <a:rPr lang="en-US" dirty="0"/>
               <a:t>What’s next</a:t>
             </a:r>
-            <a:endParaRPr lang="en-US" dirty="0"/>
           </a:p>
         </p:txBody>
       </p:sp>
